--- a/mvc/slides/04_Models.pptx
+++ b/mvc/slides/04_Models.pptx
@@ -5,10 +5,10 @@
     <p:sldMasterId id="2147483772" r:id="rId1"/>
   </p:sldMasterIdLst>
   <p:notesMasterIdLst>
-    <p:notesMasterId r:id="rId19"/>
+    <p:notesMasterId r:id="rId20"/>
   </p:notesMasterIdLst>
   <p:handoutMasterIdLst>
-    <p:handoutMasterId r:id="rId20"/>
+    <p:handoutMasterId r:id="rId21"/>
   </p:handoutMasterIdLst>
   <p:sldIdLst>
     <p:sldId id="327" r:id="rId2"/>
@@ -18,16 +18,17 @@
     <p:sldId id="384" r:id="rId6"/>
     <p:sldId id="385" r:id="rId7"/>
     <p:sldId id="383" r:id="rId8"/>
-    <p:sldId id="388" r:id="rId9"/>
-    <p:sldId id="386" r:id="rId10"/>
-    <p:sldId id="387" r:id="rId11"/>
-    <p:sldId id="396" r:id="rId12"/>
-    <p:sldId id="395" r:id="rId13"/>
-    <p:sldId id="397" r:id="rId14"/>
-    <p:sldId id="398" r:id="rId15"/>
-    <p:sldId id="399" r:id="rId16"/>
-    <p:sldId id="400" r:id="rId17"/>
-    <p:sldId id="363" r:id="rId18"/>
+    <p:sldId id="401" r:id="rId9"/>
+    <p:sldId id="388" r:id="rId10"/>
+    <p:sldId id="386" r:id="rId11"/>
+    <p:sldId id="387" r:id="rId12"/>
+    <p:sldId id="396" r:id="rId13"/>
+    <p:sldId id="395" r:id="rId14"/>
+    <p:sldId id="397" r:id="rId15"/>
+    <p:sldId id="398" r:id="rId16"/>
+    <p:sldId id="399" r:id="rId17"/>
+    <p:sldId id="400" r:id="rId18"/>
+    <p:sldId id="363" r:id="rId19"/>
   </p:sldIdLst>
   <p:sldSz cx="9144000" cy="6858000" type="screen4x3"/>
   <p:notesSz cx="7302500" cy="9588500"/>
@@ -168,6 +169,7 @@
             <p14:sldId id="384"/>
             <p14:sldId id="385"/>
             <p14:sldId id="383"/>
+            <p14:sldId id="401"/>
             <p14:sldId id="388"/>
             <p14:sldId id="386"/>
             <p14:sldId id="387"/>
@@ -277,7 +279,7 @@
               <a:pPr>
                 <a:defRPr/>
               </a:pPr>
-              <a:t>4/18/2012</a:t>
+              <a:t>7/7/2012</a:t>
             </a:fld>
             <a:endParaRPr lang="en-US"/>
           </a:p>
@@ -1050,7 +1052,7 @@
             <a:fld id="{6F8E712A-3391-44E3-B8E1-37AE61B13131}" type="slidenum">
               <a:rPr lang="en-US" smtClean="0"/>
               <a:pPr/>
-              <a:t>17</a:t>
+              <a:t>18</a:t>
             </a:fld>
             <a:endParaRPr lang="en-US" smtClean="0"/>
           </a:p>
@@ -3018,7 +3020,7 @@
           <a:p>
             <a:r>
               <a:rPr lang="en-US" dirty="0" smtClean="0"/>
-              <a:t>Model Parameters</a:t>
+              <a:t>Using Parameters</a:t>
             </a:r>
             <a:endParaRPr lang="en-US" dirty="0"/>
           </a:p>
@@ -3040,29 +3042,27 @@
           <a:lstStyle/>
           <a:p>
             <a:r>
+              <a:rPr lang="en-US" dirty="0" smtClean="0"/>
+              <a:t>Parameters become required values for the action</a:t>
+            </a:r>
+          </a:p>
+          <a:p>
+            <a:pPr lvl="1"/>
+            <a:r>
+              <a:rPr lang="en-US" dirty="0" smtClean="0"/>
+              <a:t>Can fail when value not found</a:t>
+            </a:r>
+          </a:p>
+          <a:p>
+            <a:pPr lvl="1"/>
+            <a:r>
               <a:rPr lang="en-US" dirty="0" err="1" smtClean="0"/>
-              <a:t>ActionInvoker</a:t>
+              <a:t>Nullable</a:t>
             </a:r>
             <a:r>
               <a:rPr lang="en-US" dirty="0" smtClean="0"/>
-              <a:t> will create and bind new model instance</a:t>
-            </a:r>
-          </a:p>
-          <a:p>
-            <a:pPr lvl="1"/>
-            <a:r>
-              <a:rPr lang="en-US" dirty="0" smtClean="0"/>
-              <a:t>Use </a:t>
-            </a:r>
-            <a:r>
-              <a:rPr lang="en-US" dirty="0" err="1" smtClean="0"/>
-              <a:t>BindAttribute</a:t>
-            </a:r>
-            <a:r>
-              <a:rPr lang="en-US" dirty="0" smtClean="0"/>
-              <a:t> for includes and excludes</a:t>
-            </a:r>
-            <a:endParaRPr lang="en-US" dirty="0"/>
+              <a:t> parameters become optional</a:t>
+            </a:r>
           </a:p>
         </p:txBody>
       </p:sp>
@@ -3076,8 +3076,8 @@
         </p:nvSpPr>
         <p:spPr bwMode="auto">
           <a:xfrm>
-            <a:off x="685800" y="2362200"/>
-            <a:ext cx="7848600" cy="3733800"/>
+            <a:off x="685800" y="2590800"/>
+            <a:ext cx="7543800" cy="3886200"/>
           </a:xfrm>
           <a:prstGeom prst="rect">
             <a:avLst/>
@@ -3115,22 +3115,11 @@
             </a:pPr>
             <a:r>
               <a:rPr lang="en-US" sz="1800" b="0" dirty="0" smtClean="0">
-                <a:solidFill>
-                  <a:srgbClr val="0000FF"/>
-                </a:solidFill>
-                <a:latin typeface="Consolas"/>
-                <a:ea typeface="Calibri"/>
-                <a:cs typeface="Times New Roman"/>
-              </a:rPr>
-              <a:t>public</a:t>
-            </a:r>
-            <a:r>
-              <a:rPr lang="en-US" sz="1800" b="0" dirty="0" smtClean="0">
-                <a:latin typeface="Consolas"/>
-                <a:ea typeface="Calibri"/>
-                <a:cs typeface="Times New Roman"/>
-              </a:rPr>
-              <a:t> </a:t>
+                <a:latin typeface="Consolas"/>
+                <a:ea typeface="Calibri"/>
+                <a:cs typeface="Times New Roman"/>
+              </a:rPr>
+              <a:t>[</a:t>
             </a:r>
             <a:r>
               <a:rPr lang="en-US" sz="1800" b="0" dirty="0" err="1" smtClean="0">
@@ -3141,18 +3130,18 @@
                 <a:ea typeface="Calibri"/>
                 <a:cs typeface="Times New Roman"/>
               </a:rPr>
-              <a:t>ActionResult</a:t>
-            </a:r>
-            <a:r>
-              <a:rPr lang="en-US" sz="1800" b="0" dirty="0" smtClean="0">
-                <a:latin typeface="Consolas"/>
-                <a:ea typeface="Calibri"/>
-                <a:cs typeface="Times New Roman"/>
-              </a:rPr>
-              <a:t> Create([</a:t>
-            </a:r>
-            <a:r>
-              <a:rPr lang="en-US" sz="1800" b="0" dirty="0" smtClean="0">
+              <a:t>AcceptVerbs</a:t>
+            </a:r>
+            <a:r>
+              <a:rPr lang="en-US" sz="1800" b="0" dirty="0" smtClean="0">
+                <a:latin typeface="Consolas"/>
+                <a:ea typeface="Calibri"/>
+                <a:cs typeface="Times New Roman"/>
+              </a:rPr>
+              <a:t>(</a:t>
+            </a:r>
+            <a:r>
+              <a:rPr lang="en-US" sz="1800" b="0" dirty="0" err="1" smtClean="0">
                 <a:solidFill>
                   <a:srgbClr val="2B91AF"/>
                 </a:solidFill>
@@ -3160,48 +3149,15 @@
                 <a:ea typeface="Calibri"/>
                 <a:cs typeface="Times New Roman"/>
               </a:rPr>
-              <a:t>Bind</a:t>
-            </a:r>
-            <a:r>
-              <a:rPr lang="en-US" sz="1800" b="0" dirty="0" smtClean="0">
-                <a:latin typeface="Consolas"/>
-                <a:ea typeface="Calibri"/>
-                <a:cs typeface="Times New Roman"/>
-              </a:rPr>
-              <a:t>(Include=</a:t>
-            </a:r>
-            <a:r>
-              <a:rPr lang="en-US" sz="1800" b="0" dirty="0" smtClean="0">
-                <a:solidFill>
-                  <a:srgbClr val="A31515"/>
-                </a:solidFill>
-                <a:latin typeface="Consolas"/>
-                <a:ea typeface="Calibri"/>
-                <a:cs typeface="Times New Roman"/>
-              </a:rPr>
-              <a:t>"Name, </a:t>
+              <a:t>HttpVerbs</a:t>
             </a:r>
             <a:r>
               <a:rPr lang="en-US" sz="1800" b="0" dirty="0" err="1" smtClean="0">
-                <a:solidFill>
-                  <a:srgbClr val="A31515"/>
-                </a:solidFill>
-                <a:latin typeface="Consolas"/>
-                <a:ea typeface="Calibri"/>
-                <a:cs typeface="Times New Roman"/>
-              </a:rPr>
-              <a:t>HireDate</a:t>
-            </a:r>
-            <a:r>
-              <a:rPr lang="en-US" sz="1800" b="0" dirty="0" smtClean="0">
-                <a:solidFill>
-                  <a:srgbClr val="A31515"/>
-                </a:solidFill>
-                <a:latin typeface="Consolas"/>
-                <a:ea typeface="Calibri"/>
-                <a:cs typeface="Times New Roman"/>
-              </a:rPr>
-              <a:t>"</a:t>
+                <a:latin typeface="Consolas"/>
+                <a:ea typeface="Calibri"/>
+                <a:cs typeface="Times New Roman"/>
+              </a:rPr>
+              <a:t>.Post</a:t>
             </a:r>
             <a:r>
               <a:rPr lang="en-US" sz="1800" b="0" dirty="0" smtClean="0">
@@ -3231,14 +3187,25 @@
             </a:pPr>
             <a:r>
               <a:rPr lang="en-US" sz="1800" b="0" dirty="0" smtClean="0">
-                <a:latin typeface="Consolas"/>
-                <a:ea typeface="Calibri"/>
-                <a:cs typeface="Times New Roman"/>
-              </a:rPr>
-              <a:t>                            </a:t>
-            </a:r>
-            <a:r>
-              <a:rPr lang="en-US" sz="1800" b="0" dirty="0" smtClean="0">
+                <a:solidFill>
+                  <a:srgbClr val="0000FF"/>
+                </a:solidFill>
+                <a:latin typeface="Consolas"/>
+                <a:ea typeface="Calibri"/>
+                <a:cs typeface="Times New Roman"/>
+              </a:rPr>
+              <a:t>public</a:t>
+            </a:r>
+            <a:r>
+              <a:rPr lang="en-US" sz="1800" b="0" dirty="0" smtClean="0">
+                <a:latin typeface="Consolas"/>
+                <a:ea typeface="Calibri"/>
+                <a:cs typeface="Times New Roman"/>
+              </a:rPr>
+              <a:t> </a:t>
+            </a:r>
+            <a:r>
+              <a:rPr lang="en-US" sz="1800" b="0" dirty="0" err="1" smtClean="0">
                 <a:solidFill>
                   <a:srgbClr val="2B91AF"/>
                 </a:solidFill>
@@ -3246,7 +3213,45 @@
                 <a:ea typeface="Calibri"/>
                 <a:cs typeface="Times New Roman"/>
               </a:rPr>
-              <a:t>Employee</a:t>
+              <a:t>ActionResult</a:t>
+            </a:r>
+            <a:r>
+              <a:rPr lang="en-US" sz="1800" b="0" dirty="0" smtClean="0">
+                <a:latin typeface="Consolas"/>
+                <a:ea typeface="Calibri"/>
+                <a:cs typeface="Times New Roman"/>
+              </a:rPr>
+              <a:t> Create(</a:t>
+            </a:r>
+            <a:r>
+              <a:rPr lang="en-US" sz="1800" b="0" dirty="0" smtClean="0">
+                <a:solidFill>
+                  <a:srgbClr val="0000FF"/>
+                </a:solidFill>
+                <a:latin typeface="Consolas"/>
+                <a:ea typeface="Calibri"/>
+                <a:cs typeface="Times New Roman"/>
+              </a:rPr>
+              <a:t>string</a:t>
+            </a:r>
+            <a:r>
+              <a:rPr lang="en-US" sz="1800" b="0" dirty="0" smtClean="0">
+                <a:latin typeface="Consolas"/>
+                <a:ea typeface="Calibri"/>
+                <a:cs typeface="Times New Roman"/>
+              </a:rPr>
+              <a:t> name, </a:t>
+            </a:r>
+            <a:r>
+              <a:rPr lang="en-US" sz="1800" b="0" dirty="0" err="1" smtClean="0">
+                <a:solidFill>
+                  <a:srgbClr val="2B91AF"/>
+                </a:solidFill>
+                <a:latin typeface="Consolas"/>
+                <a:ea typeface="Calibri"/>
+                <a:cs typeface="Times New Roman"/>
+              </a:rPr>
+              <a:t>DateTime</a:t>
             </a:r>
             <a:r>
               <a:rPr lang="en-US" sz="1800" b="0" dirty="0" smtClean="0">
@@ -3262,7 +3267,7 @@
                 <a:ea typeface="Calibri"/>
                 <a:cs typeface="Times New Roman"/>
               </a:rPr>
-              <a:t>employee</a:t>
+              <a:t>hireDate</a:t>
             </a:r>
             <a:r>
               <a:rPr lang="en-US" sz="1800" b="0" dirty="0" smtClean="0">
@@ -3388,7 +3393,7 @@
               <a:t>        </a:t>
             </a:r>
             <a:r>
-              <a:rPr lang="en-US" sz="1800" b="0" dirty="0" smtClean="0">
+              <a:rPr lang="en-US" sz="1800" b="0" dirty="0" err="1" smtClean="0">
                 <a:solidFill>
                   <a:srgbClr val="0000FF"/>
                 </a:solidFill>
@@ -3396,31 +3401,53 @@
                 <a:ea typeface="Calibri"/>
                 <a:cs typeface="Times New Roman"/>
               </a:rPr>
-              <a:t>if</a:t>
-            </a:r>
-            <a:r>
-              <a:rPr lang="en-US" sz="1800" b="0" dirty="0" smtClean="0">
-                <a:latin typeface="Consolas"/>
-                <a:ea typeface="Calibri"/>
-                <a:cs typeface="Times New Roman"/>
-              </a:rPr>
-              <a:t> (</a:t>
-            </a:r>
-            <a:r>
-              <a:rPr lang="en-US" sz="1800" b="0" dirty="0" err="1" smtClean="0">
-                <a:latin typeface="Consolas"/>
-                <a:ea typeface="Calibri"/>
-                <a:cs typeface="Times New Roman"/>
-              </a:rPr>
-              <a:t>ModelState.IsValid</a:t>
-            </a:r>
-            <a:r>
-              <a:rPr lang="en-US" sz="1800" b="0" dirty="0" smtClean="0">
-                <a:latin typeface="Consolas"/>
-                <a:ea typeface="Calibri"/>
-                <a:cs typeface="Times New Roman"/>
-              </a:rPr>
-              <a:t>)</a:t>
+              <a:t>var</a:t>
+            </a:r>
+            <a:r>
+              <a:rPr lang="en-US" sz="1800" b="0" dirty="0" smtClean="0">
+                <a:latin typeface="Consolas"/>
+                <a:ea typeface="Calibri"/>
+                <a:cs typeface="Times New Roman"/>
+              </a:rPr>
+              <a:t> employee = </a:t>
+            </a:r>
+            <a:r>
+              <a:rPr lang="en-US" sz="1800" b="0" dirty="0" smtClean="0">
+                <a:solidFill>
+                  <a:srgbClr val="0000FF"/>
+                </a:solidFill>
+                <a:latin typeface="Consolas"/>
+                <a:ea typeface="Calibri"/>
+                <a:cs typeface="Times New Roman"/>
+              </a:rPr>
+              <a:t>new</a:t>
+            </a:r>
+            <a:r>
+              <a:rPr lang="en-US" sz="1800" b="0" dirty="0" smtClean="0">
+                <a:latin typeface="Consolas"/>
+                <a:ea typeface="Calibri"/>
+                <a:cs typeface="Times New Roman"/>
+              </a:rPr>
+              <a:t> </a:t>
+            </a:r>
+            <a:r>
+              <a:rPr lang="en-US" sz="1800" b="0" dirty="0" smtClean="0">
+                <a:solidFill>
+                  <a:srgbClr val="2B91AF"/>
+                </a:solidFill>
+                <a:latin typeface="Consolas"/>
+                <a:ea typeface="Calibri"/>
+                <a:cs typeface="Times New Roman"/>
+              </a:rPr>
+              <a:t>Employee</a:t>
+            </a:r>
+            <a:r>
+              <a:rPr lang="en-US" sz="1800" b="0" dirty="0" smtClean="0">
+                <a:latin typeface="Consolas"/>
+                <a:ea typeface="Calibri"/>
+                <a:cs typeface="Times New Roman"/>
+              </a:rPr>
+              <a:t>();</a:t>
             </a:r>
             <a:endParaRPr lang="en-US" sz="1800" b="0" dirty="0" smtClean="0">
               <a:latin typeface="Calibri"/>
@@ -3446,7 +3473,23 @@
                 <a:ea typeface="Calibri"/>
                 <a:cs typeface="Times New Roman"/>
               </a:rPr>
-              <a:t>        {</a:t>
+              <a:t>        </a:t>
+            </a:r>
+            <a:r>
+              <a:rPr lang="en-US" sz="1800" b="0" dirty="0" err="1" smtClean="0">
+                <a:latin typeface="Consolas"/>
+                <a:ea typeface="Calibri"/>
+                <a:cs typeface="Times New Roman"/>
+              </a:rPr>
+              <a:t>employee.Name</a:t>
+            </a:r>
+            <a:r>
+              <a:rPr lang="en-US" sz="1800" b="0" dirty="0" smtClean="0">
+                <a:latin typeface="Consolas"/>
+                <a:ea typeface="Calibri"/>
+                <a:cs typeface="Times New Roman"/>
+              </a:rPr>
+              <a:t> = name;</a:t>
             </a:r>
             <a:endParaRPr lang="en-US" sz="1800" b="0" dirty="0" smtClean="0">
               <a:latin typeface="Calibri"/>
@@ -3472,64 +3515,39 @@
                 <a:ea typeface="Calibri"/>
                 <a:cs typeface="Times New Roman"/>
               </a:rPr>
-              <a:t>            </a:t>
+              <a:t>        </a:t>
             </a:r>
             <a:r>
               <a:rPr lang="en-US" sz="1800" b="0" dirty="0" err="1" smtClean="0">
-                <a:solidFill>
-                  <a:srgbClr val="0000FF"/>
-                </a:solidFill>
-                <a:latin typeface="Consolas"/>
-                <a:ea typeface="Calibri"/>
-                <a:cs typeface="Times New Roman"/>
-              </a:rPr>
-              <a:t>var</a:t>
-            </a:r>
-            <a:r>
-              <a:rPr lang="en-US" sz="1800" b="0" dirty="0" smtClean="0">
-                <a:latin typeface="Consolas"/>
-                <a:ea typeface="Calibri"/>
-                <a:cs typeface="Times New Roman"/>
-              </a:rPr>
-              <a:t> repository = </a:t>
-            </a:r>
-            <a:r>
-              <a:rPr lang="en-US" sz="1800" b="0" dirty="0" smtClean="0">
-                <a:solidFill>
-                  <a:srgbClr val="0000FF"/>
-                </a:solidFill>
-                <a:latin typeface="Consolas"/>
-                <a:ea typeface="Calibri"/>
-                <a:cs typeface="Times New Roman"/>
-              </a:rPr>
-              <a:t>new</a:t>
-            </a:r>
-            <a:r>
-              <a:rPr lang="en-US" sz="1800" b="0" dirty="0" smtClean="0">
-                <a:latin typeface="Consolas"/>
-                <a:ea typeface="Calibri"/>
-                <a:cs typeface="Times New Roman"/>
-              </a:rPr>
-              <a:t> </a:t>
+                <a:latin typeface="Consolas"/>
+                <a:ea typeface="Calibri"/>
+                <a:cs typeface="Times New Roman"/>
+              </a:rPr>
+              <a:t>employee.HireDate</a:t>
+            </a:r>
+            <a:r>
+              <a:rPr lang="en-US" sz="1800" b="0" dirty="0" smtClean="0">
+                <a:latin typeface="Consolas"/>
+                <a:ea typeface="Calibri"/>
+                <a:cs typeface="Times New Roman"/>
+              </a:rPr>
+              <a:t> = </a:t>
             </a:r>
             <a:r>
               <a:rPr lang="en-US" sz="1800" b="0" dirty="0" err="1" smtClean="0">
-                <a:solidFill>
-                  <a:srgbClr val="2B91AF"/>
-                </a:solidFill>
-                <a:latin typeface="Consolas"/>
-                <a:ea typeface="Calibri"/>
-                <a:cs typeface="Times New Roman"/>
-              </a:rPr>
-              <a:t>EmployeeRepository</a:t>
-            </a:r>
-            <a:r>
-              <a:rPr lang="en-US" sz="1800" b="0" dirty="0" smtClean="0">
-                <a:latin typeface="Consolas"/>
-                <a:ea typeface="Calibri"/>
-                <a:cs typeface="Times New Roman"/>
-              </a:rPr>
-              <a:t>();</a:t>
+                <a:latin typeface="Consolas"/>
+                <a:ea typeface="Calibri"/>
+                <a:cs typeface="Times New Roman"/>
+              </a:rPr>
+              <a:t>hireDate</a:t>
+            </a:r>
+            <a:r>
+              <a:rPr lang="en-US" sz="1800" b="0" dirty="0" smtClean="0">
+                <a:latin typeface="Consolas"/>
+                <a:ea typeface="Calibri"/>
+                <a:cs typeface="Times New Roman"/>
+              </a:rPr>
+              <a:t>;</a:t>
             </a:r>
             <a:endParaRPr lang="en-US" sz="1800" b="0" dirty="0" smtClean="0">
               <a:latin typeface="Calibri"/>
@@ -3555,23 +3573,7 @@
                 <a:ea typeface="Calibri"/>
                 <a:cs typeface="Times New Roman"/>
               </a:rPr>
-              <a:t>            </a:t>
-            </a:r>
-            <a:r>
-              <a:rPr lang="en-US" sz="1800" b="0" dirty="0" err="1" smtClean="0">
-                <a:latin typeface="Consolas"/>
-                <a:ea typeface="Calibri"/>
-                <a:cs typeface="Times New Roman"/>
-              </a:rPr>
-              <a:t>repository.Add</a:t>
-            </a:r>
-            <a:r>
-              <a:rPr lang="en-US" sz="1800" b="0" dirty="0" smtClean="0">
-                <a:latin typeface="Consolas"/>
-                <a:ea typeface="Calibri"/>
-                <a:cs typeface="Times New Roman"/>
-              </a:rPr>
-              <a:t>(employee);</a:t>
+              <a:t>        </a:t>
             </a:r>
             <a:endParaRPr lang="en-US" sz="1800" b="0" dirty="0" smtClean="0">
               <a:latin typeface="Calibri"/>
@@ -3597,7 +3599,64 @@
                 <a:ea typeface="Calibri"/>
                 <a:cs typeface="Times New Roman"/>
               </a:rPr>
-              <a:t> </a:t>
+              <a:t>        </a:t>
+            </a:r>
+            <a:r>
+              <a:rPr lang="en-US" sz="1800" b="0" dirty="0" err="1" smtClean="0">
+                <a:solidFill>
+                  <a:srgbClr val="0000FF"/>
+                </a:solidFill>
+                <a:latin typeface="Consolas"/>
+                <a:ea typeface="Calibri"/>
+                <a:cs typeface="Times New Roman"/>
+              </a:rPr>
+              <a:t>var</a:t>
+            </a:r>
+            <a:r>
+              <a:rPr lang="en-US" sz="1800" b="0" dirty="0" smtClean="0">
+                <a:latin typeface="Consolas"/>
+                <a:ea typeface="Calibri"/>
+                <a:cs typeface="Times New Roman"/>
+              </a:rPr>
+              <a:t> repository = </a:t>
+            </a:r>
+            <a:r>
+              <a:rPr lang="en-US" sz="1800" b="0" dirty="0" smtClean="0">
+                <a:solidFill>
+                  <a:srgbClr val="0000FF"/>
+                </a:solidFill>
+                <a:latin typeface="Consolas"/>
+                <a:ea typeface="Calibri"/>
+                <a:cs typeface="Times New Roman"/>
+              </a:rPr>
+              <a:t>new</a:t>
+            </a:r>
+            <a:r>
+              <a:rPr lang="en-US" sz="1800" b="0" dirty="0" smtClean="0">
+                <a:latin typeface="Consolas"/>
+                <a:ea typeface="Calibri"/>
+                <a:cs typeface="Times New Roman"/>
+              </a:rPr>
+              <a:t> </a:t>
+            </a:r>
+            <a:r>
+              <a:rPr lang="en-US" sz="1800" b="0" dirty="0" err="1" smtClean="0">
+                <a:solidFill>
+                  <a:srgbClr val="2B91AF"/>
+                </a:solidFill>
+                <a:latin typeface="Consolas"/>
+                <a:ea typeface="Calibri"/>
+                <a:cs typeface="Times New Roman"/>
+              </a:rPr>
+              <a:t>EmployeeRepository</a:t>
+            </a:r>
+            <a:r>
+              <a:rPr lang="en-US" sz="1800" b="0" dirty="0" smtClean="0">
+                <a:latin typeface="Consolas"/>
+                <a:ea typeface="Calibri"/>
+                <a:cs typeface="Times New Roman"/>
+              </a:rPr>
+              <a:t>();        </a:t>
             </a:r>
             <a:endParaRPr lang="en-US" sz="1800" b="0" dirty="0" smtClean="0">
               <a:latin typeface="Calibri"/>
@@ -3623,18 +3682,44 @@
                 <a:ea typeface="Calibri"/>
                 <a:cs typeface="Times New Roman"/>
               </a:rPr>
-              <a:t>            </a:t>
-            </a:r>
-            <a:r>
-              <a:rPr lang="en-US" sz="1800" b="0" dirty="0" smtClean="0">
-                <a:solidFill>
-                  <a:srgbClr val="008000"/>
-                </a:solidFill>
-                <a:latin typeface="Consolas"/>
-                <a:ea typeface="Calibri"/>
-                <a:cs typeface="Times New Roman"/>
-              </a:rPr>
-              <a:t>// ...</a:t>
+              <a:t>        </a:t>
+            </a:r>
+            <a:r>
+              <a:rPr lang="en-US" sz="1800" b="0" dirty="0" err="1" smtClean="0">
+                <a:latin typeface="Consolas"/>
+                <a:ea typeface="Calibri"/>
+                <a:cs typeface="Times New Roman"/>
+              </a:rPr>
+              <a:t>repository.Add</a:t>
+            </a:r>
+            <a:r>
+              <a:rPr lang="en-US" sz="1800" b="0" dirty="0" smtClean="0">
+                <a:latin typeface="Consolas"/>
+                <a:ea typeface="Calibri"/>
+                <a:cs typeface="Times New Roman"/>
+              </a:rPr>
+              <a:t>(employee);</a:t>
+            </a:r>
+          </a:p>
+          <a:p>
+            <a:pPr marL="0" marR="0" algn="l">
+              <a:lnSpc>
+                <a:spcPct val="115000"/>
+              </a:lnSpc>
+              <a:spcBef>
+                <a:spcPts val="0"/>
+              </a:spcBef>
+              <a:spcAft>
+                <a:spcPts val="0"/>
+              </a:spcAft>
+            </a:pPr>
+            <a:r>
+              <a:rPr lang="en-US" sz="1800" b="0" dirty="0" smtClean="0">
+                <a:latin typeface="Consolas"/>
+                <a:ea typeface="Calibri"/>
+                <a:cs typeface="Times New Roman"/>
+              </a:rPr>
+              <a:t>...</a:t>
             </a:r>
             <a:endParaRPr lang="en-US" sz="1800" b="0" dirty="0" smtClean="0">
               <a:latin typeface="Calibri"/>
@@ -3714,7 +3799,7 @@
           <a:p>
             <a:r>
               <a:rPr lang="en-US" dirty="0" smtClean="0"/>
-              <a:t>Model Binding State</a:t>
+              <a:t>Model Parameters</a:t>
             </a:r>
             <a:endParaRPr lang="en-US" dirty="0"/>
           </a:p>
@@ -3737,56 +3822,27 @@
           <a:p>
             <a:r>
               <a:rPr lang="en-US" dirty="0" err="1" smtClean="0"/>
-              <a:t>ModelState</a:t>
-            </a:r>
-            <a:r>
-              <a:rPr lang="en-US" dirty="0"/>
-              <a:t> </a:t>
+              <a:t>ActionInvoker</a:t>
             </a:r>
             <a:r>
               <a:rPr lang="en-US" dirty="0" smtClean="0"/>
-              <a:t>contains byproducts of model binding</a:t>
+              <a:t> will create and bind new model instance</a:t>
             </a:r>
           </a:p>
           <a:p>
             <a:pPr lvl="1"/>
             <a:r>
               <a:rPr lang="en-US" dirty="0" smtClean="0"/>
-              <a:t>Errors and attempted values</a:t>
-            </a:r>
-          </a:p>
-          <a:p>
+              <a:t>Use </a:t>
+            </a:r>
             <a:r>
               <a:rPr lang="en-US" dirty="0" err="1" smtClean="0"/>
-              <a:t>ModelState.IsValid</a:t>
-            </a:r>
-            <a:endParaRPr lang="en-US" dirty="0" smtClean="0"/>
-          </a:p>
-          <a:p>
-            <a:pPr lvl="1"/>
+              <a:t>BindAttribute</a:t>
+            </a:r>
             <a:r>
               <a:rPr lang="en-US" dirty="0" smtClean="0"/>
-              <a:t>Did the model bind correctly?</a:t>
-            </a:r>
-          </a:p>
-          <a:p>
-            <a:r>
-              <a:rPr lang="en-US" dirty="0" smtClean="0"/>
-              <a:t>HTML helpers use model state</a:t>
-            </a:r>
-          </a:p>
-          <a:p>
-            <a:pPr lvl="1"/>
-            <a:r>
-              <a:rPr lang="en-US" dirty="0" smtClean="0"/>
-              <a:t>Model state can override view model data</a:t>
-            </a:r>
-          </a:p>
-          <a:p>
-            <a:pPr lvl="1"/>
-            <a:endParaRPr lang="en-US" dirty="0" smtClean="0"/>
-          </a:p>
-          <a:p>
+              <a:t> for includes and excludes</a:t>
+            </a:r>
             <a:endParaRPr lang="en-US" dirty="0"/>
           </a:p>
         </p:txBody>
@@ -3801,8 +3857,8 @@
         </p:nvSpPr>
         <p:spPr bwMode="auto">
           <a:xfrm>
-            <a:off x="1676400" y="3733800"/>
-            <a:ext cx="4724400" cy="2514600"/>
+            <a:off x="685800" y="2362200"/>
+            <a:ext cx="7848600" cy="3733800"/>
           </a:xfrm>
           <a:prstGeom prst="rect">
             <a:avLst/>
@@ -3839,82 +3895,107 @@
               </a:spcAft>
             </a:pPr>
             <a:r>
-              <a:rPr lang="en-US" sz="1400" b="0" dirty="0">
+              <a:rPr lang="en-US" sz="1800" b="0" dirty="0" smtClean="0">
                 <a:solidFill>
                   <a:srgbClr val="0000FF"/>
                 </a:solidFill>
-                <a:latin typeface="Consolas" pitchFamily="49" charset="0"/>
-                <a:ea typeface="Calibri"/>
-                <a:cs typeface="Consolas" pitchFamily="49" charset="0"/>
+                <a:latin typeface="Consolas"/>
+                <a:ea typeface="Calibri"/>
+                <a:cs typeface="Times New Roman"/>
               </a:rPr>
               <a:t>public</a:t>
             </a:r>
             <a:r>
-              <a:rPr lang="en-US" sz="1400" b="0" dirty="0">
-                <a:latin typeface="Consolas" pitchFamily="49" charset="0"/>
-                <a:ea typeface="Calibri"/>
-                <a:cs typeface="Consolas" pitchFamily="49" charset="0"/>
+              <a:rPr lang="en-US" sz="1800" b="0" dirty="0" smtClean="0">
+                <a:latin typeface="Consolas"/>
+                <a:ea typeface="Calibri"/>
+                <a:cs typeface="Times New Roman"/>
               </a:rPr>
               <a:t> </a:t>
             </a:r>
             <a:r>
-              <a:rPr lang="en-US" sz="1400" b="0" dirty="0">
-                <a:solidFill>
-                  <a:srgbClr val="0000FF"/>
-                </a:solidFill>
-                <a:latin typeface="Consolas" pitchFamily="49" charset="0"/>
-                <a:ea typeface="Calibri"/>
-                <a:cs typeface="Consolas" pitchFamily="49" charset="0"/>
-              </a:rPr>
-              <a:t>void</a:t>
-            </a:r>
-            <a:r>
-              <a:rPr lang="en-US" sz="1400" b="0" dirty="0">
-                <a:latin typeface="Consolas" pitchFamily="49" charset="0"/>
-                <a:ea typeface="Calibri"/>
-                <a:cs typeface="Consolas" pitchFamily="49" charset="0"/>
-              </a:rPr>
-              <a:t> </a:t>
-            </a:r>
-            <a:r>
-              <a:rPr lang="en-US" sz="1400" b="0" dirty="0" err="1">
-                <a:latin typeface="Consolas" pitchFamily="49" charset="0"/>
-                <a:ea typeface="Calibri"/>
-                <a:cs typeface="Consolas" pitchFamily="49" charset="0"/>
-              </a:rPr>
-              <a:t>IndexAsync</a:t>
-            </a:r>
-            <a:r>
-              <a:rPr lang="en-US" sz="1400" b="0" dirty="0">
-                <a:latin typeface="Consolas" pitchFamily="49" charset="0"/>
-                <a:ea typeface="Calibri"/>
-                <a:cs typeface="Consolas" pitchFamily="49" charset="0"/>
-              </a:rPr>
-              <a:t>(</a:t>
-            </a:r>
-            <a:r>
-              <a:rPr lang="en-US" sz="1400" b="0" dirty="0">
-                <a:solidFill>
-                  <a:srgbClr val="0000FF"/>
-                </a:solidFill>
-                <a:latin typeface="Consolas" pitchFamily="49" charset="0"/>
-                <a:ea typeface="Calibri"/>
-                <a:cs typeface="Consolas" pitchFamily="49" charset="0"/>
-              </a:rPr>
-              <a:t>string</a:t>
-            </a:r>
-            <a:r>
-              <a:rPr lang="en-US" sz="1400" b="0" dirty="0">
-                <a:latin typeface="Consolas" pitchFamily="49" charset="0"/>
-                <a:ea typeface="Calibri"/>
-                <a:cs typeface="Consolas" pitchFamily="49" charset="0"/>
-              </a:rPr>
-              <a:t> model)</a:t>
-            </a:r>
-            <a:endParaRPr lang="en-US" sz="1200" b="0" dirty="0">
-              <a:latin typeface="Consolas" pitchFamily="49" charset="0"/>
+              <a:rPr lang="en-US" sz="1800" b="0" dirty="0" err="1" smtClean="0">
+                <a:solidFill>
+                  <a:srgbClr val="2B91AF"/>
+                </a:solidFill>
+                <a:latin typeface="Consolas"/>
+                <a:ea typeface="Calibri"/>
+                <a:cs typeface="Times New Roman"/>
+              </a:rPr>
+              <a:t>ActionResult</a:t>
+            </a:r>
+            <a:r>
+              <a:rPr lang="en-US" sz="1800" b="0" dirty="0" smtClean="0">
+                <a:latin typeface="Consolas"/>
+                <a:ea typeface="Calibri"/>
+                <a:cs typeface="Times New Roman"/>
+              </a:rPr>
+              <a:t> Create([</a:t>
+            </a:r>
+            <a:r>
+              <a:rPr lang="en-US" sz="1800" b="0" dirty="0" smtClean="0">
+                <a:solidFill>
+                  <a:srgbClr val="2B91AF"/>
+                </a:solidFill>
+                <a:latin typeface="Consolas"/>
+                <a:ea typeface="Calibri"/>
+                <a:cs typeface="Times New Roman"/>
+              </a:rPr>
+              <a:t>Bind</a:t>
+            </a:r>
+            <a:r>
+              <a:rPr lang="en-US" sz="1800" b="0" dirty="0" smtClean="0">
+                <a:latin typeface="Consolas"/>
+                <a:ea typeface="Calibri"/>
+                <a:cs typeface="Times New Roman"/>
+              </a:rPr>
+              <a:t>(Include=</a:t>
+            </a:r>
+            <a:r>
+              <a:rPr lang="en-US" sz="1800" b="0" dirty="0" smtClean="0">
+                <a:solidFill>
+                  <a:srgbClr val="A31515"/>
+                </a:solidFill>
+                <a:latin typeface="Consolas"/>
+                <a:ea typeface="Calibri"/>
+                <a:cs typeface="Times New Roman"/>
+              </a:rPr>
+              <a:t>"Name, </a:t>
+            </a:r>
+            <a:r>
+              <a:rPr lang="en-US" sz="1800" b="0" dirty="0" err="1" smtClean="0">
+                <a:solidFill>
+                  <a:srgbClr val="A31515"/>
+                </a:solidFill>
+                <a:latin typeface="Consolas"/>
+                <a:ea typeface="Calibri"/>
+                <a:cs typeface="Times New Roman"/>
+              </a:rPr>
+              <a:t>HireDate</a:t>
+            </a:r>
+            <a:r>
+              <a:rPr lang="en-US" sz="1800" b="0" dirty="0" smtClean="0">
+                <a:solidFill>
+                  <a:srgbClr val="A31515"/>
+                </a:solidFill>
+                <a:latin typeface="Consolas"/>
+                <a:ea typeface="Calibri"/>
+                <a:cs typeface="Times New Roman"/>
+              </a:rPr>
+              <a:t>"</a:t>
+            </a:r>
+            <a:r>
+              <a:rPr lang="en-US" sz="1800" b="0" dirty="0" smtClean="0">
+                <a:latin typeface="Consolas"/>
+                <a:ea typeface="Calibri"/>
+                <a:cs typeface="Times New Roman"/>
+              </a:rPr>
+              <a:t>)]</a:t>
+            </a:r>
+            <a:endParaRPr lang="en-US" sz="1800" b="0" dirty="0" smtClean="0">
+              <a:latin typeface="Calibri"/>
               <a:ea typeface="Calibri"/>
-              <a:cs typeface="Consolas" pitchFamily="49" charset="0"/>
+              <a:cs typeface="Times New Roman"/>
             </a:endParaRPr>
           </a:p>
           <a:p>
@@ -3930,17 +4011,52 @@
               </a:spcAft>
             </a:pPr>
             <a:r>
-              <a:rPr lang="en-US" sz="1400" b="0" dirty="0">
-                <a:latin typeface="Consolas" pitchFamily="49" charset="0"/>
-                <a:ea typeface="Calibri"/>
-                <a:cs typeface="Consolas" pitchFamily="49" charset="0"/>
-              </a:rPr>
-              <a:t>{</a:t>
-            </a:r>
-            <a:endParaRPr lang="en-US" sz="1200" b="0" dirty="0">
-              <a:latin typeface="Consolas" pitchFamily="49" charset="0"/>
+              <a:rPr lang="en-US" sz="1800" b="0" dirty="0" smtClean="0">
+                <a:latin typeface="Consolas"/>
+                <a:ea typeface="Calibri"/>
+                <a:cs typeface="Times New Roman"/>
+              </a:rPr>
+              <a:t>                            </a:t>
+            </a:r>
+            <a:r>
+              <a:rPr lang="en-US" sz="1800" b="0" dirty="0" smtClean="0">
+                <a:solidFill>
+                  <a:srgbClr val="2B91AF"/>
+                </a:solidFill>
+                <a:latin typeface="Consolas"/>
+                <a:ea typeface="Calibri"/>
+                <a:cs typeface="Times New Roman"/>
+              </a:rPr>
+              <a:t>Employee</a:t>
+            </a:r>
+            <a:r>
+              <a:rPr lang="en-US" sz="1800" b="0" dirty="0" smtClean="0">
+                <a:latin typeface="Consolas"/>
+                <a:ea typeface="Calibri"/>
+                <a:cs typeface="Times New Roman"/>
+              </a:rPr>
+              <a:t> </a:t>
+            </a:r>
+            <a:r>
+              <a:rPr lang="en-US" sz="1800" b="0" dirty="0" err="1" smtClean="0">
+                <a:latin typeface="Consolas"/>
+                <a:ea typeface="Calibri"/>
+                <a:cs typeface="Times New Roman"/>
+              </a:rPr>
+              <a:t>employee</a:t>
+            </a:r>
+            <a:r>
+              <a:rPr lang="en-US" sz="1800" b="0" dirty="0" smtClean="0">
+                <a:latin typeface="Consolas"/>
+                <a:ea typeface="Calibri"/>
+                <a:cs typeface="Times New Roman"/>
+              </a:rPr>
+              <a:t>)</a:t>
+            </a:r>
+            <a:endParaRPr lang="en-US" sz="1800" b="0" dirty="0" smtClean="0">
+              <a:latin typeface="Calibri"/>
               <a:ea typeface="Calibri"/>
-              <a:cs typeface="Consolas" pitchFamily="49" charset="0"/>
+              <a:cs typeface="Times New Roman"/>
             </a:endParaRPr>
           </a:p>
           <a:p>
@@ -3956,52 +4072,17 @@
               </a:spcAft>
             </a:pPr>
             <a:r>
-              <a:rPr lang="en-US" sz="1400" b="0" dirty="0">
-                <a:latin typeface="Consolas" pitchFamily="49" charset="0"/>
-                <a:ea typeface="Calibri"/>
-                <a:cs typeface="Consolas" pitchFamily="49" charset="0"/>
-              </a:rPr>
-              <a:t>    </a:t>
-            </a:r>
-            <a:r>
-              <a:rPr lang="en-US" sz="1400" b="0" dirty="0">
-                <a:solidFill>
-                  <a:srgbClr val="0000FF"/>
-                </a:solidFill>
-                <a:latin typeface="Consolas" pitchFamily="49" charset="0"/>
-                <a:ea typeface="Calibri"/>
-                <a:cs typeface="Consolas" pitchFamily="49" charset="0"/>
-              </a:rPr>
-              <a:t>if</a:t>
-            </a:r>
-            <a:r>
-              <a:rPr lang="en-US" sz="1400" b="0" dirty="0">
-                <a:latin typeface="Consolas" pitchFamily="49" charset="0"/>
-                <a:ea typeface="Calibri"/>
-                <a:cs typeface="Consolas" pitchFamily="49" charset="0"/>
-              </a:rPr>
-              <a:t> (</a:t>
-            </a:r>
-            <a:r>
-              <a:rPr lang="en-US" sz="1400" b="0" dirty="0" err="1">
-                <a:latin typeface="Consolas" pitchFamily="49" charset="0"/>
-                <a:ea typeface="Calibri"/>
-                <a:cs typeface="Consolas" pitchFamily="49" charset="0"/>
-              </a:rPr>
-              <a:t>ModelState.IsValid</a:t>
-            </a:r>
-            <a:r>
-              <a:rPr lang="en-US" sz="1400" b="0" dirty="0">
-                <a:latin typeface="Consolas" pitchFamily="49" charset="0"/>
-                <a:ea typeface="Calibri"/>
-                <a:cs typeface="Consolas" pitchFamily="49" charset="0"/>
-              </a:rPr>
-              <a:t>)</a:t>
-            </a:r>
-            <a:endParaRPr lang="en-US" sz="1200" b="0" dirty="0">
-              <a:latin typeface="Consolas" pitchFamily="49" charset="0"/>
+              <a:rPr lang="en-US" sz="1800" b="0" dirty="0" smtClean="0">
+                <a:latin typeface="Consolas"/>
+                <a:ea typeface="Calibri"/>
+                <a:cs typeface="Times New Roman"/>
+              </a:rPr>
+              <a:t>{</a:t>
+            </a:r>
+            <a:endParaRPr lang="en-US" sz="1800" b="0" dirty="0" smtClean="0">
+              <a:latin typeface="Calibri"/>
               <a:ea typeface="Calibri"/>
-              <a:cs typeface="Consolas" pitchFamily="49" charset="0"/>
+              <a:cs typeface="Times New Roman"/>
             </a:endParaRPr>
           </a:p>
           <a:p>
@@ -4017,17 +4098,28 @@
               </a:spcAft>
             </a:pPr>
             <a:r>
-              <a:rPr lang="en-US" sz="1400" b="0" dirty="0">
-                <a:latin typeface="Consolas" pitchFamily="49" charset="0"/>
-                <a:ea typeface="Calibri"/>
-                <a:cs typeface="Consolas" pitchFamily="49" charset="0"/>
-              </a:rPr>
-              <a:t>    {</a:t>
-            </a:r>
-            <a:endParaRPr lang="en-US" sz="1200" b="0" dirty="0">
-              <a:latin typeface="Consolas" pitchFamily="49" charset="0"/>
+              <a:rPr lang="en-US" sz="1800" b="0" dirty="0" smtClean="0">
+                <a:latin typeface="Consolas"/>
+                <a:ea typeface="Calibri"/>
+                <a:cs typeface="Times New Roman"/>
+              </a:rPr>
+              <a:t>    </a:t>
+            </a:r>
+            <a:r>
+              <a:rPr lang="en-US" sz="1800" b="0" dirty="0" smtClean="0">
+                <a:solidFill>
+                  <a:srgbClr val="0000FF"/>
+                </a:solidFill>
+                <a:latin typeface="Consolas"/>
+                <a:ea typeface="Calibri"/>
+                <a:cs typeface="Times New Roman"/>
+              </a:rPr>
+              <a:t>try</a:t>
+            </a:r>
+            <a:endParaRPr lang="en-US" sz="1800" b="0" dirty="0" smtClean="0">
+              <a:latin typeface="Calibri"/>
               <a:ea typeface="Calibri"/>
-              <a:cs typeface="Consolas" pitchFamily="49" charset="0"/>
+              <a:cs typeface="Times New Roman"/>
             </a:endParaRPr>
           </a:p>
           <a:p>
@@ -4043,35 +4135,18 @@
               </a:spcAft>
             </a:pPr>
             <a:r>
-              <a:rPr lang="en-US" sz="1400" b="0" dirty="0">
-                <a:latin typeface="Consolas" pitchFamily="49" charset="0"/>
-                <a:ea typeface="Calibri"/>
-                <a:cs typeface="Consolas" pitchFamily="49" charset="0"/>
-              </a:rPr>
-              <a:t>        </a:t>
-            </a:r>
-            <a:r>
-              <a:rPr lang="en-US" sz="1400" b="0" dirty="0">
-                <a:solidFill>
-                  <a:srgbClr val="008000"/>
-                </a:solidFill>
-                <a:latin typeface="Consolas" pitchFamily="49" charset="0"/>
-                <a:ea typeface="Calibri"/>
-                <a:cs typeface="Consolas" pitchFamily="49" charset="0"/>
-              </a:rPr>
-              <a:t>// </a:t>
-            </a:r>
-            <a:r>
-              <a:rPr lang="en-US" sz="1400" b="0" dirty="0" smtClean="0">
-                <a:solidFill>
-                  <a:srgbClr val="008000"/>
-                </a:solidFill>
-                <a:latin typeface="Consolas" pitchFamily="49" charset="0"/>
-                <a:ea typeface="Calibri"/>
-                <a:cs typeface="Consolas" pitchFamily="49" charset="0"/>
-              </a:rPr>
-              <a:t>commit...</a:t>
-            </a:r>
+              <a:rPr lang="en-US" sz="1800" b="0" dirty="0" smtClean="0">
+                <a:latin typeface="Consolas"/>
+                <a:ea typeface="Calibri"/>
+                <a:cs typeface="Times New Roman"/>
+              </a:rPr>
+              <a:t>    {</a:t>
+            </a:r>
+            <a:endParaRPr lang="en-US" sz="1800" b="0" dirty="0" smtClean="0">
+              <a:latin typeface="Calibri"/>
+              <a:ea typeface="Calibri"/>
+              <a:cs typeface="Times New Roman"/>
+            </a:endParaRPr>
           </a:p>
           <a:p>
             <a:pPr marL="0" marR="0" algn="l">
@@ -4085,10 +4160,53 @@
                 <a:spcPts val="0"/>
               </a:spcAft>
             </a:pPr>
-            <a:endParaRPr lang="en-US" sz="1200" b="0" dirty="0">
-              <a:latin typeface="Consolas" pitchFamily="49" charset="0"/>
+            <a:r>
+              <a:rPr lang="en-US" sz="1800" b="0" dirty="0" smtClean="0">
+                <a:latin typeface="Consolas"/>
+                <a:ea typeface="Calibri"/>
+                <a:cs typeface="Times New Roman"/>
+              </a:rPr>
+              <a:t>        </a:t>
+            </a:r>
+            <a:r>
+              <a:rPr lang="en-US" sz="1800" b="0" dirty="0" smtClean="0">
+                <a:solidFill>
+                  <a:srgbClr val="0000FF"/>
+                </a:solidFill>
+                <a:latin typeface="Consolas"/>
+                <a:ea typeface="Calibri"/>
+                <a:cs typeface="Times New Roman"/>
+              </a:rPr>
+              <a:t>if</a:t>
+            </a:r>
+            <a:r>
+              <a:rPr lang="en-US" sz="1800" b="0" dirty="0" smtClean="0">
+                <a:latin typeface="Consolas"/>
+                <a:ea typeface="Calibri"/>
+                <a:cs typeface="Times New Roman"/>
+              </a:rPr>
+              <a:t> (</a:t>
+            </a:r>
+            <a:r>
+              <a:rPr lang="en-US" sz="1800" b="0" dirty="0" err="1" smtClean="0">
+                <a:latin typeface="Consolas"/>
+                <a:ea typeface="Calibri"/>
+                <a:cs typeface="Times New Roman"/>
+              </a:rPr>
+              <a:t>ModelState.IsValid</a:t>
+            </a:r>
+            <a:r>
+              <a:rPr lang="en-US" sz="1800" b="0" dirty="0" smtClean="0">
+                <a:latin typeface="Consolas"/>
+                <a:ea typeface="Calibri"/>
+                <a:cs typeface="Times New Roman"/>
+              </a:rPr>
+              <a:t>)</a:t>
+            </a:r>
+            <a:endParaRPr lang="en-US" sz="1800" b="0" dirty="0" smtClean="0">
+              <a:latin typeface="Calibri"/>
               <a:ea typeface="Calibri"/>
-              <a:cs typeface="Consolas" pitchFamily="49" charset="0"/>
+              <a:cs typeface="Times New Roman"/>
             </a:endParaRPr>
           </a:p>
           <a:p>
@@ -4104,93 +4222,17 @@
               </a:spcAft>
             </a:pPr>
             <a:r>
-              <a:rPr lang="en-US" sz="1400" b="0" dirty="0">
-                <a:latin typeface="Consolas" pitchFamily="49" charset="0"/>
-                <a:ea typeface="Calibri"/>
-                <a:cs typeface="Consolas" pitchFamily="49" charset="0"/>
-              </a:rPr>
-              <a:t>        </a:t>
-            </a:r>
-            <a:r>
-              <a:rPr lang="en-US" sz="1400" b="0" dirty="0">
-                <a:solidFill>
-                  <a:srgbClr val="0000FF"/>
-                </a:solidFill>
-                <a:latin typeface="Consolas" pitchFamily="49" charset="0"/>
-                <a:ea typeface="Calibri"/>
-                <a:cs typeface="Consolas" pitchFamily="49" charset="0"/>
-              </a:rPr>
-              <a:t>return</a:t>
-            </a:r>
-            <a:r>
-              <a:rPr lang="en-US" sz="1400" b="0" dirty="0">
-                <a:latin typeface="Consolas" pitchFamily="49" charset="0"/>
-                <a:ea typeface="Calibri"/>
-                <a:cs typeface="Consolas" pitchFamily="49" charset="0"/>
-              </a:rPr>
-              <a:t> </a:t>
-            </a:r>
-            <a:r>
-              <a:rPr lang="en-US" sz="1400" b="0" dirty="0" err="1">
-                <a:latin typeface="Consolas" pitchFamily="49" charset="0"/>
-                <a:ea typeface="Calibri"/>
-                <a:cs typeface="Consolas" pitchFamily="49" charset="0"/>
-              </a:rPr>
-              <a:t>RedirectToAction</a:t>
-            </a:r>
-            <a:r>
-              <a:rPr lang="en-US" sz="1400" b="0" dirty="0">
-                <a:latin typeface="Consolas" pitchFamily="49" charset="0"/>
-                <a:ea typeface="Calibri"/>
-                <a:cs typeface="Consolas" pitchFamily="49" charset="0"/>
-              </a:rPr>
-              <a:t>(</a:t>
-            </a:r>
-            <a:r>
-              <a:rPr lang="en-US" sz="1400" b="0" dirty="0">
-                <a:solidFill>
-                  <a:srgbClr val="A31515"/>
-                </a:solidFill>
-                <a:latin typeface="Consolas" pitchFamily="49" charset="0"/>
-                <a:ea typeface="Calibri"/>
-                <a:cs typeface="Consolas" pitchFamily="49" charset="0"/>
-              </a:rPr>
-              <a:t>"</a:t>
-            </a:r>
-            <a:r>
-              <a:rPr lang="en-US" sz="1400" b="0" dirty="0">
-                <a:solidFill>
-                  <a:srgbClr val="FF0000"/>
-                </a:solidFill>
-                <a:latin typeface="Consolas" pitchFamily="49" charset="0"/>
-                <a:ea typeface="Calibri"/>
-                <a:cs typeface="Consolas" pitchFamily="49" charset="0"/>
-              </a:rPr>
-              <a:t>Index</a:t>
-            </a:r>
-            <a:r>
-              <a:rPr lang="en-US" sz="1400" b="0" dirty="0">
-                <a:solidFill>
-                  <a:srgbClr val="A31515"/>
-                </a:solidFill>
-                <a:latin typeface="Consolas" pitchFamily="49" charset="0"/>
-                <a:ea typeface="Calibri"/>
-                <a:cs typeface="Consolas" pitchFamily="49" charset="0"/>
-              </a:rPr>
-              <a:t>"</a:t>
-            </a:r>
-            <a:r>
-              <a:rPr lang="en-US" sz="1400" b="0" dirty="0">
-                <a:latin typeface="Consolas" pitchFamily="49" charset="0"/>
-                <a:ea typeface="Calibri"/>
-                <a:cs typeface="Consolas" pitchFamily="49" charset="0"/>
-              </a:rPr>
-              <a:t>);</a:t>
-            </a:r>
-            <a:endParaRPr lang="en-US" sz="1200" b="0" dirty="0">
-              <a:latin typeface="Consolas" pitchFamily="49" charset="0"/>
+              <a:rPr lang="en-US" sz="1800" b="0" dirty="0" smtClean="0">
+                <a:latin typeface="Consolas"/>
+                <a:ea typeface="Calibri"/>
+                <a:cs typeface="Times New Roman"/>
+              </a:rPr>
+              <a:t>        {</a:t>
+            </a:r>
+            <a:endParaRPr lang="en-US" sz="1800" b="0" dirty="0" smtClean="0">
+              <a:latin typeface="Calibri"/>
               <a:ea typeface="Calibri"/>
-              <a:cs typeface="Consolas" pitchFamily="49" charset="0"/>
+              <a:cs typeface="Times New Roman"/>
             </a:endParaRPr>
           </a:p>
           <a:p>
@@ -4206,17 +4248,74 @@
               </a:spcAft>
             </a:pPr>
             <a:r>
-              <a:rPr lang="en-US" sz="1400" b="0" dirty="0">
-                <a:latin typeface="Consolas" pitchFamily="49" charset="0"/>
-                <a:ea typeface="Calibri"/>
-                <a:cs typeface="Consolas" pitchFamily="49" charset="0"/>
-              </a:rPr>
-              <a:t>    }</a:t>
-            </a:r>
-            <a:endParaRPr lang="en-US" sz="1200" b="0" dirty="0">
-              <a:latin typeface="Consolas" pitchFamily="49" charset="0"/>
+              <a:rPr lang="en-US" sz="1800" b="0" dirty="0" smtClean="0">
+                <a:latin typeface="Consolas"/>
+                <a:ea typeface="Calibri"/>
+                <a:cs typeface="Times New Roman"/>
+              </a:rPr>
+              <a:t>            </a:t>
+            </a:r>
+            <a:r>
+              <a:rPr lang="en-US" sz="1800" b="0" dirty="0" err="1" smtClean="0">
+                <a:solidFill>
+                  <a:srgbClr val="0000FF"/>
+                </a:solidFill>
+                <a:latin typeface="Consolas"/>
+                <a:ea typeface="Calibri"/>
+                <a:cs typeface="Times New Roman"/>
+              </a:rPr>
+              <a:t>var</a:t>
+            </a:r>
+            <a:r>
+              <a:rPr lang="en-US" sz="1800" b="0" dirty="0" smtClean="0">
+                <a:latin typeface="Consolas"/>
+                <a:ea typeface="Calibri"/>
+                <a:cs typeface="Times New Roman"/>
+              </a:rPr>
+              <a:t> repository = </a:t>
+            </a:r>
+            <a:r>
+              <a:rPr lang="en-US" sz="1800" b="0" dirty="0" smtClean="0">
+                <a:solidFill>
+                  <a:srgbClr val="0000FF"/>
+                </a:solidFill>
+                <a:latin typeface="Consolas"/>
+                <a:ea typeface="Calibri"/>
+                <a:cs typeface="Times New Roman"/>
+              </a:rPr>
+              <a:t>new</a:t>
+            </a:r>
+            <a:r>
+              <a:rPr lang="en-US" sz="1800" b="0" dirty="0" smtClean="0">
+                <a:latin typeface="Consolas"/>
+                <a:ea typeface="Calibri"/>
+                <a:cs typeface="Times New Roman"/>
+              </a:rPr>
+              <a:t> </a:t>
+            </a:r>
+            <a:r>
+              <a:rPr lang="en-US" sz="1800" b="0" dirty="0" err="1" smtClean="0">
+                <a:solidFill>
+                  <a:srgbClr val="2B91AF"/>
+                </a:solidFill>
+                <a:latin typeface="Consolas"/>
+                <a:ea typeface="Calibri"/>
+                <a:cs typeface="Times New Roman"/>
+              </a:rPr>
+              <a:t>EmployeeRepository</a:t>
+            </a:r>
+            <a:r>
+              <a:rPr lang="en-US" sz="1800" b="0" dirty="0" smtClean="0">
+                <a:latin typeface="Consolas"/>
+                <a:ea typeface="Calibri"/>
+                <a:cs typeface="Times New Roman"/>
+              </a:rPr>
+              <a:t>();</a:t>
+            </a:r>
+            <a:endParaRPr lang="en-US" sz="1800" b="0" dirty="0" smtClean="0">
+              <a:latin typeface="Calibri"/>
               <a:ea typeface="Calibri"/>
-              <a:cs typeface="Consolas" pitchFamily="49" charset="0"/>
+              <a:cs typeface="Times New Roman"/>
             </a:endParaRPr>
           </a:p>
           <a:p>
@@ -4232,36 +4331,33 @@
               </a:spcAft>
             </a:pPr>
             <a:r>
-              <a:rPr lang="en-US" sz="1400" b="0" dirty="0">
-                <a:latin typeface="Consolas" pitchFamily="49" charset="0"/>
-                <a:ea typeface="Calibri"/>
-                <a:cs typeface="Consolas" pitchFamily="49" charset="0"/>
-              </a:rPr>
-              <a:t>    </a:t>
-            </a:r>
-            <a:r>
-              <a:rPr lang="en-US" sz="1400" b="0" dirty="0">
-                <a:solidFill>
-                  <a:srgbClr val="0000FF"/>
-                </a:solidFill>
-                <a:latin typeface="Consolas" pitchFamily="49" charset="0"/>
-                <a:ea typeface="Calibri"/>
-                <a:cs typeface="Consolas" pitchFamily="49" charset="0"/>
-              </a:rPr>
-              <a:t>return</a:t>
-            </a:r>
-            <a:r>
-              <a:rPr lang="en-US" sz="1400" b="0" dirty="0">
-                <a:latin typeface="Consolas" pitchFamily="49" charset="0"/>
-                <a:ea typeface="Calibri"/>
-                <a:cs typeface="Consolas" pitchFamily="49" charset="0"/>
-              </a:rPr>
-              <a:t> View(model);</a:t>
-            </a:r>
-            <a:endParaRPr lang="en-US" sz="1200" b="0" dirty="0">
-              <a:latin typeface="Consolas" pitchFamily="49" charset="0"/>
+              <a:rPr lang="en-US" sz="1800" b="0" dirty="0" smtClean="0">
+                <a:latin typeface="Consolas"/>
+                <a:ea typeface="Calibri"/>
+                <a:cs typeface="Times New Roman"/>
+              </a:rPr>
+              <a:t>            </a:t>
+            </a:r>
+            <a:r>
+              <a:rPr lang="en-US" sz="1800" b="0" dirty="0" err="1" smtClean="0">
+                <a:latin typeface="Consolas"/>
+                <a:ea typeface="Calibri"/>
+                <a:cs typeface="Times New Roman"/>
+              </a:rPr>
+              <a:t>repository.Add</a:t>
+            </a:r>
+            <a:r>
+              <a:rPr lang="en-US" sz="1800" b="0" dirty="0" smtClean="0">
+                <a:latin typeface="Consolas"/>
+                <a:ea typeface="Calibri"/>
+                <a:cs typeface="Times New Roman"/>
+              </a:rPr>
+              <a:t>(employee);</a:t>
+            </a:r>
+            <a:endParaRPr lang="en-US" sz="1800" b="0" dirty="0" smtClean="0">
+              <a:latin typeface="Calibri"/>
               <a:ea typeface="Calibri"/>
-              <a:cs typeface="Consolas" pitchFamily="49" charset="0"/>
+              <a:cs typeface="Times New Roman"/>
             </a:endParaRPr>
           </a:p>
           <a:p>
@@ -4277,17 +4373,17 @@
               </a:spcAft>
             </a:pPr>
             <a:r>
-              <a:rPr lang="en-US" sz="1400" b="0" dirty="0">
-                <a:latin typeface="Consolas" pitchFamily="49" charset="0"/>
-                <a:ea typeface="Calibri"/>
-                <a:cs typeface="Consolas" pitchFamily="49" charset="0"/>
-              </a:rPr>
-              <a:t>}</a:t>
-            </a:r>
-            <a:endParaRPr lang="en-US" sz="1200" b="0" dirty="0">
-              <a:latin typeface="Consolas" pitchFamily="49" charset="0"/>
+              <a:rPr lang="en-US" sz="1800" b="0" dirty="0" smtClean="0">
+                <a:latin typeface="Consolas"/>
+                <a:ea typeface="Calibri"/>
+                <a:cs typeface="Times New Roman"/>
+              </a:rPr>
+              <a:t> </a:t>
+            </a:r>
+            <a:endParaRPr lang="en-US" sz="1800" b="0" dirty="0" smtClean="0">
+              <a:latin typeface="Calibri"/>
               <a:ea typeface="Calibri"/>
-              <a:cs typeface="Consolas" pitchFamily="49" charset="0"/>
+              <a:cs typeface="Times New Roman"/>
             </a:endParaRPr>
           </a:p>
           <a:p>
@@ -4302,20 +4398,52 @@
                 <a:spcPts val="0"/>
               </a:spcAft>
             </a:pPr>
-            <a:endParaRPr lang="en-US" sz="1400" b="0" dirty="0">
-              <a:latin typeface="Consolas" pitchFamily="49" charset="0"/>
+            <a:r>
+              <a:rPr lang="en-US" sz="1800" b="0" dirty="0" smtClean="0">
+                <a:latin typeface="Consolas"/>
+                <a:ea typeface="Calibri"/>
+                <a:cs typeface="Times New Roman"/>
+              </a:rPr>
+              <a:t>            </a:t>
+            </a:r>
+            <a:r>
+              <a:rPr lang="en-US" sz="1800" b="0" dirty="0" smtClean="0">
+                <a:solidFill>
+                  <a:srgbClr val="008000"/>
+                </a:solidFill>
+                <a:latin typeface="Consolas"/>
+                <a:ea typeface="Calibri"/>
+                <a:cs typeface="Times New Roman"/>
+              </a:rPr>
+              <a:t>// ...</a:t>
+            </a:r>
+            <a:endParaRPr lang="en-US" sz="1800" b="0" dirty="0" smtClean="0">
+              <a:latin typeface="Calibri"/>
               <a:ea typeface="Calibri"/>
-              <a:cs typeface="Consolas" pitchFamily="49" charset="0"/>
+              <a:cs typeface="Times New Roman"/>
+            </a:endParaRPr>
+          </a:p>
+          <a:p>
+            <a:pPr marL="0" marR="0" algn="l">
+              <a:lnSpc>
+                <a:spcPct val="115000"/>
+              </a:lnSpc>
+              <a:spcBef>
+                <a:spcPts val="0"/>
+              </a:spcBef>
+              <a:spcAft>
+                <a:spcPts val="0"/>
+              </a:spcAft>
+            </a:pPr>
+            <a:endParaRPr lang="en-US" sz="1800" b="0" dirty="0">
+              <a:latin typeface="Calibri"/>
+              <a:ea typeface="Calibri"/>
+              <a:cs typeface="Times New Roman"/>
             </a:endParaRPr>
           </a:p>
         </p:txBody>
       </p:sp>
     </p:spTree>
-    <p:extLst>
-      <p:ext uri="{BB962C8B-B14F-4D97-AF65-F5344CB8AC3E}">
-        <p14:creationId xmlns:p14="http://schemas.microsoft.com/office/powerpoint/2010/main" val="122489155"/>
-      </p:ext>
-    </p:extLst>
   </p:cSld>
   <p:clrMapOvr>
     <a:masterClrMapping/>
@@ -4367,7 +4495,7 @@
           <a:p>
             <a:r>
               <a:rPr lang="en-US" dirty="0" smtClean="0"/>
-              <a:t>Custom Model Binders</a:t>
+              <a:t>Model Binding State</a:t>
             </a:r>
             <a:endParaRPr lang="en-US" dirty="0"/>
           </a:p>
@@ -4389,9 +4517,57 @@
           <a:lstStyle/>
           <a:p>
             <a:r>
+              <a:rPr lang="en-US" dirty="0" err="1" smtClean="0"/>
+              <a:t>ModelState</a:t>
+            </a:r>
+            <a:r>
+              <a:rPr lang="en-US" dirty="0"/>
+              <a:t> </a:t>
+            </a:r>
+            <a:r>
               <a:rPr lang="en-US" dirty="0" smtClean="0"/>
-              <a:t>Useful for custom type conversions</a:t>
-            </a:r>
+              <a:t>contains byproducts of model binding</a:t>
+            </a:r>
+          </a:p>
+          <a:p>
+            <a:pPr lvl="1"/>
+            <a:r>
+              <a:rPr lang="en-US" dirty="0" smtClean="0"/>
+              <a:t>Errors and attempted values</a:t>
+            </a:r>
+          </a:p>
+          <a:p>
+            <a:r>
+              <a:rPr lang="en-US" dirty="0" err="1" smtClean="0"/>
+              <a:t>ModelState.IsValid</a:t>
+            </a:r>
+            <a:endParaRPr lang="en-US" dirty="0" smtClean="0"/>
+          </a:p>
+          <a:p>
+            <a:pPr lvl="1"/>
+            <a:r>
+              <a:rPr lang="en-US" dirty="0" smtClean="0"/>
+              <a:t>Did the model bind correctly?</a:t>
+            </a:r>
+          </a:p>
+          <a:p>
+            <a:r>
+              <a:rPr lang="en-US" dirty="0" smtClean="0"/>
+              <a:t>HTML helpers use model state</a:t>
+            </a:r>
+          </a:p>
+          <a:p>
+            <a:pPr lvl="1"/>
+            <a:r>
+              <a:rPr lang="en-US" dirty="0" smtClean="0"/>
+              <a:t>Model state can override view model data</a:t>
+            </a:r>
+          </a:p>
+          <a:p>
+            <a:pPr lvl="1"/>
+            <a:endParaRPr lang="en-US" dirty="0" smtClean="0"/>
+          </a:p>
+          <a:p>
             <a:endParaRPr lang="en-US" dirty="0"/>
           </a:p>
         </p:txBody>
@@ -4406,8 +4582,8 @@
         </p:nvSpPr>
         <p:spPr bwMode="auto">
           <a:xfrm>
-            <a:off x="838200" y="2057400"/>
-            <a:ext cx="6705600" cy="3657600"/>
+            <a:off x="1676400" y="3733800"/>
+            <a:ext cx="4724400" cy="2514600"/>
           </a:xfrm>
           <a:prstGeom prst="rect">
             <a:avLst/>
@@ -4444,77 +4620,82 @@
               </a:spcAft>
             </a:pPr>
             <a:r>
-              <a:rPr lang="en-US" sz="1400" b="0" dirty="0" smtClean="0">
+              <a:rPr lang="en-US" sz="1400" b="0" dirty="0">
                 <a:solidFill>
                   <a:srgbClr val="0000FF"/>
                 </a:solidFill>
-                <a:latin typeface="Consolas"/>
-                <a:ea typeface="Calibri"/>
-                <a:cs typeface="Times New Roman"/>
+                <a:latin typeface="Consolas" pitchFamily="49" charset="0"/>
+                <a:ea typeface="Calibri"/>
+                <a:cs typeface="Consolas" pitchFamily="49" charset="0"/>
               </a:rPr>
               <a:t>public</a:t>
             </a:r>
             <a:r>
-              <a:rPr lang="en-US" sz="1400" b="0" dirty="0" smtClean="0">
-                <a:latin typeface="Consolas"/>
-                <a:ea typeface="Calibri"/>
-                <a:cs typeface="Times New Roman"/>
+              <a:rPr lang="en-US" sz="1400" b="0" dirty="0">
+                <a:latin typeface="Consolas" pitchFamily="49" charset="0"/>
+                <a:ea typeface="Calibri"/>
+                <a:cs typeface="Consolas" pitchFamily="49" charset="0"/>
               </a:rPr>
               <a:t> </a:t>
             </a:r>
             <a:r>
-              <a:rPr lang="en-US" sz="1400" b="0" dirty="0" smtClean="0">
+              <a:rPr lang="en-US" sz="1400" b="0" dirty="0">
                 <a:solidFill>
                   <a:srgbClr val="0000FF"/>
                 </a:solidFill>
-                <a:latin typeface="Consolas"/>
-                <a:ea typeface="Calibri"/>
-                <a:cs typeface="Times New Roman"/>
-              </a:rPr>
-              <a:t>class</a:t>
-            </a:r>
-            <a:r>
-              <a:rPr lang="en-US" sz="1400" b="0" dirty="0" smtClean="0">
-                <a:latin typeface="Consolas"/>
-                <a:ea typeface="Calibri"/>
-                <a:cs typeface="Times New Roman"/>
+                <a:latin typeface="Consolas" pitchFamily="49" charset="0"/>
+                <a:ea typeface="Calibri"/>
+                <a:cs typeface="Consolas" pitchFamily="49" charset="0"/>
+              </a:rPr>
+              <a:t>void</a:t>
+            </a:r>
+            <a:r>
+              <a:rPr lang="en-US" sz="1400" b="0" dirty="0">
+                <a:latin typeface="Consolas" pitchFamily="49" charset="0"/>
+                <a:ea typeface="Calibri"/>
+                <a:cs typeface="Consolas" pitchFamily="49" charset="0"/>
               </a:rPr>
               <a:t> </a:t>
             </a:r>
             <a:r>
-              <a:rPr lang="en-US" sz="1400" b="0" dirty="0" err="1" smtClean="0">
-                <a:solidFill>
-                  <a:srgbClr val="2B91AF"/>
-                </a:solidFill>
-                <a:latin typeface="Consolas"/>
-                <a:ea typeface="Calibri"/>
-                <a:cs typeface="Times New Roman"/>
-              </a:rPr>
-              <a:t>DateTimeModelBinder</a:t>
-            </a:r>
-            <a:r>
-              <a:rPr lang="en-US" sz="1400" b="0" dirty="0" smtClean="0">
-                <a:latin typeface="Consolas"/>
-                <a:ea typeface="Calibri"/>
-                <a:cs typeface="Times New Roman"/>
-              </a:rPr>
-              <a:t> : </a:t>
-            </a:r>
-            <a:r>
-              <a:rPr lang="en-US" sz="1400" b="0" dirty="0" err="1" smtClean="0">
-                <a:solidFill>
-                  <a:srgbClr val="2B91AF"/>
-                </a:solidFill>
-                <a:latin typeface="Consolas"/>
-                <a:ea typeface="Calibri"/>
-                <a:cs typeface="Times New Roman"/>
-              </a:rPr>
-              <a:t>IModelBinder</a:t>
-            </a:r>
-            <a:endParaRPr lang="en-US" sz="1400" b="0" dirty="0" smtClean="0">
-              <a:latin typeface="Calibri"/>
+              <a:rPr lang="en-US" sz="1400" b="0" dirty="0" err="1">
+                <a:latin typeface="Consolas" pitchFamily="49" charset="0"/>
+                <a:ea typeface="Calibri"/>
+                <a:cs typeface="Consolas" pitchFamily="49" charset="0"/>
+              </a:rPr>
+              <a:t>IndexAsync</a:t>
+            </a:r>
+            <a:r>
+              <a:rPr lang="en-US" sz="1400" b="0" dirty="0">
+                <a:latin typeface="Consolas" pitchFamily="49" charset="0"/>
+                <a:ea typeface="Calibri"/>
+                <a:cs typeface="Consolas" pitchFamily="49" charset="0"/>
+              </a:rPr>
+              <a:t>(</a:t>
+            </a:r>
+            <a:r>
+              <a:rPr lang="en-US" sz="1400" b="0" dirty="0">
+                <a:solidFill>
+                  <a:srgbClr val="0000FF"/>
+                </a:solidFill>
+                <a:latin typeface="Consolas" pitchFamily="49" charset="0"/>
+                <a:ea typeface="Calibri"/>
+                <a:cs typeface="Consolas" pitchFamily="49" charset="0"/>
+              </a:rPr>
+              <a:t>string</a:t>
+            </a:r>
+            <a:r>
+              <a:rPr lang="en-US" sz="1400" b="0" dirty="0">
+                <a:latin typeface="Consolas" pitchFamily="49" charset="0"/>
+                <a:ea typeface="Calibri"/>
+                <a:cs typeface="Consolas" pitchFamily="49" charset="0"/>
+              </a:rPr>
+              <a:t> model)</a:t>
+            </a:r>
+            <a:endParaRPr lang="en-US" sz="1200" b="0" dirty="0">
+              <a:latin typeface="Consolas" pitchFamily="49" charset="0"/>
               <a:ea typeface="Calibri"/>
-              <a:cs typeface="Times New Roman"/>
+              <a:cs typeface="Consolas" pitchFamily="49" charset="0"/>
             </a:endParaRPr>
           </a:p>
           <a:p>
@@ -4530,17 +4711,17 @@
               </a:spcAft>
             </a:pPr>
             <a:r>
-              <a:rPr lang="en-US" sz="1400" b="0" dirty="0" smtClean="0">
-                <a:latin typeface="Consolas"/>
-                <a:ea typeface="Calibri"/>
-                <a:cs typeface="Times New Roman"/>
+              <a:rPr lang="en-US" sz="1400" b="0" dirty="0">
+                <a:latin typeface="Consolas" pitchFamily="49" charset="0"/>
+                <a:ea typeface="Calibri"/>
+                <a:cs typeface="Consolas" pitchFamily="49" charset="0"/>
               </a:rPr>
               <a:t>{</a:t>
             </a:r>
-            <a:endParaRPr lang="en-US" sz="1400" b="0" dirty="0" smtClean="0">
-              <a:latin typeface="Calibri"/>
+            <a:endParaRPr lang="en-US" sz="1200" b="0" dirty="0">
+              <a:latin typeface="Consolas" pitchFamily="49" charset="0"/>
               <a:ea typeface="Calibri"/>
-              <a:cs typeface="Times New Roman"/>
+              <a:cs typeface="Consolas" pitchFamily="49" charset="0"/>
             </a:endParaRPr>
           </a:p>
           <a:p>
@@ -4556,102 +4737,53 @@
               </a:spcAft>
             </a:pPr>
             <a:r>
-              <a:rPr lang="en-US" sz="1400" b="0" dirty="0" smtClean="0">
-                <a:latin typeface="Consolas"/>
-                <a:ea typeface="Calibri"/>
-                <a:cs typeface="Times New Roman"/>
+              <a:rPr lang="en-US" sz="1400" b="0" dirty="0">
+                <a:latin typeface="Consolas" pitchFamily="49" charset="0"/>
+                <a:ea typeface="Calibri"/>
+                <a:cs typeface="Consolas" pitchFamily="49" charset="0"/>
               </a:rPr>
               <a:t>    </a:t>
             </a:r>
             <a:r>
-              <a:rPr lang="en-US" sz="1400" b="0" dirty="0" smtClean="0">
+              <a:rPr lang="en-US" sz="1400" b="0" dirty="0">
                 <a:solidFill>
                   <a:srgbClr val="0000FF"/>
                 </a:solidFill>
-                <a:latin typeface="Consolas"/>
-                <a:ea typeface="Calibri"/>
-                <a:cs typeface="Times New Roman"/>
-              </a:rPr>
-              <a:t>public</a:t>
-            </a:r>
-            <a:r>
-              <a:rPr lang="en-US" sz="1400" b="0" dirty="0" smtClean="0">
-                <a:latin typeface="Consolas"/>
-                <a:ea typeface="Calibri"/>
-                <a:cs typeface="Times New Roman"/>
-              </a:rPr>
-              <a:t> </a:t>
-            </a:r>
-            <a:r>
-              <a:rPr lang="en-US" sz="1400" b="0" dirty="0" smtClean="0">
-                <a:solidFill>
-                  <a:srgbClr val="0000FF"/>
-                </a:solidFill>
-                <a:latin typeface="Consolas"/>
-                <a:ea typeface="Calibri"/>
-                <a:cs typeface="Times New Roman"/>
-              </a:rPr>
-              <a:t>object</a:t>
-            </a:r>
-            <a:r>
-              <a:rPr lang="en-US" sz="1400" b="0" dirty="0" smtClean="0">
-                <a:latin typeface="Consolas"/>
-                <a:ea typeface="Calibri"/>
-                <a:cs typeface="Times New Roman"/>
-              </a:rPr>
-              <a:t> </a:t>
-            </a:r>
-            <a:r>
-              <a:rPr lang="en-US" sz="1400" b="0" dirty="0" err="1" smtClean="0">
-                <a:latin typeface="Consolas"/>
-                <a:ea typeface="Calibri"/>
-                <a:cs typeface="Times New Roman"/>
-              </a:rPr>
-              <a:t>BindModel</a:t>
-            </a:r>
-            <a:r>
-              <a:rPr lang="en-US" sz="1400" b="0" dirty="0" smtClean="0">
-                <a:latin typeface="Consolas"/>
-                <a:ea typeface="Calibri"/>
-                <a:cs typeface="Times New Roman"/>
-              </a:rPr>
-              <a:t>(</a:t>
-            </a:r>
-            <a:r>
-              <a:rPr lang="en-US" sz="1400" b="0" dirty="0" err="1" smtClean="0">
-                <a:solidFill>
-                  <a:srgbClr val="2B91AF"/>
-                </a:solidFill>
-                <a:latin typeface="Consolas"/>
-                <a:ea typeface="Calibri"/>
-                <a:cs typeface="Times New Roman"/>
-              </a:rPr>
-              <a:t>ControllerContext</a:t>
-            </a:r>
-            <a:r>
-              <a:rPr lang="en-US" sz="1400" b="0" dirty="0" smtClean="0">
-                <a:latin typeface="Consolas"/>
-                <a:ea typeface="Calibri"/>
-                <a:cs typeface="Times New Roman"/>
-              </a:rPr>
-              <a:t> </a:t>
-            </a:r>
-            <a:r>
-              <a:rPr lang="en-US" sz="1400" b="0" dirty="0" err="1" smtClean="0">
-                <a:latin typeface="Consolas"/>
-                <a:ea typeface="Calibri"/>
-                <a:cs typeface="Times New Roman"/>
-              </a:rPr>
-              <a:t>controllerContext</a:t>
-            </a:r>
-            <a:r>
-              <a:rPr lang="en-US" sz="1400" b="0" dirty="0" smtClean="0">
-                <a:latin typeface="Consolas"/>
-                <a:ea typeface="Calibri"/>
-                <a:cs typeface="Times New Roman"/>
-              </a:rPr>
-              <a:t>, </a:t>
-            </a:r>
+                <a:latin typeface="Consolas" pitchFamily="49" charset="0"/>
+                <a:ea typeface="Calibri"/>
+                <a:cs typeface="Consolas" pitchFamily="49" charset="0"/>
+              </a:rPr>
+              <a:t>if</a:t>
+            </a:r>
+            <a:r>
+              <a:rPr lang="en-US" sz="1400" b="0" dirty="0">
+                <a:latin typeface="Consolas" pitchFamily="49" charset="0"/>
+                <a:ea typeface="Calibri"/>
+                <a:cs typeface="Consolas" pitchFamily="49" charset="0"/>
+              </a:rPr>
+              <a:t> (</a:t>
+            </a:r>
+            <a:r>
+              <a:rPr lang="en-US" sz="1400" b="0" dirty="0" err="1">
+                <a:latin typeface="Consolas" pitchFamily="49" charset="0"/>
+                <a:ea typeface="Calibri"/>
+                <a:cs typeface="Consolas" pitchFamily="49" charset="0"/>
+              </a:rPr>
+              <a:t>ModelState.IsValid</a:t>
+            </a:r>
+            <a:r>
+              <a:rPr lang="en-US" sz="1400" b="0" dirty="0">
+                <a:latin typeface="Consolas" pitchFamily="49" charset="0"/>
+                <a:ea typeface="Calibri"/>
+                <a:cs typeface="Consolas" pitchFamily="49" charset="0"/>
+              </a:rPr>
+              <a:t>)</a:t>
+            </a:r>
+            <a:endParaRPr lang="en-US" sz="1200" b="0" dirty="0">
+              <a:latin typeface="Consolas" pitchFamily="49" charset="0"/>
+              <a:ea typeface="Calibri"/>
+              <a:cs typeface="Consolas" pitchFamily="49" charset="0"/>
+            </a:endParaRPr>
           </a:p>
           <a:p>
             <a:pPr marL="0" marR="0" algn="l">
@@ -4666,55 +4798,17 @@
               </a:spcAft>
             </a:pPr>
             <a:r>
-              <a:rPr lang="en-US" sz="1400" b="0" dirty="0" smtClean="0">
-                <a:solidFill>
-                  <a:srgbClr val="2B91AF"/>
-                </a:solidFill>
-                <a:latin typeface="Consolas"/>
-                <a:ea typeface="Calibri"/>
-                <a:cs typeface="Times New Roman"/>
-              </a:rPr>
-              <a:t>                            </a:t>
-            </a:r>
-            <a:r>
-              <a:rPr lang="en-US" sz="1400" b="0" dirty="0" err="1" smtClean="0">
-                <a:solidFill>
-                  <a:srgbClr val="2B91AF"/>
-                </a:solidFill>
-                <a:latin typeface="Consolas"/>
-                <a:ea typeface="Calibri"/>
-                <a:cs typeface="Times New Roman"/>
-              </a:rPr>
-              <a:t>ModelBindingContext</a:t>
-            </a:r>
-            <a:r>
-              <a:rPr lang="en-US" sz="1400" b="0" dirty="0" smtClean="0">
-                <a:latin typeface="Consolas"/>
-                <a:ea typeface="Calibri"/>
-                <a:cs typeface="Times New Roman"/>
-              </a:rPr>
-              <a:t> </a:t>
-            </a:r>
-            <a:r>
-              <a:rPr lang="en-US" sz="1400" b="0" dirty="0" err="1" smtClean="0">
-                <a:latin typeface="Consolas"/>
-                <a:ea typeface="Calibri"/>
-                <a:cs typeface="Times New Roman"/>
-              </a:rPr>
-              <a:t>bindingContext</a:t>
-            </a:r>
-            <a:r>
-              <a:rPr lang="en-US" sz="1400" b="0" dirty="0" smtClean="0">
-                <a:latin typeface="Consolas"/>
-                <a:ea typeface="Calibri"/>
-                <a:cs typeface="Times New Roman"/>
-              </a:rPr>
-              <a:t>)</a:t>
-            </a:r>
-            <a:endParaRPr lang="en-US" sz="1400" b="0" dirty="0" smtClean="0">
-              <a:latin typeface="Calibri"/>
+              <a:rPr lang="en-US" sz="1400" b="0" dirty="0">
+                <a:latin typeface="Consolas" pitchFamily="49" charset="0"/>
+                <a:ea typeface="Calibri"/>
+                <a:cs typeface="Consolas" pitchFamily="49" charset="0"/>
+              </a:rPr>
+              <a:t>    {</a:t>
+            </a:r>
+            <a:endParaRPr lang="en-US" sz="1200" b="0" dirty="0">
+              <a:latin typeface="Consolas" pitchFamily="49" charset="0"/>
               <a:ea typeface="Calibri"/>
-              <a:cs typeface="Times New Roman"/>
+              <a:cs typeface="Consolas" pitchFamily="49" charset="0"/>
             </a:endParaRPr>
           </a:p>
           <a:p>
@@ -4730,18 +4824,35 @@
               </a:spcAft>
             </a:pPr>
             <a:r>
+              <a:rPr lang="en-US" sz="1400" b="0" dirty="0">
+                <a:latin typeface="Consolas" pitchFamily="49" charset="0"/>
+                <a:ea typeface="Calibri"/>
+                <a:cs typeface="Consolas" pitchFamily="49" charset="0"/>
+              </a:rPr>
+              <a:t>        </a:t>
+            </a:r>
+            <a:r>
+              <a:rPr lang="en-US" sz="1400" b="0" dirty="0">
+                <a:solidFill>
+                  <a:srgbClr val="008000"/>
+                </a:solidFill>
+                <a:latin typeface="Consolas" pitchFamily="49" charset="0"/>
+                <a:ea typeface="Calibri"/>
+                <a:cs typeface="Consolas" pitchFamily="49" charset="0"/>
+              </a:rPr>
+              <a:t>// </a:t>
+            </a:r>
+            <a:r>
               <a:rPr lang="en-US" sz="1400" b="0" dirty="0" smtClean="0">
-                <a:latin typeface="Consolas"/>
-                <a:ea typeface="Calibri"/>
-                <a:cs typeface="Times New Roman"/>
-              </a:rPr>
-              <a:t>    {</a:t>
-            </a:r>
-            <a:endParaRPr lang="en-US" sz="1400" b="0" dirty="0" smtClean="0">
-              <a:latin typeface="Calibri"/>
-              <a:ea typeface="Calibri"/>
-              <a:cs typeface="Times New Roman"/>
-            </a:endParaRPr>
+                <a:solidFill>
+                  <a:srgbClr val="008000"/>
+                </a:solidFill>
+                <a:latin typeface="Consolas" pitchFamily="49" charset="0"/>
+                <a:ea typeface="Calibri"/>
+                <a:cs typeface="Consolas" pitchFamily="49" charset="0"/>
+              </a:rPr>
+              <a:t>commit...</a:t>
+            </a:r>
           </a:p>
           <a:p>
             <a:pPr marL="0" marR="0" algn="l">
@@ -4755,18 +4866,10 @@
                 <a:spcPts val="0"/>
               </a:spcAft>
             </a:pPr>
-            <a:r>
-              <a:rPr lang="en-US" sz="1400" b="0" dirty="0" smtClean="0">
-                <a:latin typeface="Consolas"/>
-                <a:ea typeface="Calibri"/>
-                <a:cs typeface="Times New Roman"/>
-              </a:rPr>
-              <a:t>        ...  </a:t>
-            </a:r>
-            <a:endParaRPr lang="en-US" sz="1400" b="0" dirty="0" smtClean="0">
-              <a:latin typeface="Calibri"/>
+            <a:endParaRPr lang="en-US" sz="1200" b="0" dirty="0">
+              <a:latin typeface="Consolas" pitchFamily="49" charset="0"/>
               <a:ea typeface="Calibri"/>
-              <a:cs typeface="Times New Roman"/>
+              <a:cs typeface="Consolas" pitchFamily="49" charset="0"/>
             </a:endParaRPr>
           </a:p>
           <a:p>
@@ -4782,36 +4885,93 @@
               </a:spcAft>
             </a:pPr>
             <a:r>
-              <a:rPr lang="en-US" sz="1400" b="0" dirty="0" smtClean="0">
-                <a:latin typeface="Consolas"/>
-                <a:ea typeface="Calibri"/>
-                <a:cs typeface="Times New Roman"/>
+              <a:rPr lang="en-US" sz="1400" b="0" dirty="0">
+                <a:latin typeface="Consolas" pitchFamily="49" charset="0"/>
+                <a:ea typeface="Calibri"/>
+                <a:cs typeface="Consolas" pitchFamily="49" charset="0"/>
               </a:rPr>
               <a:t>        </a:t>
             </a:r>
             <a:r>
-              <a:rPr lang="en-US" sz="1400" b="0" dirty="0" err="1" smtClean="0">
+              <a:rPr lang="en-US" sz="1400" b="0" dirty="0">
                 <a:solidFill>
                   <a:srgbClr val="0000FF"/>
                 </a:solidFill>
-                <a:latin typeface="Consolas"/>
-                <a:ea typeface="Calibri"/>
-                <a:cs typeface="Times New Roman"/>
-              </a:rPr>
-              <a:t>int</a:t>
-            </a:r>
-            <a:r>
-              <a:rPr lang="en-US" sz="1400" b="0" dirty="0" smtClean="0">
-                <a:latin typeface="Consolas"/>
-                <a:ea typeface="Calibri"/>
-                <a:cs typeface="Times New Roman"/>
-              </a:rPr>
-              <a:t> year;</a:t>
-            </a:r>
-            <a:endParaRPr lang="en-US" sz="1400" b="0" dirty="0" smtClean="0">
-              <a:latin typeface="Calibri"/>
+                <a:latin typeface="Consolas" pitchFamily="49" charset="0"/>
+                <a:ea typeface="Calibri"/>
+                <a:cs typeface="Consolas" pitchFamily="49" charset="0"/>
+              </a:rPr>
+              <a:t>return</a:t>
+            </a:r>
+            <a:r>
+              <a:rPr lang="en-US" sz="1400" b="0" dirty="0">
+                <a:latin typeface="Consolas" pitchFamily="49" charset="0"/>
+                <a:ea typeface="Calibri"/>
+                <a:cs typeface="Consolas" pitchFamily="49" charset="0"/>
+              </a:rPr>
+              <a:t> </a:t>
+            </a:r>
+            <a:r>
+              <a:rPr lang="en-US" sz="1400" b="0" dirty="0" err="1">
+                <a:latin typeface="Consolas" pitchFamily="49" charset="0"/>
+                <a:ea typeface="Calibri"/>
+                <a:cs typeface="Consolas" pitchFamily="49" charset="0"/>
+              </a:rPr>
+              <a:t>RedirectToAction</a:t>
+            </a:r>
+            <a:r>
+              <a:rPr lang="en-US" sz="1400" b="0" dirty="0">
+                <a:latin typeface="Consolas" pitchFamily="49" charset="0"/>
+                <a:ea typeface="Calibri"/>
+                <a:cs typeface="Consolas" pitchFamily="49" charset="0"/>
+              </a:rPr>
+              <a:t>(</a:t>
+            </a:r>
+            <a:r>
+              <a:rPr lang="en-US" sz="1400" b="0" dirty="0">
+                <a:solidFill>
+                  <a:srgbClr val="A31515"/>
+                </a:solidFill>
+                <a:latin typeface="Consolas" pitchFamily="49" charset="0"/>
+                <a:ea typeface="Calibri"/>
+                <a:cs typeface="Consolas" pitchFamily="49" charset="0"/>
+              </a:rPr>
+              <a:t>"</a:t>
+            </a:r>
+            <a:r>
+              <a:rPr lang="en-US" sz="1400" b="0" dirty="0">
+                <a:solidFill>
+                  <a:srgbClr val="FF0000"/>
+                </a:solidFill>
+                <a:latin typeface="Consolas" pitchFamily="49" charset="0"/>
+                <a:ea typeface="Calibri"/>
+                <a:cs typeface="Consolas" pitchFamily="49" charset="0"/>
+              </a:rPr>
+              <a:t>Index</a:t>
+            </a:r>
+            <a:r>
+              <a:rPr lang="en-US" sz="1400" b="0" dirty="0">
+                <a:solidFill>
+                  <a:srgbClr val="A31515"/>
+                </a:solidFill>
+                <a:latin typeface="Consolas" pitchFamily="49" charset="0"/>
+                <a:ea typeface="Calibri"/>
+                <a:cs typeface="Consolas" pitchFamily="49" charset="0"/>
+              </a:rPr>
+              <a:t>"</a:t>
+            </a:r>
+            <a:r>
+              <a:rPr lang="en-US" sz="1400" b="0" dirty="0">
+                <a:latin typeface="Consolas" pitchFamily="49" charset="0"/>
+                <a:ea typeface="Calibri"/>
+                <a:cs typeface="Consolas" pitchFamily="49" charset="0"/>
+              </a:rPr>
+              <a:t>);</a:t>
+            </a:r>
+            <a:endParaRPr lang="en-US" sz="1200" b="0" dirty="0">
+              <a:latin typeface="Consolas" pitchFamily="49" charset="0"/>
               <a:ea typeface="Calibri"/>
-              <a:cs typeface="Times New Roman"/>
+              <a:cs typeface="Consolas" pitchFamily="49" charset="0"/>
             </a:endParaRPr>
           </a:p>
           <a:p>
@@ -4827,98 +4987,17 @@
               </a:spcAft>
             </a:pPr>
             <a:r>
-              <a:rPr lang="en-US" sz="1400" b="0" dirty="0" smtClean="0">
-                <a:latin typeface="Consolas"/>
-                <a:ea typeface="Calibri"/>
-                <a:cs typeface="Times New Roman"/>
-              </a:rPr>
-              <a:t>        </a:t>
-            </a:r>
-            <a:r>
-              <a:rPr lang="en-US" sz="1400" b="0" dirty="0" smtClean="0">
-                <a:solidFill>
-                  <a:srgbClr val="0000FF"/>
-                </a:solidFill>
-                <a:latin typeface="Consolas"/>
-                <a:ea typeface="Calibri"/>
-                <a:cs typeface="Times New Roman"/>
-              </a:rPr>
-              <a:t>if</a:t>
-            </a:r>
-            <a:r>
-              <a:rPr lang="en-US" sz="1400" b="0" dirty="0" smtClean="0">
-                <a:latin typeface="Consolas"/>
-                <a:ea typeface="Calibri"/>
-                <a:cs typeface="Times New Roman"/>
-              </a:rPr>
-              <a:t> (</a:t>
-            </a:r>
-            <a:r>
-              <a:rPr lang="en-US" sz="1400" b="0" dirty="0" err="1" smtClean="0">
-                <a:solidFill>
-                  <a:srgbClr val="0000FF"/>
-                </a:solidFill>
-                <a:latin typeface="Consolas"/>
-                <a:ea typeface="Calibri"/>
-                <a:cs typeface="Times New Roman"/>
-              </a:rPr>
-              <a:t>int</a:t>
-            </a:r>
-            <a:r>
-              <a:rPr lang="en-US" sz="1400" b="0" dirty="0" err="1" smtClean="0">
-                <a:latin typeface="Consolas"/>
-                <a:ea typeface="Calibri"/>
-                <a:cs typeface="Times New Roman"/>
-              </a:rPr>
-              <a:t>.TryParse</a:t>
-            </a:r>
-            <a:r>
-              <a:rPr lang="en-US" sz="1400" b="0" dirty="0" smtClean="0">
-                <a:latin typeface="Consolas"/>
-                <a:ea typeface="Calibri"/>
-                <a:cs typeface="Times New Roman"/>
-              </a:rPr>
-              <a:t>(</a:t>
-            </a:r>
-            <a:r>
-              <a:rPr lang="en-US" sz="1400" b="0" dirty="0" err="1" smtClean="0">
-                <a:latin typeface="Consolas"/>
-                <a:ea typeface="Calibri"/>
-                <a:cs typeface="Times New Roman"/>
-              </a:rPr>
-              <a:t>result.AttemptedValue</a:t>
-            </a:r>
-            <a:r>
-              <a:rPr lang="en-US" sz="1400" b="0" dirty="0" smtClean="0">
-                <a:latin typeface="Consolas"/>
-                <a:ea typeface="Calibri"/>
-                <a:cs typeface="Times New Roman"/>
-              </a:rPr>
-              <a:t>, </a:t>
-            </a:r>
-            <a:r>
-              <a:rPr lang="en-US" sz="1400" b="0" dirty="0" smtClean="0">
-                <a:solidFill>
-                  <a:srgbClr val="0000FF"/>
-                </a:solidFill>
-                <a:latin typeface="Consolas"/>
-                <a:ea typeface="Calibri"/>
-                <a:cs typeface="Times New Roman"/>
-              </a:rPr>
-              <a:t>out</a:t>
-            </a:r>
-            <a:r>
-              <a:rPr lang="en-US" sz="1400" b="0" dirty="0" smtClean="0">
-                <a:latin typeface="Consolas"/>
-                <a:ea typeface="Calibri"/>
-                <a:cs typeface="Times New Roman"/>
-              </a:rPr>
-              <a:t> year))</a:t>
-            </a:r>
-            <a:endParaRPr lang="en-US" sz="1400" b="0" dirty="0" smtClean="0">
-              <a:latin typeface="Calibri"/>
+              <a:rPr lang="en-US" sz="1400" b="0" dirty="0">
+                <a:latin typeface="Consolas" pitchFamily="49" charset="0"/>
+                <a:ea typeface="Calibri"/>
+                <a:cs typeface="Consolas" pitchFamily="49" charset="0"/>
+              </a:rPr>
+              <a:t>    }</a:t>
+            </a:r>
+            <a:endParaRPr lang="en-US" sz="1200" b="0" dirty="0">
+              <a:latin typeface="Consolas" pitchFamily="49" charset="0"/>
               <a:ea typeface="Calibri"/>
-              <a:cs typeface="Times New Roman"/>
+              <a:cs typeface="Consolas" pitchFamily="49" charset="0"/>
             </a:endParaRPr>
           </a:p>
           <a:p>
@@ -4934,17 +5013,36 @@
               </a:spcAft>
             </a:pPr>
             <a:r>
-              <a:rPr lang="en-US" sz="1400" b="0" dirty="0" smtClean="0">
-                <a:latin typeface="Consolas"/>
-                <a:ea typeface="Calibri"/>
-                <a:cs typeface="Times New Roman"/>
-              </a:rPr>
-              <a:t>        {</a:t>
-            </a:r>
-            <a:endParaRPr lang="en-US" sz="1400" b="0" dirty="0" smtClean="0">
-              <a:latin typeface="Calibri"/>
+              <a:rPr lang="en-US" sz="1400" b="0" dirty="0">
+                <a:latin typeface="Consolas" pitchFamily="49" charset="0"/>
+                <a:ea typeface="Calibri"/>
+                <a:cs typeface="Consolas" pitchFamily="49" charset="0"/>
+              </a:rPr>
+              <a:t>    </a:t>
+            </a:r>
+            <a:r>
+              <a:rPr lang="en-US" sz="1400" b="0" dirty="0">
+                <a:solidFill>
+                  <a:srgbClr val="0000FF"/>
+                </a:solidFill>
+                <a:latin typeface="Consolas" pitchFamily="49" charset="0"/>
+                <a:ea typeface="Calibri"/>
+                <a:cs typeface="Consolas" pitchFamily="49" charset="0"/>
+              </a:rPr>
+              <a:t>return</a:t>
+            </a:r>
+            <a:r>
+              <a:rPr lang="en-US" sz="1400" b="0" dirty="0">
+                <a:latin typeface="Consolas" pitchFamily="49" charset="0"/>
+                <a:ea typeface="Calibri"/>
+                <a:cs typeface="Consolas" pitchFamily="49" charset="0"/>
+              </a:rPr>
+              <a:t> View(model);</a:t>
+            </a:r>
+            <a:endParaRPr lang="en-US" sz="1200" b="0" dirty="0">
+              <a:latin typeface="Consolas" pitchFamily="49" charset="0"/>
               <a:ea typeface="Calibri"/>
-              <a:cs typeface="Times New Roman"/>
+              <a:cs typeface="Consolas" pitchFamily="49" charset="0"/>
             </a:endParaRPr>
           </a:p>
           <a:p>
@@ -4960,74 +5058,17 @@
               </a:spcAft>
             </a:pPr>
             <a:r>
-              <a:rPr lang="en-US" sz="1400" b="0" dirty="0" smtClean="0">
-                <a:latin typeface="Consolas"/>
-                <a:ea typeface="Calibri"/>
-                <a:cs typeface="Times New Roman"/>
-              </a:rPr>
-              <a:t>            </a:t>
-            </a:r>
-            <a:r>
-              <a:rPr lang="en-US" sz="1400" b="0" dirty="0" smtClean="0">
-                <a:solidFill>
-                  <a:srgbClr val="0000FF"/>
-                </a:solidFill>
-                <a:latin typeface="Consolas"/>
-                <a:ea typeface="Calibri"/>
-                <a:cs typeface="Times New Roman"/>
-              </a:rPr>
-              <a:t>return</a:t>
-            </a:r>
-            <a:r>
-              <a:rPr lang="en-US" sz="1400" b="0" dirty="0" smtClean="0">
-                <a:latin typeface="Consolas"/>
-                <a:ea typeface="Calibri"/>
-                <a:cs typeface="Times New Roman"/>
-              </a:rPr>
-              <a:t> </a:t>
-            </a:r>
-            <a:r>
-              <a:rPr lang="en-US" sz="1400" b="0" dirty="0" smtClean="0">
-                <a:solidFill>
-                  <a:srgbClr val="0000FF"/>
-                </a:solidFill>
-                <a:latin typeface="Consolas"/>
-                <a:ea typeface="Calibri"/>
-                <a:cs typeface="Times New Roman"/>
-              </a:rPr>
-              <a:t>new</a:t>
-            </a:r>
-            <a:r>
-              <a:rPr lang="en-US" sz="1400" b="0" dirty="0" smtClean="0">
-                <a:latin typeface="Consolas"/>
-                <a:ea typeface="Calibri"/>
-                <a:cs typeface="Times New Roman"/>
-              </a:rPr>
-              <a:t> </a:t>
-            </a:r>
-            <a:r>
-              <a:rPr lang="en-US" sz="1400" b="0" dirty="0" err="1" smtClean="0">
-                <a:solidFill>
-                  <a:srgbClr val="2B91AF"/>
-                </a:solidFill>
-                <a:latin typeface="Consolas"/>
-                <a:ea typeface="Calibri"/>
-                <a:cs typeface="Times New Roman"/>
-              </a:rPr>
-              <a:t>DateTime</a:t>
-            </a:r>
-            <a:r>
-              <a:rPr lang="en-US" sz="1400" b="0" dirty="0" smtClean="0">
-                <a:latin typeface="Consolas"/>
-                <a:ea typeface="Calibri"/>
-                <a:cs typeface="Times New Roman"/>
-              </a:rPr>
-              <a:t>(year, 1, 1);</a:t>
-            </a:r>
-            <a:endParaRPr lang="en-US" sz="1400" b="0" dirty="0" smtClean="0">
-              <a:latin typeface="Calibri"/>
+              <a:rPr lang="en-US" sz="1400" b="0" dirty="0">
+                <a:latin typeface="Consolas" pitchFamily="49" charset="0"/>
+                <a:ea typeface="Calibri"/>
+                <a:cs typeface="Consolas" pitchFamily="49" charset="0"/>
+              </a:rPr>
+              <a:t>}</a:t>
+            </a:r>
+            <a:endParaRPr lang="en-US" sz="1200" b="0" dirty="0">
+              <a:latin typeface="Consolas" pitchFamily="49" charset="0"/>
               <a:ea typeface="Calibri"/>
-              <a:cs typeface="Times New Roman"/>
+              <a:cs typeface="Consolas" pitchFamily="49" charset="0"/>
             </a:endParaRPr>
           </a:p>
           <a:p>
@@ -5042,178 +5083,20 @@
                 <a:spcPts val="0"/>
               </a:spcAft>
             </a:pPr>
-            <a:r>
-              <a:rPr lang="en-US" sz="1400" b="0" dirty="0" smtClean="0">
-                <a:latin typeface="Consolas"/>
-                <a:ea typeface="Calibri"/>
-                <a:cs typeface="Times New Roman"/>
-              </a:rPr>
-              <a:t>        }</a:t>
-            </a:r>
-            <a:endParaRPr lang="en-US" sz="1400" b="0" dirty="0" smtClean="0">
-              <a:latin typeface="Calibri"/>
+            <a:endParaRPr lang="en-US" sz="1400" b="0" dirty="0">
+              <a:latin typeface="Consolas" pitchFamily="49" charset="0"/>
               <a:ea typeface="Calibri"/>
-              <a:cs typeface="Times New Roman"/>
-            </a:endParaRPr>
-          </a:p>
-          <a:p>
-            <a:pPr marL="0" marR="0" algn="l">
-              <a:lnSpc>
-                <a:spcPct val="115000"/>
-              </a:lnSpc>
-              <a:spcBef>
-                <a:spcPts val="0"/>
-              </a:spcBef>
-              <a:spcAft>
-                <a:spcPts val="0"/>
-              </a:spcAft>
-            </a:pPr>
-            <a:r>
-              <a:rPr lang="en-US" sz="1400" b="0" dirty="0" smtClean="0">
-                <a:latin typeface="Consolas"/>
-                <a:ea typeface="Calibri"/>
-                <a:cs typeface="Times New Roman"/>
-              </a:rPr>
-              <a:t>        </a:t>
-            </a:r>
-            <a:r>
-              <a:rPr lang="en-US" sz="1400" b="0" dirty="0" smtClean="0">
-                <a:solidFill>
-                  <a:srgbClr val="0000FF"/>
-                </a:solidFill>
-                <a:latin typeface="Consolas"/>
-                <a:ea typeface="Calibri"/>
-                <a:cs typeface="Times New Roman"/>
-              </a:rPr>
-              <a:t>return</a:t>
-            </a:r>
-            <a:r>
-              <a:rPr lang="en-US" sz="1400" b="0" dirty="0" smtClean="0">
-                <a:latin typeface="Consolas"/>
-                <a:ea typeface="Calibri"/>
-                <a:cs typeface="Times New Roman"/>
-              </a:rPr>
-              <a:t> </a:t>
-            </a:r>
-            <a:r>
-              <a:rPr lang="en-US" sz="1400" b="0" dirty="0" smtClean="0">
-                <a:solidFill>
-                  <a:srgbClr val="0000FF"/>
-                </a:solidFill>
-                <a:latin typeface="Consolas"/>
-                <a:ea typeface="Calibri"/>
-                <a:cs typeface="Times New Roman"/>
-              </a:rPr>
-              <a:t>null</a:t>
-            </a:r>
-            <a:r>
-              <a:rPr lang="en-US" sz="1400" b="0" dirty="0" smtClean="0">
-                <a:latin typeface="Consolas"/>
-                <a:ea typeface="Calibri"/>
-                <a:cs typeface="Times New Roman"/>
-              </a:rPr>
-              <a:t>;</a:t>
-            </a:r>
-            <a:endParaRPr lang="en-US" sz="1400" b="0" dirty="0" smtClean="0">
-              <a:latin typeface="Calibri"/>
-              <a:ea typeface="Calibri"/>
-              <a:cs typeface="Times New Roman"/>
-            </a:endParaRPr>
-          </a:p>
-          <a:p>
-            <a:pPr marL="0" marR="0" algn="l">
-              <a:lnSpc>
-                <a:spcPct val="115000"/>
-              </a:lnSpc>
-              <a:spcBef>
-                <a:spcPts val="0"/>
-              </a:spcBef>
-              <a:spcAft>
-                <a:spcPts val="0"/>
-              </a:spcAft>
-            </a:pPr>
-            <a:r>
-              <a:rPr lang="en-US" sz="1400" b="0" dirty="0" smtClean="0">
-                <a:latin typeface="Consolas"/>
-                <a:ea typeface="Calibri"/>
-                <a:cs typeface="Times New Roman"/>
-              </a:rPr>
-              <a:t>    }</a:t>
-            </a:r>
-            <a:endParaRPr lang="en-US" sz="1400" b="0" dirty="0" smtClean="0">
-              <a:latin typeface="Calibri"/>
-              <a:ea typeface="Calibri"/>
-              <a:cs typeface="Times New Roman"/>
-            </a:endParaRPr>
-          </a:p>
-          <a:p>
-            <a:pPr marL="0" marR="0" algn="l">
-              <a:lnSpc>
-                <a:spcPct val="115000"/>
-              </a:lnSpc>
-              <a:spcBef>
-                <a:spcPts val="0"/>
-              </a:spcBef>
-              <a:spcAft>
-                <a:spcPts val="0"/>
-              </a:spcAft>
-            </a:pPr>
-            <a:r>
-              <a:rPr lang="en-US" sz="1400" b="0" dirty="0" smtClean="0">
-                <a:latin typeface="Consolas"/>
-                <a:ea typeface="Calibri"/>
-                <a:cs typeface="Times New Roman"/>
-              </a:rPr>
-              <a:t>}</a:t>
-            </a:r>
-            <a:endParaRPr lang="en-US" sz="1400" b="0" dirty="0" smtClean="0">
-              <a:latin typeface="Calibri"/>
-              <a:ea typeface="Calibri"/>
-              <a:cs typeface="Times New Roman"/>
-            </a:endParaRPr>
-          </a:p>
-          <a:p>
-            <a:pPr marL="0" marR="0" algn="l">
-              <a:lnSpc>
-                <a:spcPct val="115000"/>
-              </a:lnSpc>
-              <a:spcBef>
-                <a:spcPts val="0"/>
-              </a:spcBef>
-              <a:spcAft>
-                <a:spcPts val="1000"/>
-              </a:spcAft>
-            </a:pPr>
-            <a:r>
-              <a:rPr lang="en-US" sz="1400" b="0" dirty="0" smtClean="0">
-                <a:latin typeface="Calibri"/>
-                <a:ea typeface="Calibri"/>
-                <a:cs typeface="Times New Roman"/>
-              </a:rPr>
-              <a:t> </a:t>
-            </a:r>
-          </a:p>
-          <a:p>
-            <a:pPr marL="0" marR="0" algn="l">
-              <a:lnSpc>
-                <a:spcPct val="115000"/>
-              </a:lnSpc>
-              <a:spcBef>
-                <a:spcPts val="0"/>
-              </a:spcBef>
-              <a:spcAft>
-                <a:spcPts val="0"/>
-              </a:spcAft>
-            </a:pPr>
-            <a:endParaRPr lang="en-US" sz="1400" b="0" dirty="0">
-              <a:latin typeface="Calibri"/>
-              <a:ea typeface="Calibri"/>
-              <a:cs typeface="Times New Roman"/>
+              <a:cs typeface="Consolas" pitchFamily="49" charset="0"/>
             </a:endParaRPr>
           </a:p>
         </p:txBody>
       </p:sp>
     </p:spTree>
+    <p:extLst>
+      <p:ext uri="{BB962C8B-B14F-4D97-AF65-F5344CB8AC3E}">
+        <p14:creationId xmlns:p14="http://schemas.microsoft.com/office/powerpoint/2010/main" val="122489155"/>
+      </p:ext>
+    </p:extLst>
   </p:cSld>
   <p:clrMapOvr>
     <a:masterClrMapping/>
@@ -5265,7 +5148,7 @@
           <a:p>
             <a:r>
               <a:rPr lang="en-US" dirty="0" smtClean="0"/>
-              <a:t>Validation with Annotations</a:t>
+              <a:t>Custom Model Binders</a:t>
             </a:r>
             <a:endParaRPr lang="en-US" dirty="0"/>
           </a:p>
@@ -5288,55 +5171,9 @@
           <a:p>
             <a:r>
               <a:rPr lang="en-US" dirty="0" smtClean="0"/>
-              <a:t>Attributes defined in </a:t>
-            </a:r>
-            <a:r>
-              <a:rPr lang="en-US" sz="1800" dirty="0" err="1" smtClean="0"/>
-              <a:t>System.ComponentModel.DataAnnotations</a:t>
-            </a:r>
-            <a:endParaRPr lang="en-US" sz="1800" dirty="0" smtClean="0"/>
-          </a:p>
-          <a:p>
-            <a:r>
-              <a:rPr lang="en-US" dirty="0" smtClean="0"/>
-              <a:t>Covers common validation patterns</a:t>
-            </a:r>
-          </a:p>
-          <a:p>
-            <a:pPr lvl="1"/>
-            <a:r>
-              <a:rPr lang="en-US" dirty="0" smtClean="0"/>
-              <a:t>Required</a:t>
-            </a:r>
-          </a:p>
-          <a:p>
-            <a:pPr lvl="1"/>
-            <a:r>
-              <a:rPr lang="en-US" dirty="0" err="1" smtClean="0"/>
-              <a:t>StringLength</a:t>
-            </a:r>
-            <a:endParaRPr lang="en-US" dirty="0" smtClean="0"/>
-          </a:p>
-          <a:p>
-            <a:pPr lvl="1"/>
-            <a:r>
-              <a:rPr lang="en-US" dirty="0" smtClean="0"/>
-              <a:t>Regex</a:t>
-            </a:r>
-          </a:p>
-          <a:p>
-            <a:pPr lvl="1"/>
-            <a:r>
-              <a:rPr lang="en-US" dirty="0" smtClean="0"/>
-              <a:t>Range</a:t>
-            </a:r>
-          </a:p>
-          <a:p>
-            <a:pPr lvl="1"/>
-            <a:endParaRPr lang="en-US" dirty="0" smtClean="0"/>
-          </a:p>
-          <a:p>
-            <a:endParaRPr lang="en-US" dirty="0" smtClean="0"/>
+              <a:t>Useful for custom type conversions</a:t>
+            </a:r>
+            <a:endParaRPr lang="en-US" dirty="0"/>
           </a:p>
         </p:txBody>
       </p:sp>
@@ -5350,8 +5187,8 @@
         </p:nvSpPr>
         <p:spPr bwMode="auto">
           <a:xfrm>
-            <a:off x="3352800" y="3048000"/>
-            <a:ext cx="5181600" cy="2819400"/>
+            <a:off x="838200" y="2057400"/>
+            <a:ext cx="6705600" cy="3657600"/>
           </a:xfrm>
           <a:prstGeom prst="rect">
             <a:avLst/>
@@ -5388,58 +5225,77 @@
               </a:spcAft>
             </a:pPr>
             <a:r>
-              <a:rPr lang="en-US" b="0" dirty="0">
+              <a:rPr lang="en-US" sz="1400" b="0" dirty="0" smtClean="0">
                 <a:solidFill>
                   <a:srgbClr val="0000FF"/>
                 </a:solidFill>
-                <a:latin typeface="Consolas" pitchFamily="49" charset="0"/>
-                <a:ea typeface="Calibri"/>
-                <a:cs typeface="Consolas" pitchFamily="49" charset="0"/>
+                <a:latin typeface="Consolas"/>
+                <a:ea typeface="Calibri"/>
+                <a:cs typeface="Times New Roman"/>
               </a:rPr>
               <a:t>public</a:t>
             </a:r>
             <a:r>
-              <a:rPr lang="en-US" b="0" dirty="0">
-                <a:latin typeface="Consolas" pitchFamily="49" charset="0"/>
-                <a:ea typeface="Calibri"/>
-                <a:cs typeface="Consolas" pitchFamily="49" charset="0"/>
+              <a:rPr lang="en-US" sz="1400" b="0" dirty="0" smtClean="0">
+                <a:latin typeface="Consolas"/>
+                <a:ea typeface="Calibri"/>
+                <a:cs typeface="Times New Roman"/>
               </a:rPr>
               <a:t> </a:t>
             </a:r>
             <a:r>
-              <a:rPr lang="en-US" b="0" dirty="0">
+              <a:rPr lang="en-US" sz="1400" b="0" dirty="0" smtClean="0">
                 <a:solidFill>
                   <a:srgbClr val="0000FF"/>
                 </a:solidFill>
-                <a:latin typeface="Consolas" pitchFamily="49" charset="0"/>
-                <a:ea typeface="Calibri"/>
-                <a:cs typeface="Consolas" pitchFamily="49" charset="0"/>
+                <a:latin typeface="Consolas"/>
+                <a:ea typeface="Calibri"/>
+                <a:cs typeface="Times New Roman"/>
               </a:rPr>
               <a:t>class</a:t>
             </a:r>
             <a:r>
-              <a:rPr lang="en-US" b="0" dirty="0">
-                <a:latin typeface="Consolas" pitchFamily="49" charset="0"/>
-                <a:ea typeface="Calibri"/>
-                <a:cs typeface="Consolas" pitchFamily="49" charset="0"/>
+              <a:rPr lang="en-US" sz="1400" b="0" dirty="0" smtClean="0">
+                <a:latin typeface="Consolas"/>
+                <a:ea typeface="Calibri"/>
+                <a:cs typeface="Times New Roman"/>
               </a:rPr>
               <a:t> </a:t>
             </a:r>
             <a:r>
-              <a:rPr lang="en-US" b="0" dirty="0" err="1">
+              <a:rPr lang="en-US" sz="1400" b="0" dirty="0" err="1" smtClean="0">
                 <a:solidFill>
                   <a:srgbClr val="2B91AF"/>
                 </a:solidFill>
-                <a:latin typeface="Consolas" pitchFamily="49" charset="0"/>
-                <a:ea typeface="Calibri"/>
-                <a:cs typeface="Consolas" pitchFamily="49" charset="0"/>
-              </a:rPr>
-              <a:t>LogOnModel</a:t>
-            </a:r>
-            <a:endParaRPr lang="en-US" b="0" dirty="0">
-              <a:latin typeface="Consolas" pitchFamily="49" charset="0"/>
+                <a:latin typeface="Consolas"/>
+                <a:ea typeface="Calibri"/>
+                <a:cs typeface="Times New Roman"/>
+              </a:rPr>
+              <a:t>DateTimeModelBinder</a:t>
+            </a:r>
+            <a:r>
+              <a:rPr lang="en-US" sz="1400" b="0" dirty="0" smtClean="0">
+                <a:latin typeface="Consolas"/>
+                <a:ea typeface="Calibri"/>
+                <a:cs typeface="Times New Roman"/>
+              </a:rPr>
+              <a:t> : </a:t>
+            </a:r>
+            <a:r>
+              <a:rPr lang="en-US" sz="1400" b="0" dirty="0" err="1" smtClean="0">
+                <a:solidFill>
+                  <a:srgbClr val="2B91AF"/>
+                </a:solidFill>
+                <a:latin typeface="Consolas"/>
+                <a:ea typeface="Calibri"/>
+                <a:cs typeface="Times New Roman"/>
+              </a:rPr>
+              <a:t>IModelBinder</a:t>
+            </a:r>
+            <a:endParaRPr lang="en-US" sz="1400" b="0" dirty="0" smtClean="0">
+              <a:latin typeface="Calibri"/>
               <a:ea typeface="Calibri"/>
-              <a:cs typeface="Consolas" pitchFamily="49" charset="0"/>
+              <a:cs typeface="Times New Roman"/>
             </a:endParaRPr>
           </a:p>
           <a:p>
@@ -5455,13 +5311,18 @@
               </a:spcAft>
             </a:pPr>
             <a:r>
-              <a:rPr lang="en-US" b="0" dirty="0">
-                <a:latin typeface="Consolas" pitchFamily="49" charset="0"/>
-                <a:ea typeface="Calibri"/>
-                <a:cs typeface="Consolas" pitchFamily="49" charset="0"/>
+              <a:rPr lang="en-US" sz="1400" b="0" dirty="0" smtClean="0">
+                <a:latin typeface="Consolas"/>
+                <a:ea typeface="Calibri"/>
+                <a:cs typeface="Times New Roman"/>
               </a:rPr>
               <a:t>{</a:t>
             </a:r>
+            <a:endParaRPr lang="en-US" sz="1400" b="0" dirty="0" smtClean="0">
+              <a:latin typeface="Calibri"/>
+              <a:ea typeface="Calibri"/>
+              <a:cs typeface="Times New Roman"/>
+            </a:endParaRPr>
           </a:p>
           <a:p>
             <a:pPr marL="0" marR="0" algn="l">
@@ -5476,31 +5337,101 @@
               </a:spcAft>
             </a:pPr>
             <a:r>
-              <a:rPr lang="en-US" b="0" dirty="0">
-                <a:latin typeface="Consolas" pitchFamily="49" charset="0"/>
-                <a:ea typeface="Calibri"/>
-                <a:cs typeface="Consolas" pitchFamily="49" charset="0"/>
-              </a:rPr>
-              <a:t>    [</a:t>
-            </a:r>
-            <a:r>
-              <a:rPr lang="en-US" b="0" dirty="0" smtClean="0">
+              <a:rPr lang="en-US" sz="1400" b="0" dirty="0" smtClean="0">
+                <a:latin typeface="Consolas"/>
+                <a:ea typeface="Calibri"/>
+                <a:cs typeface="Times New Roman"/>
+              </a:rPr>
+              <a:t>    </a:t>
+            </a:r>
+            <a:r>
+              <a:rPr lang="en-US" sz="1400" b="0" dirty="0" smtClean="0">
+                <a:solidFill>
+                  <a:srgbClr val="0000FF"/>
+                </a:solidFill>
+                <a:latin typeface="Consolas"/>
+                <a:ea typeface="Calibri"/>
+                <a:cs typeface="Times New Roman"/>
+              </a:rPr>
+              <a:t>public</a:t>
+            </a:r>
+            <a:r>
+              <a:rPr lang="en-US" sz="1400" b="0" dirty="0" smtClean="0">
+                <a:latin typeface="Consolas"/>
+                <a:ea typeface="Calibri"/>
+                <a:cs typeface="Times New Roman"/>
+              </a:rPr>
+              <a:t> </a:t>
+            </a:r>
+            <a:r>
+              <a:rPr lang="en-US" sz="1400" b="0" dirty="0" smtClean="0">
+                <a:solidFill>
+                  <a:srgbClr val="0000FF"/>
+                </a:solidFill>
+                <a:latin typeface="Consolas"/>
+                <a:ea typeface="Calibri"/>
+                <a:cs typeface="Times New Roman"/>
+              </a:rPr>
+              <a:t>object</a:t>
+            </a:r>
+            <a:r>
+              <a:rPr lang="en-US" sz="1400" b="0" dirty="0" smtClean="0">
+                <a:latin typeface="Consolas"/>
+                <a:ea typeface="Calibri"/>
+                <a:cs typeface="Times New Roman"/>
+              </a:rPr>
+              <a:t> </a:t>
+            </a:r>
+            <a:r>
+              <a:rPr lang="en-US" sz="1400" b="0" dirty="0" err="1" smtClean="0">
+                <a:latin typeface="Consolas"/>
+                <a:ea typeface="Calibri"/>
+                <a:cs typeface="Times New Roman"/>
+              </a:rPr>
+              <a:t>BindModel</a:t>
+            </a:r>
+            <a:r>
+              <a:rPr lang="en-US" sz="1400" b="0" dirty="0" smtClean="0">
+                <a:latin typeface="Consolas"/>
+                <a:ea typeface="Calibri"/>
+                <a:cs typeface="Times New Roman"/>
+              </a:rPr>
+              <a:t>(</a:t>
+            </a:r>
+            <a:r>
+              <a:rPr lang="en-US" sz="1400" b="0" dirty="0" err="1" smtClean="0">
                 <a:solidFill>
                   <a:srgbClr val="2B91AF"/>
                 </a:solidFill>
-                <a:latin typeface="Consolas" pitchFamily="49" charset="0"/>
-                <a:ea typeface="Calibri"/>
-                <a:cs typeface="Consolas" pitchFamily="49" charset="0"/>
-              </a:rPr>
-              <a:t>Required</a:t>
-            </a:r>
-            <a:r>
-              <a:rPr lang="en-US" b="0" dirty="0" smtClean="0">
-                <a:latin typeface="Consolas" pitchFamily="49" charset="0"/>
-                <a:ea typeface="Calibri"/>
-                <a:cs typeface="Consolas" pitchFamily="49" charset="0"/>
-              </a:rPr>
-              <a:t>]</a:t>
+                <a:latin typeface="Consolas"/>
+                <a:ea typeface="Calibri"/>
+                <a:cs typeface="Times New Roman"/>
+              </a:rPr>
+              <a:t>ControllerContext</a:t>
+            </a:r>
+            <a:r>
+              <a:rPr lang="en-US" sz="1400" b="0" dirty="0" smtClean="0">
+                <a:latin typeface="Consolas"/>
+                <a:ea typeface="Calibri"/>
+                <a:cs typeface="Times New Roman"/>
+              </a:rPr>
+              <a:t> </a:t>
+            </a:r>
+            <a:r>
+              <a:rPr lang="en-US" sz="1400" b="0" dirty="0" err="1" smtClean="0">
+                <a:latin typeface="Consolas"/>
+                <a:ea typeface="Calibri"/>
+                <a:cs typeface="Times New Roman"/>
+              </a:rPr>
+              <a:t>controllerContext</a:t>
+            </a:r>
+            <a:r>
+              <a:rPr lang="en-US" sz="1400" b="0" dirty="0" smtClean="0">
+                <a:latin typeface="Consolas"/>
+                <a:ea typeface="Calibri"/>
+                <a:cs typeface="Times New Roman"/>
+              </a:rPr>
+              <a:t>, </a:t>
             </a:r>
           </a:p>
           <a:p>
@@ -5516,108 +5447,56 @@
               </a:spcAft>
             </a:pPr>
             <a:r>
-              <a:rPr lang="en-US" b="0" dirty="0">
-                <a:solidFill>
-                  <a:srgbClr val="0000FF"/>
-                </a:solidFill>
-                <a:latin typeface="Consolas" pitchFamily="49" charset="0"/>
-                <a:ea typeface="Calibri"/>
-                <a:cs typeface="Consolas" pitchFamily="49" charset="0"/>
+              <a:rPr lang="en-US" sz="1400" b="0" dirty="0" smtClean="0">
+                <a:solidFill>
+                  <a:srgbClr val="2B91AF"/>
+                </a:solidFill>
+                <a:latin typeface="Consolas"/>
+                <a:ea typeface="Calibri"/>
+                <a:cs typeface="Times New Roman"/>
+              </a:rPr>
+              <a:t>                            </a:t>
+            </a:r>
+            <a:r>
+              <a:rPr lang="en-US" sz="1400" b="0" dirty="0" err="1" smtClean="0">
+                <a:solidFill>
+                  <a:srgbClr val="2B91AF"/>
+                </a:solidFill>
+                <a:latin typeface="Consolas"/>
+                <a:ea typeface="Calibri"/>
+                <a:cs typeface="Times New Roman"/>
+              </a:rPr>
+              <a:t>ModelBindingContext</a:t>
+            </a:r>
+            <a:r>
+              <a:rPr lang="en-US" sz="1400" b="0" dirty="0" smtClean="0">
+                <a:latin typeface="Consolas"/>
+                <a:ea typeface="Calibri"/>
+                <a:cs typeface="Times New Roman"/>
               </a:rPr>
               <a:t> </a:t>
             </a:r>
             <a:r>
-              <a:rPr lang="en-US" b="0" dirty="0" smtClean="0">
-                <a:solidFill>
-                  <a:srgbClr val="0000FF"/>
-                </a:solidFill>
-                <a:latin typeface="Consolas" pitchFamily="49" charset="0"/>
-                <a:ea typeface="Calibri"/>
-                <a:cs typeface="Consolas" pitchFamily="49" charset="0"/>
-              </a:rPr>
-              <a:t>   public</a:t>
-            </a:r>
-            <a:r>
-              <a:rPr lang="en-US" b="0" dirty="0" smtClean="0">
-                <a:latin typeface="Consolas" pitchFamily="49" charset="0"/>
-                <a:ea typeface="Calibri"/>
-                <a:cs typeface="Consolas" pitchFamily="49" charset="0"/>
-              </a:rPr>
-              <a:t> </a:t>
-            </a:r>
-            <a:r>
-              <a:rPr lang="en-US" b="0" dirty="0">
-                <a:solidFill>
-                  <a:srgbClr val="0000FF"/>
-                </a:solidFill>
-                <a:latin typeface="Consolas" pitchFamily="49" charset="0"/>
-                <a:ea typeface="Calibri"/>
-                <a:cs typeface="Consolas" pitchFamily="49" charset="0"/>
-              </a:rPr>
-              <a:t>string</a:t>
-            </a:r>
-            <a:r>
-              <a:rPr lang="en-US" b="0" dirty="0">
-                <a:latin typeface="Consolas" pitchFamily="49" charset="0"/>
-                <a:ea typeface="Calibri"/>
-                <a:cs typeface="Consolas" pitchFamily="49" charset="0"/>
-              </a:rPr>
-              <a:t> </a:t>
-            </a:r>
-            <a:r>
-              <a:rPr lang="en-US" b="0" dirty="0" err="1">
-                <a:latin typeface="Consolas" pitchFamily="49" charset="0"/>
-                <a:ea typeface="Calibri"/>
-                <a:cs typeface="Consolas" pitchFamily="49" charset="0"/>
-              </a:rPr>
-              <a:t>UserName</a:t>
-            </a:r>
-            <a:r>
-              <a:rPr lang="en-US" b="0" dirty="0">
-                <a:latin typeface="Consolas" pitchFamily="49" charset="0"/>
-                <a:ea typeface="Calibri"/>
-                <a:cs typeface="Consolas" pitchFamily="49" charset="0"/>
-              </a:rPr>
-              <a:t> { </a:t>
-            </a:r>
-            <a:r>
-              <a:rPr lang="en-US" b="0" dirty="0">
-                <a:solidFill>
-                  <a:srgbClr val="0000FF"/>
-                </a:solidFill>
-                <a:latin typeface="Consolas" pitchFamily="49" charset="0"/>
-                <a:ea typeface="Calibri"/>
-                <a:cs typeface="Consolas" pitchFamily="49" charset="0"/>
-              </a:rPr>
-              <a:t>get</a:t>
-            </a:r>
-            <a:r>
-              <a:rPr lang="en-US" b="0" dirty="0">
-                <a:latin typeface="Consolas" pitchFamily="49" charset="0"/>
-                <a:ea typeface="Calibri"/>
-                <a:cs typeface="Consolas" pitchFamily="49" charset="0"/>
-              </a:rPr>
-              <a:t>; </a:t>
-            </a:r>
-            <a:r>
-              <a:rPr lang="en-US" b="0" dirty="0">
-                <a:solidFill>
-                  <a:srgbClr val="0000FF"/>
-                </a:solidFill>
-                <a:latin typeface="Consolas" pitchFamily="49" charset="0"/>
-                <a:ea typeface="Calibri"/>
-                <a:cs typeface="Consolas" pitchFamily="49" charset="0"/>
-              </a:rPr>
-              <a:t>set</a:t>
-            </a:r>
-            <a:r>
-              <a:rPr lang="en-US" b="0" dirty="0">
-                <a:latin typeface="Consolas" pitchFamily="49" charset="0"/>
-                <a:ea typeface="Calibri"/>
-                <a:cs typeface="Consolas" pitchFamily="49" charset="0"/>
-              </a:rPr>
-              <a:t>; }</a:t>
-            </a:r>
+              <a:rPr lang="en-US" sz="1400" b="0" dirty="0" err="1" smtClean="0">
+                <a:latin typeface="Consolas"/>
+                <a:ea typeface="Calibri"/>
+                <a:cs typeface="Times New Roman"/>
+              </a:rPr>
+              <a:t>bindingContext</a:t>
+            </a:r>
+            <a:r>
+              <a:rPr lang="en-US" sz="1400" b="0" dirty="0" smtClean="0">
+                <a:latin typeface="Consolas"/>
+                <a:ea typeface="Calibri"/>
+                <a:cs typeface="Times New Roman"/>
+              </a:rPr>
+              <a:t>)</a:t>
+            </a:r>
+            <a:endParaRPr lang="en-US" sz="1400" b="0" dirty="0" smtClean="0">
+              <a:latin typeface="Calibri"/>
+              <a:ea typeface="Calibri"/>
+              <a:cs typeface="Times New Roman"/>
+            </a:endParaRPr>
           </a:p>
           <a:p>
             <a:pPr marL="0" marR="0" algn="l">
@@ -5632,13 +5511,18 @@
               </a:spcAft>
             </a:pPr>
             <a:r>
-              <a:rPr lang="en-US" b="0" dirty="0">
-                <a:latin typeface="Consolas" pitchFamily="49" charset="0"/>
-                <a:ea typeface="Calibri"/>
-                <a:cs typeface="Consolas" pitchFamily="49" charset="0"/>
-              </a:rPr>
-              <a:t> </a:t>
-            </a:r>
+              <a:rPr lang="en-US" sz="1400" b="0" dirty="0" smtClean="0">
+                <a:latin typeface="Consolas"/>
+                <a:ea typeface="Calibri"/>
+                <a:cs typeface="Times New Roman"/>
+              </a:rPr>
+              <a:t>    {</a:t>
+            </a:r>
+            <a:endParaRPr lang="en-US" sz="1400" b="0" dirty="0" smtClean="0">
+              <a:latin typeface="Calibri"/>
+              <a:ea typeface="Calibri"/>
+              <a:cs typeface="Times New Roman"/>
+            </a:endParaRPr>
           </a:p>
           <a:p>
             <a:pPr marL="0" marR="0" algn="l">
@@ -5653,32 +5537,18 @@
               </a:spcAft>
             </a:pPr>
             <a:r>
-              <a:rPr lang="en-US" b="0" dirty="0">
-                <a:latin typeface="Consolas" pitchFamily="49" charset="0"/>
-                <a:ea typeface="Calibri"/>
-                <a:cs typeface="Consolas" pitchFamily="49" charset="0"/>
-              </a:rPr>
-              <a:t>    [</a:t>
-            </a:r>
-            <a:r>
-              <a:rPr lang="en-US" b="0" dirty="0">
-                <a:solidFill>
-                  <a:srgbClr val="2B91AF"/>
-                </a:solidFill>
-                <a:latin typeface="Consolas" pitchFamily="49" charset="0"/>
-                <a:ea typeface="Calibri"/>
-                <a:cs typeface="Consolas" pitchFamily="49" charset="0"/>
-              </a:rPr>
-              <a:t>Required</a:t>
-            </a:r>
-            <a:r>
-              <a:rPr lang="en-US" b="0" dirty="0">
-                <a:latin typeface="Consolas" pitchFamily="49" charset="0"/>
-                <a:ea typeface="Calibri"/>
-                <a:cs typeface="Consolas" pitchFamily="49" charset="0"/>
-              </a:rPr>
-              <a:t>]</a:t>
-            </a:r>
+              <a:rPr lang="en-US" sz="1400" b="0" dirty="0" smtClean="0">
+                <a:latin typeface="Consolas"/>
+                <a:ea typeface="Calibri"/>
+                <a:cs typeface="Times New Roman"/>
+              </a:rPr>
+              <a:t>        ...  </a:t>
+            </a:r>
+            <a:endParaRPr lang="en-US" sz="1400" b="0" dirty="0" smtClean="0">
+              <a:latin typeface="Calibri"/>
+              <a:ea typeface="Calibri"/>
+              <a:cs typeface="Times New Roman"/>
+            </a:endParaRPr>
           </a:p>
           <a:p>
             <a:pPr marL="0" marR="0" algn="l">
@@ -5693,81 +5563,37 @@
               </a:spcAft>
             </a:pPr>
             <a:r>
-              <a:rPr lang="en-US" b="0" dirty="0" smtClean="0">
+              <a:rPr lang="en-US" sz="1400" b="0" dirty="0" smtClean="0">
+                <a:latin typeface="Consolas"/>
+                <a:ea typeface="Calibri"/>
+                <a:cs typeface="Times New Roman"/>
+              </a:rPr>
+              <a:t>        </a:t>
+            </a:r>
+            <a:r>
+              <a:rPr lang="en-US" sz="1400" b="0" dirty="0" err="1" smtClean="0">
                 <a:solidFill>
                   <a:srgbClr val="0000FF"/>
                 </a:solidFill>
-                <a:latin typeface="Consolas" pitchFamily="49" charset="0"/>
-                <a:ea typeface="Calibri"/>
-                <a:cs typeface="Consolas" pitchFamily="49" charset="0"/>
-              </a:rPr>
-              <a:t>    public</a:t>
-            </a:r>
-            <a:r>
-              <a:rPr lang="en-US" b="0" dirty="0" smtClean="0">
-                <a:latin typeface="Consolas" pitchFamily="49" charset="0"/>
-                <a:ea typeface="Calibri"/>
-                <a:cs typeface="Consolas" pitchFamily="49" charset="0"/>
-              </a:rPr>
-              <a:t> </a:t>
-            </a:r>
-            <a:r>
-              <a:rPr lang="en-US" b="0" dirty="0">
-                <a:solidFill>
-                  <a:srgbClr val="0000FF"/>
-                </a:solidFill>
-                <a:latin typeface="Consolas" pitchFamily="49" charset="0"/>
-                <a:ea typeface="Calibri"/>
-                <a:cs typeface="Consolas" pitchFamily="49" charset="0"/>
-              </a:rPr>
-              <a:t>string</a:t>
-            </a:r>
-            <a:r>
-              <a:rPr lang="en-US" b="0" dirty="0">
-                <a:latin typeface="Consolas" pitchFamily="49" charset="0"/>
-                <a:ea typeface="Calibri"/>
-                <a:cs typeface="Consolas" pitchFamily="49" charset="0"/>
-              </a:rPr>
-              <a:t> Password { </a:t>
-            </a:r>
-            <a:r>
-              <a:rPr lang="en-US" b="0" dirty="0">
-                <a:solidFill>
-                  <a:srgbClr val="0000FF"/>
-                </a:solidFill>
-                <a:latin typeface="Consolas" pitchFamily="49" charset="0"/>
-                <a:ea typeface="Calibri"/>
-                <a:cs typeface="Consolas" pitchFamily="49" charset="0"/>
-              </a:rPr>
-              <a:t>get</a:t>
-            </a:r>
-            <a:r>
-              <a:rPr lang="en-US" b="0" dirty="0">
-                <a:latin typeface="Consolas" pitchFamily="49" charset="0"/>
-                <a:ea typeface="Calibri"/>
-                <a:cs typeface="Consolas" pitchFamily="49" charset="0"/>
-              </a:rPr>
-              <a:t>; </a:t>
-            </a:r>
-            <a:r>
-              <a:rPr lang="en-US" b="0" dirty="0">
-                <a:solidFill>
-                  <a:srgbClr val="0000FF"/>
-                </a:solidFill>
-                <a:latin typeface="Consolas" pitchFamily="49" charset="0"/>
-                <a:ea typeface="Calibri"/>
-                <a:cs typeface="Consolas" pitchFamily="49" charset="0"/>
-              </a:rPr>
-              <a:t>set</a:t>
-            </a:r>
-            <a:r>
-              <a:rPr lang="en-US" b="0" dirty="0">
-                <a:latin typeface="Consolas" pitchFamily="49" charset="0"/>
-                <a:ea typeface="Calibri"/>
-                <a:cs typeface="Consolas" pitchFamily="49" charset="0"/>
-              </a:rPr>
-              <a:t>; }</a:t>
-            </a:r>
+                <a:latin typeface="Consolas"/>
+                <a:ea typeface="Calibri"/>
+                <a:cs typeface="Times New Roman"/>
+              </a:rPr>
+              <a:t>int</a:t>
+            </a:r>
+            <a:r>
+              <a:rPr lang="en-US" sz="1400" b="0" dirty="0" smtClean="0">
+                <a:latin typeface="Consolas"/>
+                <a:ea typeface="Calibri"/>
+                <a:cs typeface="Times New Roman"/>
+              </a:rPr>
+              <a:t> year;</a:t>
+            </a:r>
+            <a:endParaRPr lang="en-US" sz="1400" b="0" dirty="0" smtClean="0">
+              <a:latin typeface="Calibri"/>
+              <a:ea typeface="Calibri"/>
+              <a:cs typeface="Times New Roman"/>
+            </a:endParaRPr>
           </a:p>
           <a:p>
             <a:pPr marL="0" marR="0" algn="l">
@@ -5782,13 +5608,99 @@
               </a:spcAft>
             </a:pPr>
             <a:r>
-              <a:rPr lang="en-US" b="0" dirty="0">
-                <a:latin typeface="Consolas" pitchFamily="49" charset="0"/>
-                <a:ea typeface="Calibri"/>
-                <a:cs typeface="Consolas" pitchFamily="49" charset="0"/>
-              </a:rPr>
-              <a:t> </a:t>
-            </a:r>
+              <a:rPr lang="en-US" sz="1400" b="0" dirty="0" smtClean="0">
+                <a:latin typeface="Consolas"/>
+                <a:ea typeface="Calibri"/>
+                <a:cs typeface="Times New Roman"/>
+              </a:rPr>
+              <a:t>        </a:t>
+            </a:r>
+            <a:r>
+              <a:rPr lang="en-US" sz="1400" b="0" dirty="0" smtClean="0">
+                <a:solidFill>
+                  <a:srgbClr val="0000FF"/>
+                </a:solidFill>
+                <a:latin typeface="Consolas"/>
+                <a:ea typeface="Calibri"/>
+                <a:cs typeface="Times New Roman"/>
+              </a:rPr>
+              <a:t>if</a:t>
+            </a:r>
+            <a:r>
+              <a:rPr lang="en-US" sz="1400" b="0" dirty="0" smtClean="0">
+                <a:latin typeface="Consolas"/>
+                <a:ea typeface="Calibri"/>
+                <a:cs typeface="Times New Roman"/>
+              </a:rPr>
+              <a:t> (</a:t>
+            </a:r>
+            <a:r>
+              <a:rPr lang="en-US" sz="1400" b="0" dirty="0" err="1" smtClean="0">
+                <a:solidFill>
+                  <a:srgbClr val="0000FF"/>
+                </a:solidFill>
+                <a:latin typeface="Consolas"/>
+                <a:ea typeface="Calibri"/>
+                <a:cs typeface="Times New Roman"/>
+              </a:rPr>
+              <a:t>int</a:t>
+            </a:r>
+            <a:r>
+              <a:rPr lang="en-US" sz="1400" b="0" dirty="0" err="1" smtClean="0">
+                <a:latin typeface="Consolas"/>
+                <a:ea typeface="Calibri"/>
+                <a:cs typeface="Times New Roman"/>
+              </a:rPr>
+              <a:t>.TryParse</a:t>
+            </a:r>
+            <a:r>
+              <a:rPr lang="en-US" sz="1400" b="0" dirty="0" smtClean="0">
+                <a:latin typeface="Consolas"/>
+                <a:ea typeface="Calibri"/>
+                <a:cs typeface="Times New Roman"/>
+              </a:rPr>
+              <a:t>(</a:t>
+            </a:r>
+            <a:r>
+              <a:rPr lang="en-US" sz="1400" b="0" dirty="0" err="1" smtClean="0">
+                <a:latin typeface="Consolas"/>
+                <a:ea typeface="Calibri"/>
+                <a:cs typeface="Times New Roman"/>
+              </a:rPr>
+              <a:t>result.AttemptedValue</a:t>
+            </a:r>
+            <a:r>
+              <a:rPr lang="en-US" sz="1400" b="0" dirty="0" smtClean="0">
+                <a:latin typeface="Consolas"/>
+                <a:ea typeface="Calibri"/>
+                <a:cs typeface="Times New Roman"/>
+              </a:rPr>
+              <a:t>, </a:t>
+            </a:r>
+            <a:r>
+              <a:rPr lang="en-US" sz="1400" b="0" dirty="0" smtClean="0">
+                <a:solidFill>
+                  <a:srgbClr val="0000FF"/>
+                </a:solidFill>
+                <a:latin typeface="Consolas"/>
+                <a:ea typeface="Calibri"/>
+                <a:cs typeface="Times New Roman"/>
+              </a:rPr>
+              <a:t>out</a:t>
+            </a:r>
+            <a:r>
+              <a:rPr lang="en-US" sz="1400" b="0" dirty="0" smtClean="0">
+                <a:latin typeface="Consolas"/>
+                <a:ea typeface="Calibri"/>
+                <a:cs typeface="Times New Roman"/>
+              </a:rPr>
+              <a:t> year))</a:t>
+            </a:r>
+            <a:endParaRPr lang="en-US" sz="1400" b="0" dirty="0" smtClean="0">
+              <a:latin typeface="Calibri"/>
+              <a:ea typeface="Calibri"/>
+              <a:cs typeface="Times New Roman"/>
+            </a:endParaRPr>
           </a:p>
           <a:p>
             <a:pPr marL="0" marR="0" algn="l">
@@ -5803,97 +5715,18 @@
               </a:spcAft>
             </a:pPr>
             <a:r>
-              <a:rPr lang="en-US" b="0" dirty="0" smtClean="0">
-                <a:solidFill>
-                  <a:srgbClr val="0000FF"/>
-                </a:solidFill>
-                <a:latin typeface="Consolas" pitchFamily="49" charset="0"/>
-                <a:ea typeface="Calibri"/>
-                <a:cs typeface="Consolas" pitchFamily="49" charset="0"/>
-              </a:rPr>
-              <a:t>    public</a:t>
-            </a:r>
-            <a:r>
-              <a:rPr lang="en-US" b="0" dirty="0" smtClean="0">
-                <a:latin typeface="Consolas" pitchFamily="49" charset="0"/>
-                <a:ea typeface="Calibri"/>
-                <a:cs typeface="Consolas" pitchFamily="49" charset="0"/>
-              </a:rPr>
-              <a:t> </a:t>
-            </a:r>
-            <a:r>
-              <a:rPr lang="en-US" b="0" dirty="0" err="1">
-                <a:solidFill>
-                  <a:srgbClr val="0000FF"/>
-                </a:solidFill>
-                <a:latin typeface="Consolas" pitchFamily="49" charset="0"/>
-                <a:ea typeface="Calibri"/>
-                <a:cs typeface="Consolas" pitchFamily="49" charset="0"/>
-              </a:rPr>
-              <a:t>bool</a:t>
-            </a:r>
-            <a:r>
-              <a:rPr lang="en-US" b="0" dirty="0">
-                <a:latin typeface="Consolas" pitchFamily="49" charset="0"/>
-                <a:ea typeface="Calibri"/>
-                <a:cs typeface="Consolas" pitchFamily="49" charset="0"/>
-              </a:rPr>
-              <a:t> </a:t>
-            </a:r>
-            <a:r>
-              <a:rPr lang="en-US" b="0" dirty="0" err="1">
-                <a:latin typeface="Consolas" pitchFamily="49" charset="0"/>
-                <a:ea typeface="Calibri"/>
-                <a:cs typeface="Consolas" pitchFamily="49" charset="0"/>
-              </a:rPr>
-              <a:t>RememberMe</a:t>
-            </a:r>
-            <a:r>
-              <a:rPr lang="en-US" b="0" dirty="0">
-                <a:latin typeface="Consolas" pitchFamily="49" charset="0"/>
-                <a:ea typeface="Calibri"/>
-                <a:cs typeface="Consolas" pitchFamily="49" charset="0"/>
-              </a:rPr>
-              <a:t> { </a:t>
-            </a:r>
-            <a:r>
-              <a:rPr lang="en-US" b="0" dirty="0">
-                <a:solidFill>
-                  <a:srgbClr val="0000FF"/>
-                </a:solidFill>
-                <a:latin typeface="Consolas" pitchFamily="49" charset="0"/>
-                <a:ea typeface="Calibri"/>
-                <a:cs typeface="Consolas" pitchFamily="49" charset="0"/>
-              </a:rPr>
-              <a:t>get</a:t>
-            </a:r>
-            <a:r>
-              <a:rPr lang="en-US" b="0" dirty="0">
-                <a:latin typeface="Consolas" pitchFamily="49" charset="0"/>
-                <a:ea typeface="Calibri"/>
-                <a:cs typeface="Consolas" pitchFamily="49" charset="0"/>
-              </a:rPr>
-              <a:t>; </a:t>
-            </a:r>
-            <a:r>
-              <a:rPr lang="en-US" b="0" dirty="0">
-                <a:solidFill>
-                  <a:srgbClr val="0000FF"/>
-                </a:solidFill>
-                <a:latin typeface="Consolas" pitchFamily="49" charset="0"/>
-                <a:ea typeface="Calibri"/>
-                <a:cs typeface="Consolas" pitchFamily="49" charset="0"/>
-              </a:rPr>
-              <a:t>set</a:t>
-            </a:r>
-            <a:r>
-              <a:rPr lang="en-US" b="0" dirty="0">
-                <a:latin typeface="Consolas" pitchFamily="49" charset="0"/>
-                <a:ea typeface="Calibri"/>
-                <a:cs typeface="Consolas" pitchFamily="49" charset="0"/>
-              </a:rPr>
-              <a:t>; }</a:t>
-            </a:r>
+              <a:rPr lang="en-US" sz="1400" b="0" dirty="0" smtClean="0">
+                <a:latin typeface="Consolas"/>
+                <a:ea typeface="Calibri"/>
+                <a:cs typeface="Times New Roman"/>
+              </a:rPr>
+              <a:t>        {</a:t>
+            </a:r>
+            <a:endParaRPr lang="en-US" sz="1400" b="0" dirty="0" smtClean="0">
+              <a:latin typeface="Calibri"/>
+              <a:ea typeface="Calibri"/>
+              <a:cs typeface="Times New Roman"/>
+            </a:endParaRPr>
           </a:p>
           <a:p>
             <a:pPr marL="0" marR="0" algn="l">
@@ -5908,13 +5741,75 @@
               </a:spcAft>
             </a:pPr>
             <a:r>
-              <a:rPr lang="en-US" b="0" dirty="0">
-                <a:latin typeface="Consolas" pitchFamily="49" charset="0"/>
-                <a:ea typeface="Calibri"/>
-                <a:cs typeface="Consolas" pitchFamily="49" charset="0"/>
-              </a:rPr>
-              <a:t>}</a:t>
-            </a:r>
+              <a:rPr lang="en-US" sz="1400" b="0" dirty="0" smtClean="0">
+                <a:latin typeface="Consolas"/>
+                <a:ea typeface="Calibri"/>
+                <a:cs typeface="Times New Roman"/>
+              </a:rPr>
+              <a:t>            </a:t>
+            </a:r>
+            <a:r>
+              <a:rPr lang="en-US" sz="1400" b="0" dirty="0" smtClean="0">
+                <a:solidFill>
+                  <a:srgbClr val="0000FF"/>
+                </a:solidFill>
+                <a:latin typeface="Consolas"/>
+                <a:ea typeface="Calibri"/>
+                <a:cs typeface="Times New Roman"/>
+              </a:rPr>
+              <a:t>return</a:t>
+            </a:r>
+            <a:r>
+              <a:rPr lang="en-US" sz="1400" b="0" dirty="0" smtClean="0">
+                <a:latin typeface="Consolas"/>
+                <a:ea typeface="Calibri"/>
+                <a:cs typeface="Times New Roman"/>
+              </a:rPr>
+              <a:t> </a:t>
+            </a:r>
+            <a:r>
+              <a:rPr lang="en-US" sz="1400" b="0" dirty="0" smtClean="0">
+                <a:solidFill>
+                  <a:srgbClr val="0000FF"/>
+                </a:solidFill>
+                <a:latin typeface="Consolas"/>
+                <a:ea typeface="Calibri"/>
+                <a:cs typeface="Times New Roman"/>
+              </a:rPr>
+              <a:t>new</a:t>
+            </a:r>
+            <a:r>
+              <a:rPr lang="en-US" sz="1400" b="0" dirty="0" smtClean="0">
+                <a:latin typeface="Consolas"/>
+                <a:ea typeface="Calibri"/>
+                <a:cs typeface="Times New Roman"/>
+              </a:rPr>
+              <a:t> </a:t>
+            </a:r>
+            <a:r>
+              <a:rPr lang="en-US" sz="1400" b="0" dirty="0" err="1" smtClean="0">
+                <a:solidFill>
+                  <a:srgbClr val="2B91AF"/>
+                </a:solidFill>
+                <a:latin typeface="Consolas"/>
+                <a:ea typeface="Calibri"/>
+                <a:cs typeface="Times New Roman"/>
+              </a:rPr>
+              <a:t>DateTime</a:t>
+            </a:r>
+            <a:r>
+              <a:rPr lang="en-US" sz="1400" b="0" dirty="0" smtClean="0">
+                <a:latin typeface="Consolas"/>
+                <a:ea typeface="Calibri"/>
+                <a:cs typeface="Times New Roman"/>
+              </a:rPr>
+              <a:t>(year, 1, 1);</a:t>
+            </a:r>
+            <a:endParaRPr lang="en-US" sz="1400" b="0" dirty="0" smtClean="0">
+              <a:latin typeface="Calibri"/>
+              <a:ea typeface="Calibri"/>
+              <a:cs typeface="Times New Roman"/>
+            </a:endParaRPr>
           </a:p>
           <a:p>
             <a:pPr marL="0" marR="0" algn="l">
@@ -5928,20 +5823,178 @@
                 <a:spcPts val="0"/>
               </a:spcAft>
             </a:pPr>
-            <a:endParaRPr lang="en-US" b="0" dirty="0">
-              <a:latin typeface="Consolas" pitchFamily="49" charset="0"/>
+            <a:r>
+              <a:rPr lang="en-US" sz="1400" b="0" dirty="0" smtClean="0">
+                <a:latin typeface="Consolas"/>
+                <a:ea typeface="Calibri"/>
+                <a:cs typeface="Times New Roman"/>
+              </a:rPr>
+              <a:t>        }</a:t>
+            </a:r>
+            <a:endParaRPr lang="en-US" sz="1400" b="0" dirty="0" smtClean="0">
+              <a:latin typeface="Calibri"/>
               <a:ea typeface="Calibri"/>
-              <a:cs typeface="Consolas" pitchFamily="49" charset="0"/>
+              <a:cs typeface="Times New Roman"/>
+            </a:endParaRPr>
+          </a:p>
+          <a:p>
+            <a:pPr marL="0" marR="0" algn="l">
+              <a:lnSpc>
+                <a:spcPct val="115000"/>
+              </a:lnSpc>
+              <a:spcBef>
+                <a:spcPts val="0"/>
+              </a:spcBef>
+              <a:spcAft>
+                <a:spcPts val="0"/>
+              </a:spcAft>
+            </a:pPr>
+            <a:r>
+              <a:rPr lang="en-US" sz="1400" b="0" dirty="0" smtClean="0">
+                <a:latin typeface="Consolas"/>
+                <a:ea typeface="Calibri"/>
+                <a:cs typeface="Times New Roman"/>
+              </a:rPr>
+              <a:t>        </a:t>
+            </a:r>
+            <a:r>
+              <a:rPr lang="en-US" sz="1400" b="0" dirty="0" smtClean="0">
+                <a:solidFill>
+                  <a:srgbClr val="0000FF"/>
+                </a:solidFill>
+                <a:latin typeface="Consolas"/>
+                <a:ea typeface="Calibri"/>
+                <a:cs typeface="Times New Roman"/>
+              </a:rPr>
+              <a:t>return</a:t>
+            </a:r>
+            <a:r>
+              <a:rPr lang="en-US" sz="1400" b="0" dirty="0" smtClean="0">
+                <a:latin typeface="Consolas"/>
+                <a:ea typeface="Calibri"/>
+                <a:cs typeface="Times New Roman"/>
+              </a:rPr>
+              <a:t> </a:t>
+            </a:r>
+            <a:r>
+              <a:rPr lang="en-US" sz="1400" b="0" dirty="0" smtClean="0">
+                <a:solidFill>
+                  <a:srgbClr val="0000FF"/>
+                </a:solidFill>
+                <a:latin typeface="Consolas"/>
+                <a:ea typeface="Calibri"/>
+                <a:cs typeface="Times New Roman"/>
+              </a:rPr>
+              <a:t>null</a:t>
+            </a:r>
+            <a:r>
+              <a:rPr lang="en-US" sz="1400" b="0" dirty="0" smtClean="0">
+                <a:latin typeface="Consolas"/>
+                <a:ea typeface="Calibri"/>
+                <a:cs typeface="Times New Roman"/>
+              </a:rPr>
+              <a:t>;</a:t>
+            </a:r>
+            <a:endParaRPr lang="en-US" sz="1400" b="0" dirty="0" smtClean="0">
+              <a:latin typeface="Calibri"/>
+              <a:ea typeface="Calibri"/>
+              <a:cs typeface="Times New Roman"/>
+            </a:endParaRPr>
+          </a:p>
+          <a:p>
+            <a:pPr marL="0" marR="0" algn="l">
+              <a:lnSpc>
+                <a:spcPct val="115000"/>
+              </a:lnSpc>
+              <a:spcBef>
+                <a:spcPts val="0"/>
+              </a:spcBef>
+              <a:spcAft>
+                <a:spcPts val="0"/>
+              </a:spcAft>
+            </a:pPr>
+            <a:r>
+              <a:rPr lang="en-US" sz="1400" b="0" dirty="0" smtClean="0">
+                <a:latin typeface="Consolas"/>
+                <a:ea typeface="Calibri"/>
+                <a:cs typeface="Times New Roman"/>
+              </a:rPr>
+              <a:t>    }</a:t>
+            </a:r>
+            <a:endParaRPr lang="en-US" sz="1400" b="0" dirty="0" smtClean="0">
+              <a:latin typeface="Calibri"/>
+              <a:ea typeface="Calibri"/>
+              <a:cs typeface="Times New Roman"/>
+            </a:endParaRPr>
+          </a:p>
+          <a:p>
+            <a:pPr marL="0" marR="0" algn="l">
+              <a:lnSpc>
+                <a:spcPct val="115000"/>
+              </a:lnSpc>
+              <a:spcBef>
+                <a:spcPts val="0"/>
+              </a:spcBef>
+              <a:spcAft>
+                <a:spcPts val="0"/>
+              </a:spcAft>
+            </a:pPr>
+            <a:r>
+              <a:rPr lang="en-US" sz="1400" b="0" dirty="0" smtClean="0">
+                <a:latin typeface="Consolas"/>
+                <a:ea typeface="Calibri"/>
+                <a:cs typeface="Times New Roman"/>
+              </a:rPr>
+              <a:t>}</a:t>
+            </a:r>
+            <a:endParaRPr lang="en-US" sz="1400" b="0" dirty="0" smtClean="0">
+              <a:latin typeface="Calibri"/>
+              <a:ea typeface="Calibri"/>
+              <a:cs typeface="Times New Roman"/>
+            </a:endParaRPr>
+          </a:p>
+          <a:p>
+            <a:pPr marL="0" marR="0" algn="l">
+              <a:lnSpc>
+                <a:spcPct val="115000"/>
+              </a:lnSpc>
+              <a:spcBef>
+                <a:spcPts val="0"/>
+              </a:spcBef>
+              <a:spcAft>
+                <a:spcPts val="1000"/>
+              </a:spcAft>
+            </a:pPr>
+            <a:r>
+              <a:rPr lang="en-US" sz="1400" b="0" dirty="0" smtClean="0">
+                <a:latin typeface="Calibri"/>
+                <a:ea typeface="Calibri"/>
+                <a:cs typeface="Times New Roman"/>
+              </a:rPr>
+              <a:t> </a:t>
+            </a:r>
+          </a:p>
+          <a:p>
+            <a:pPr marL="0" marR="0" algn="l">
+              <a:lnSpc>
+                <a:spcPct val="115000"/>
+              </a:lnSpc>
+              <a:spcBef>
+                <a:spcPts val="0"/>
+              </a:spcBef>
+              <a:spcAft>
+                <a:spcPts val="0"/>
+              </a:spcAft>
+            </a:pPr>
+            <a:endParaRPr lang="en-US" sz="1400" b="0" dirty="0">
+              <a:latin typeface="Calibri"/>
+              <a:ea typeface="Calibri"/>
+              <a:cs typeface="Times New Roman"/>
             </a:endParaRPr>
           </a:p>
         </p:txBody>
       </p:sp>
     </p:spTree>
-    <p:extLst>
-      <p:ext uri="{BB962C8B-B14F-4D97-AF65-F5344CB8AC3E}">
-        <p14:creationId xmlns:p14="http://schemas.microsoft.com/office/powerpoint/2010/main" val="2654214968"/>
-      </p:ext>
-    </p:extLst>
   </p:cSld>
   <p:clrMapOvr>
     <a:masterClrMapping/>
@@ -5993,7 +6046,7 @@
           <a:p>
             <a:r>
               <a:rPr lang="en-US" dirty="0" smtClean="0"/>
-              <a:t>Validation Messages</a:t>
+              <a:t>Validation with Annotations</a:t>
             </a:r>
             <a:endParaRPr lang="en-US" dirty="0"/>
           </a:p>
@@ -6015,8 +6068,33 @@
           <a:lstStyle/>
           <a:p>
             <a:r>
+              <a:rPr lang="en-US" dirty="0" smtClean="0"/>
+              <a:t>Attributes defined in </a:t>
+            </a:r>
+            <a:r>
+              <a:rPr lang="en-US" sz="1800" dirty="0" err="1" smtClean="0"/>
+              <a:t>System.ComponentModel.DataAnnotations</a:t>
+            </a:r>
+            <a:endParaRPr lang="en-US" sz="1800" dirty="0" smtClean="0"/>
+          </a:p>
+          <a:p>
+            <a:r>
+              <a:rPr lang="en-US" dirty="0" smtClean="0"/>
+              <a:t>Covers common validation patterns</a:t>
+            </a:r>
+          </a:p>
+          <a:p>
+            <a:pPr lvl="1"/>
+            <a:r>
+              <a:rPr lang="en-US" dirty="0" smtClean="0"/>
+              <a:t>Required</a:t>
+            </a:r>
+          </a:p>
+          <a:p>
+            <a:pPr lvl="1"/>
+            <a:r>
               <a:rPr lang="en-US" dirty="0" err="1" smtClean="0"/>
-              <a:t>ValidationMessageFor</a:t>
+              <a:t>StringLength</a:t>
             </a:r>
             <a:endParaRPr lang="en-US" dirty="0" smtClean="0"/>
           </a:p>
@@ -6024,23 +6102,22 @@
             <a:pPr lvl="1"/>
             <a:r>
               <a:rPr lang="en-US" dirty="0" smtClean="0"/>
-              <a:t>Display property level validation errors</a:t>
-            </a:r>
-          </a:p>
-          <a:p>
-            <a:r>
-              <a:rPr lang="en-US" dirty="0" err="1" smtClean="0"/>
-              <a:t>ValidationSummary</a:t>
-            </a:r>
+              <a:t>Regex</a:t>
+            </a:r>
+          </a:p>
+          <a:p>
+            <a:pPr lvl="1"/>
+            <a:r>
+              <a:rPr lang="en-US" dirty="0" smtClean="0"/>
+              <a:t>Range</a:t>
+            </a:r>
+          </a:p>
+          <a:p>
+            <a:pPr lvl="1"/>
             <a:endParaRPr lang="en-US" dirty="0" smtClean="0"/>
           </a:p>
           <a:p>
-            <a:pPr lvl="1"/>
-            <a:r>
-              <a:rPr lang="en-US" dirty="0" smtClean="0"/>
-              <a:t>Display model level validation errors</a:t>
-            </a:r>
-            <a:endParaRPr lang="en-US" dirty="0"/>
+            <a:endParaRPr lang="en-US" dirty="0" smtClean="0"/>
           </a:p>
         </p:txBody>
       </p:sp>
@@ -6054,8 +6131,8 @@
         </p:nvSpPr>
         <p:spPr bwMode="auto">
           <a:xfrm>
-            <a:off x="1828800" y="3733800"/>
-            <a:ext cx="5029200" cy="685800"/>
+            <a:off x="3352800" y="3048000"/>
+            <a:ext cx="5181600" cy="2819400"/>
           </a:xfrm>
           <a:prstGeom prst="rect">
             <a:avLst/>
@@ -6080,7 +6157,7 @@
           </a:bodyPr>
           <a:lstStyle/>
           <a:p>
-            <a:pPr marL="0" marR="0">
+            <a:pPr marL="0" marR="0" algn="l">
               <a:lnSpc>
                 <a:spcPct val="115000"/>
               </a:lnSpc>
@@ -6092,86 +6169,533 @@
               </a:spcAft>
             </a:pPr>
             <a:r>
-              <a:rPr lang="en-US" dirty="0" smtClean="0">
-                <a:highlight>
-                  <a:srgbClr val="FFFF00"/>
-                </a:highlight>
-                <a:latin typeface="Consolas"/>
-                <a:ea typeface="Calibri"/>
-                <a:cs typeface="Consolas"/>
-              </a:rPr>
-              <a:t>&lt;%</a:t>
-            </a:r>
-            <a:r>
-              <a:rPr lang="en-US" dirty="0" smtClean="0">
+              <a:rPr lang="en-US" b="0" dirty="0">
                 <a:solidFill>
                   <a:srgbClr val="0000FF"/>
                 </a:solidFill>
-                <a:latin typeface="Consolas"/>
-                <a:ea typeface="Calibri"/>
-                <a:cs typeface="Consolas"/>
-              </a:rPr>
-              <a:t>:</a:t>
-            </a:r>
-            <a:r>
-              <a:rPr lang="en-US" dirty="0" smtClean="0">
-                <a:latin typeface="Consolas"/>
-                <a:ea typeface="Calibri"/>
-                <a:cs typeface="Consolas"/>
+                <a:latin typeface="Consolas" pitchFamily="49" charset="0"/>
+                <a:ea typeface="Calibri"/>
+                <a:cs typeface="Consolas" pitchFamily="49" charset="0"/>
+              </a:rPr>
+              <a:t>public</a:t>
+            </a:r>
+            <a:r>
+              <a:rPr lang="en-US" b="0" dirty="0">
+                <a:latin typeface="Consolas" pitchFamily="49" charset="0"/>
+                <a:ea typeface="Calibri"/>
+                <a:cs typeface="Consolas" pitchFamily="49" charset="0"/>
               </a:rPr>
               <a:t> </a:t>
             </a:r>
             <a:r>
-              <a:rPr lang="en-US" dirty="0" err="1" smtClean="0">
-                <a:latin typeface="Consolas"/>
-                <a:ea typeface="Calibri"/>
-                <a:cs typeface="Consolas"/>
-              </a:rPr>
-              <a:t>Html.ValidationSummary</a:t>
-            </a:r>
-            <a:r>
-              <a:rPr lang="en-US" dirty="0" smtClean="0">
-                <a:latin typeface="Consolas"/>
-                <a:ea typeface="Calibri"/>
-                <a:cs typeface="Consolas"/>
-              </a:rPr>
-              <a:t>(</a:t>
-            </a:r>
-            <a:r>
-              <a:rPr lang="en-US" dirty="0" smtClean="0">
+              <a:rPr lang="en-US" b="0" dirty="0">
                 <a:solidFill>
                   <a:srgbClr val="0000FF"/>
                 </a:solidFill>
-                <a:latin typeface="Consolas"/>
-                <a:ea typeface="Calibri"/>
-                <a:cs typeface="Consolas"/>
-              </a:rPr>
-              <a:t>true</a:t>
-            </a:r>
-            <a:r>
-              <a:rPr lang="en-US" dirty="0" smtClean="0">
-                <a:latin typeface="Consolas"/>
-                <a:ea typeface="Calibri"/>
-                <a:cs typeface="Consolas"/>
-              </a:rPr>
-              <a:t>) </a:t>
-            </a:r>
-            <a:r>
-              <a:rPr lang="en-US" dirty="0" smtClean="0">
-                <a:highlight>
-                  <a:srgbClr val="FFFF00"/>
-                </a:highlight>
-                <a:latin typeface="Consolas"/>
-                <a:ea typeface="Calibri"/>
-                <a:cs typeface="Consolas"/>
-              </a:rPr>
-              <a:t>%&gt;</a:t>
-            </a:r>
-            <a:endParaRPr lang="en-US" sz="1400" dirty="0" smtClean="0">
-              <a:latin typeface="Calibri"/>
+                <a:latin typeface="Consolas" pitchFamily="49" charset="0"/>
+                <a:ea typeface="Calibri"/>
+                <a:cs typeface="Consolas" pitchFamily="49" charset="0"/>
+              </a:rPr>
+              <a:t>class</a:t>
+            </a:r>
+            <a:r>
+              <a:rPr lang="en-US" b="0" dirty="0">
+                <a:latin typeface="Consolas" pitchFamily="49" charset="0"/>
+                <a:ea typeface="Calibri"/>
+                <a:cs typeface="Consolas" pitchFamily="49" charset="0"/>
+              </a:rPr>
+              <a:t> </a:t>
+            </a:r>
+            <a:r>
+              <a:rPr lang="en-US" b="0" dirty="0" err="1">
+                <a:solidFill>
+                  <a:srgbClr val="2B91AF"/>
+                </a:solidFill>
+                <a:latin typeface="Consolas" pitchFamily="49" charset="0"/>
+                <a:ea typeface="Calibri"/>
+                <a:cs typeface="Consolas" pitchFamily="49" charset="0"/>
+              </a:rPr>
+              <a:t>LogOnModel</a:t>
+            </a:r>
+            <a:endParaRPr lang="en-US" b="0" dirty="0">
+              <a:latin typeface="Consolas" pitchFamily="49" charset="0"/>
               <a:ea typeface="Calibri"/>
-              <a:cs typeface="Times New Roman"/>
+              <a:cs typeface="Consolas" pitchFamily="49" charset="0"/>
             </a:endParaRPr>
+          </a:p>
+          <a:p>
+            <a:pPr marL="0" marR="0" algn="l">
+              <a:lnSpc>
+                <a:spcPct val="115000"/>
+              </a:lnSpc>
+              <a:spcBef>
+                <a:spcPts val="0"/>
+              </a:spcBef>
+              <a:spcAft>
+                <a:spcPts val="0"/>
+              </a:spcAft>
+            </a:pPr>
+            <a:r>
+              <a:rPr lang="en-US" b="0" dirty="0">
+                <a:latin typeface="Consolas" pitchFamily="49" charset="0"/>
+                <a:ea typeface="Calibri"/>
+                <a:cs typeface="Consolas" pitchFamily="49" charset="0"/>
+              </a:rPr>
+              <a:t>{</a:t>
+            </a:r>
+          </a:p>
+          <a:p>
+            <a:pPr marL="0" marR="0" algn="l">
+              <a:lnSpc>
+                <a:spcPct val="115000"/>
+              </a:lnSpc>
+              <a:spcBef>
+                <a:spcPts val="0"/>
+              </a:spcBef>
+              <a:spcAft>
+                <a:spcPts val="0"/>
+              </a:spcAft>
+            </a:pPr>
+            <a:r>
+              <a:rPr lang="en-US" b="0" dirty="0">
+                <a:latin typeface="Consolas" pitchFamily="49" charset="0"/>
+                <a:ea typeface="Calibri"/>
+                <a:cs typeface="Consolas" pitchFamily="49" charset="0"/>
+              </a:rPr>
+              <a:t>    [</a:t>
+            </a:r>
+            <a:r>
+              <a:rPr lang="en-US" b="0" dirty="0" smtClean="0">
+                <a:solidFill>
+                  <a:srgbClr val="2B91AF"/>
+                </a:solidFill>
+                <a:latin typeface="Consolas" pitchFamily="49" charset="0"/>
+                <a:ea typeface="Calibri"/>
+                <a:cs typeface="Consolas" pitchFamily="49" charset="0"/>
+              </a:rPr>
+              <a:t>Required</a:t>
+            </a:r>
+            <a:r>
+              <a:rPr lang="en-US" b="0" dirty="0" smtClean="0">
+                <a:latin typeface="Consolas" pitchFamily="49" charset="0"/>
+                <a:ea typeface="Calibri"/>
+                <a:cs typeface="Consolas" pitchFamily="49" charset="0"/>
+              </a:rPr>
+              <a:t>]</a:t>
+            </a:r>
+          </a:p>
+          <a:p>
+            <a:pPr marL="0" marR="0" algn="l">
+              <a:lnSpc>
+                <a:spcPct val="115000"/>
+              </a:lnSpc>
+              <a:spcBef>
+                <a:spcPts val="0"/>
+              </a:spcBef>
+              <a:spcAft>
+                <a:spcPts val="0"/>
+              </a:spcAft>
+            </a:pPr>
+            <a:r>
+              <a:rPr lang="en-US" b="0" dirty="0">
+                <a:solidFill>
+                  <a:srgbClr val="0000FF"/>
+                </a:solidFill>
+                <a:latin typeface="Consolas" pitchFamily="49" charset="0"/>
+                <a:ea typeface="Calibri"/>
+                <a:cs typeface="Consolas" pitchFamily="49" charset="0"/>
+              </a:rPr>
+              <a:t> </a:t>
+            </a:r>
+            <a:r>
+              <a:rPr lang="en-US" b="0" dirty="0" smtClean="0">
+                <a:solidFill>
+                  <a:srgbClr val="0000FF"/>
+                </a:solidFill>
+                <a:latin typeface="Consolas" pitchFamily="49" charset="0"/>
+                <a:ea typeface="Calibri"/>
+                <a:cs typeface="Consolas" pitchFamily="49" charset="0"/>
+              </a:rPr>
+              <a:t>   public</a:t>
+            </a:r>
+            <a:r>
+              <a:rPr lang="en-US" b="0" dirty="0" smtClean="0">
+                <a:latin typeface="Consolas" pitchFamily="49" charset="0"/>
+                <a:ea typeface="Calibri"/>
+                <a:cs typeface="Consolas" pitchFamily="49" charset="0"/>
+              </a:rPr>
+              <a:t> </a:t>
+            </a:r>
+            <a:r>
+              <a:rPr lang="en-US" b="0" dirty="0">
+                <a:solidFill>
+                  <a:srgbClr val="0000FF"/>
+                </a:solidFill>
+                <a:latin typeface="Consolas" pitchFamily="49" charset="0"/>
+                <a:ea typeface="Calibri"/>
+                <a:cs typeface="Consolas" pitchFamily="49" charset="0"/>
+              </a:rPr>
+              <a:t>string</a:t>
+            </a:r>
+            <a:r>
+              <a:rPr lang="en-US" b="0" dirty="0">
+                <a:latin typeface="Consolas" pitchFamily="49" charset="0"/>
+                <a:ea typeface="Calibri"/>
+                <a:cs typeface="Consolas" pitchFamily="49" charset="0"/>
+              </a:rPr>
+              <a:t> </a:t>
+            </a:r>
+            <a:r>
+              <a:rPr lang="en-US" b="0" dirty="0" err="1">
+                <a:latin typeface="Consolas" pitchFamily="49" charset="0"/>
+                <a:ea typeface="Calibri"/>
+                <a:cs typeface="Consolas" pitchFamily="49" charset="0"/>
+              </a:rPr>
+              <a:t>UserName</a:t>
+            </a:r>
+            <a:r>
+              <a:rPr lang="en-US" b="0" dirty="0">
+                <a:latin typeface="Consolas" pitchFamily="49" charset="0"/>
+                <a:ea typeface="Calibri"/>
+                <a:cs typeface="Consolas" pitchFamily="49" charset="0"/>
+              </a:rPr>
+              <a:t> { </a:t>
+            </a:r>
+            <a:r>
+              <a:rPr lang="en-US" b="0" dirty="0">
+                <a:solidFill>
+                  <a:srgbClr val="0000FF"/>
+                </a:solidFill>
+                <a:latin typeface="Consolas" pitchFamily="49" charset="0"/>
+                <a:ea typeface="Calibri"/>
+                <a:cs typeface="Consolas" pitchFamily="49" charset="0"/>
+              </a:rPr>
+              <a:t>get</a:t>
+            </a:r>
+            <a:r>
+              <a:rPr lang="en-US" b="0" dirty="0">
+                <a:latin typeface="Consolas" pitchFamily="49" charset="0"/>
+                <a:ea typeface="Calibri"/>
+                <a:cs typeface="Consolas" pitchFamily="49" charset="0"/>
+              </a:rPr>
+              <a:t>; </a:t>
+            </a:r>
+            <a:r>
+              <a:rPr lang="en-US" b="0" dirty="0">
+                <a:solidFill>
+                  <a:srgbClr val="0000FF"/>
+                </a:solidFill>
+                <a:latin typeface="Consolas" pitchFamily="49" charset="0"/>
+                <a:ea typeface="Calibri"/>
+                <a:cs typeface="Consolas" pitchFamily="49" charset="0"/>
+              </a:rPr>
+              <a:t>set</a:t>
+            </a:r>
+            <a:r>
+              <a:rPr lang="en-US" b="0" dirty="0">
+                <a:latin typeface="Consolas" pitchFamily="49" charset="0"/>
+                <a:ea typeface="Calibri"/>
+                <a:cs typeface="Consolas" pitchFamily="49" charset="0"/>
+              </a:rPr>
+              <a:t>; }</a:t>
+            </a:r>
+          </a:p>
+          <a:p>
+            <a:pPr marL="0" marR="0" algn="l">
+              <a:lnSpc>
+                <a:spcPct val="115000"/>
+              </a:lnSpc>
+              <a:spcBef>
+                <a:spcPts val="0"/>
+              </a:spcBef>
+              <a:spcAft>
+                <a:spcPts val="0"/>
+              </a:spcAft>
+            </a:pPr>
+            <a:r>
+              <a:rPr lang="en-US" b="0" dirty="0">
+                <a:latin typeface="Consolas" pitchFamily="49" charset="0"/>
+                <a:ea typeface="Calibri"/>
+                <a:cs typeface="Consolas" pitchFamily="49" charset="0"/>
+              </a:rPr>
+              <a:t> </a:t>
+            </a:r>
+          </a:p>
+          <a:p>
+            <a:pPr marL="0" marR="0" algn="l">
+              <a:lnSpc>
+                <a:spcPct val="115000"/>
+              </a:lnSpc>
+              <a:spcBef>
+                <a:spcPts val="0"/>
+              </a:spcBef>
+              <a:spcAft>
+                <a:spcPts val="0"/>
+              </a:spcAft>
+            </a:pPr>
+            <a:r>
+              <a:rPr lang="en-US" b="0" dirty="0">
+                <a:latin typeface="Consolas" pitchFamily="49" charset="0"/>
+                <a:ea typeface="Calibri"/>
+                <a:cs typeface="Consolas" pitchFamily="49" charset="0"/>
+              </a:rPr>
+              <a:t>    [</a:t>
+            </a:r>
+            <a:r>
+              <a:rPr lang="en-US" b="0" dirty="0">
+                <a:solidFill>
+                  <a:srgbClr val="2B91AF"/>
+                </a:solidFill>
+                <a:latin typeface="Consolas" pitchFamily="49" charset="0"/>
+                <a:ea typeface="Calibri"/>
+                <a:cs typeface="Consolas" pitchFamily="49" charset="0"/>
+              </a:rPr>
+              <a:t>Required</a:t>
+            </a:r>
+            <a:r>
+              <a:rPr lang="en-US" b="0" dirty="0">
+                <a:latin typeface="Consolas" pitchFamily="49" charset="0"/>
+                <a:ea typeface="Calibri"/>
+                <a:cs typeface="Consolas" pitchFamily="49" charset="0"/>
+              </a:rPr>
+              <a:t>]</a:t>
+            </a:r>
+          </a:p>
+          <a:p>
+            <a:pPr marL="0" marR="0" algn="l">
+              <a:lnSpc>
+                <a:spcPct val="115000"/>
+              </a:lnSpc>
+              <a:spcBef>
+                <a:spcPts val="0"/>
+              </a:spcBef>
+              <a:spcAft>
+                <a:spcPts val="0"/>
+              </a:spcAft>
+            </a:pPr>
+            <a:r>
+              <a:rPr lang="en-US" b="0" dirty="0" smtClean="0">
+                <a:solidFill>
+                  <a:srgbClr val="0000FF"/>
+                </a:solidFill>
+                <a:latin typeface="Consolas" pitchFamily="49" charset="0"/>
+                <a:ea typeface="Calibri"/>
+                <a:cs typeface="Consolas" pitchFamily="49" charset="0"/>
+              </a:rPr>
+              <a:t>    public</a:t>
+            </a:r>
+            <a:r>
+              <a:rPr lang="en-US" b="0" dirty="0" smtClean="0">
+                <a:latin typeface="Consolas" pitchFamily="49" charset="0"/>
+                <a:ea typeface="Calibri"/>
+                <a:cs typeface="Consolas" pitchFamily="49" charset="0"/>
+              </a:rPr>
+              <a:t> </a:t>
+            </a:r>
+            <a:r>
+              <a:rPr lang="en-US" b="0" dirty="0">
+                <a:solidFill>
+                  <a:srgbClr val="0000FF"/>
+                </a:solidFill>
+                <a:latin typeface="Consolas" pitchFamily="49" charset="0"/>
+                <a:ea typeface="Calibri"/>
+                <a:cs typeface="Consolas" pitchFamily="49" charset="0"/>
+              </a:rPr>
+              <a:t>string</a:t>
+            </a:r>
+            <a:r>
+              <a:rPr lang="en-US" b="0" dirty="0">
+                <a:latin typeface="Consolas" pitchFamily="49" charset="0"/>
+                <a:ea typeface="Calibri"/>
+                <a:cs typeface="Consolas" pitchFamily="49" charset="0"/>
+              </a:rPr>
+              <a:t> Password { </a:t>
+            </a:r>
+            <a:r>
+              <a:rPr lang="en-US" b="0" dirty="0">
+                <a:solidFill>
+                  <a:srgbClr val="0000FF"/>
+                </a:solidFill>
+                <a:latin typeface="Consolas" pitchFamily="49" charset="0"/>
+                <a:ea typeface="Calibri"/>
+                <a:cs typeface="Consolas" pitchFamily="49" charset="0"/>
+              </a:rPr>
+              <a:t>get</a:t>
+            </a:r>
+            <a:r>
+              <a:rPr lang="en-US" b="0" dirty="0">
+                <a:latin typeface="Consolas" pitchFamily="49" charset="0"/>
+                <a:ea typeface="Calibri"/>
+                <a:cs typeface="Consolas" pitchFamily="49" charset="0"/>
+              </a:rPr>
+              <a:t>; </a:t>
+            </a:r>
+            <a:r>
+              <a:rPr lang="en-US" b="0" dirty="0">
+                <a:solidFill>
+                  <a:srgbClr val="0000FF"/>
+                </a:solidFill>
+                <a:latin typeface="Consolas" pitchFamily="49" charset="0"/>
+                <a:ea typeface="Calibri"/>
+                <a:cs typeface="Consolas" pitchFamily="49" charset="0"/>
+              </a:rPr>
+              <a:t>set</a:t>
+            </a:r>
+            <a:r>
+              <a:rPr lang="en-US" b="0" dirty="0">
+                <a:latin typeface="Consolas" pitchFamily="49" charset="0"/>
+                <a:ea typeface="Calibri"/>
+                <a:cs typeface="Consolas" pitchFamily="49" charset="0"/>
+              </a:rPr>
+              <a:t>; }</a:t>
+            </a:r>
+          </a:p>
+          <a:p>
+            <a:pPr marL="0" marR="0" algn="l">
+              <a:lnSpc>
+                <a:spcPct val="115000"/>
+              </a:lnSpc>
+              <a:spcBef>
+                <a:spcPts val="0"/>
+              </a:spcBef>
+              <a:spcAft>
+                <a:spcPts val="0"/>
+              </a:spcAft>
+            </a:pPr>
+            <a:r>
+              <a:rPr lang="en-US" b="0" dirty="0">
+                <a:latin typeface="Consolas" pitchFamily="49" charset="0"/>
+                <a:ea typeface="Calibri"/>
+                <a:cs typeface="Consolas" pitchFamily="49" charset="0"/>
+              </a:rPr>
+              <a:t> </a:t>
+            </a:r>
+          </a:p>
+          <a:p>
+            <a:pPr marL="0" marR="0" algn="l">
+              <a:lnSpc>
+                <a:spcPct val="115000"/>
+              </a:lnSpc>
+              <a:spcBef>
+                <a:spcPts val="0"/>
+              </a:spcBef>
+              <a:spcAft>
+                <a:spcPts val="0"/>
+              </a:spcAft>
+            </a:pPr>
+            <a:r>
+              <a:rPr lang="en-US" b="0" dirty="0" smtClean="0">
+                <a:solidFill>
+                  <a:srgbClr val="0000FF"/>
+                </a:solidFill>
+                <a:latin typeface="Consolas" pitchFamily="49" charset="0"/>
+                <a:ea typeface="Calibri"/>
+                <a:cs typeface="Consolas" pitchFamily="49" charset="0"/>
+              </a:rPr>
+              <a:t>    public</a:t>
+            </a:r>
+            <a:r>
+              <a:rPr lang="en-US" b="0" dirty="0" smtClean="0">
+                <a:latin typeface="Consolas" pitchFamily="49" charset="0"/>
+                <a:ea typeface="Calibri"/>
+                <a:cs typeface="Consolas" pitchFamily="49" charset="0"/>
+              </a:rPr>
+              <a:t> </a:t>
+            </a:r>
+            <a:r>
+              <a:rPr lang="en-US" b="0" dirty="0" err="1">
+                <a:solidFill>
+                  <a:srgbClr val="0000FF"/>
+                </a:solidFill>
+                <a:latin typeface="Consolas" pitchFamily="49" charset="0"/>
+                <a:ea typeface="Calibri"/>
+                <a:cs typeface="Consolas" pitchFamily="49" charset="0"/>
+              </a:rPr>
+              <a:t>bool</a:t>
+            </a:r>
+            <a:r>
+              <a:rPr lang="en-US" b="0" dirty="0">
+                <a:latin typeface="Consolas" pitchFamily="49" charset="0"/>
+                <a:ea typeface="Calibri"/>
+                <a:cs typeface="Consolas" pitchFamily="49" charset="0"/>
+              </a:rPr>
+              <a:t> </a:t>
+            </a:r>
+            <a:r>
+              <a:rPr lang="en-US" b="0" dirty="0" err="1">
+                <a:latin typeface="Consolas" pitchFamily="49" charset="0"/>
+                <a:ea typeface="Calibri"/>
+                <a:cs typeface="Consolas" pitchFamily="49" charset="0"/>
+              </a:rPr>
+              <a:t>RememberMe</a:t>
+            </a:r>
+            <a:r>
+              <a:rPr lang="en-US" b="0" dirty="0">
+                <a:latin typeface="Consolas" pitchFamily="49" charset="0"/>
+                <a:ea typeface="Calibri"/>
+                <a:cs typeface="Consolas" pitchFamily="49" charset="0"/>
+              </a:rPr>
+              <a:t> { </a:t>
+            </a:r>
+            <a:r>
+              <a:rPr lang="en-US" b="0" dirty="0">
+                <a:solidFill>
+                  <a:srgbClr val="0000FF"/>
+                </a:solidFill>
+                <a:latin typeface="Consolas" pitchFamily="49" charset="0"/>
+                <a:ea typeface="Calibri"/>
+                <a:cs typeface="Consolas" pitchFamily="49" charset="0"/>
+              </a:rPr>
+              <a:t>get</a:t>
+            </a:r>
+            <a:r>
+              <a:rPr lang="en-US" b="0" dirty="0">
+                <a:latin typeface="Consolas" pitchFamily="49" charset="0"/>
+                <a:ea typeface="Calibri"/>
+                <a:cs typeface="Consolas" pitchFamily="49" charset="0"/>
+              </a:rPr>
+              <a:t>; </a:t>
+            </a:r>
+            <a:r>
+              <a:rPr lang="en-US" b="0" dirty="0">
+                <a:solidFill>
+                  <a:srgbClr val="0000FF"/>
+                </a:solidFill>
+                <a:latin typeface="Consolas" pitchFamily="49" charset="0"/>
+                <a:ea typeface="Calibri"/>
+                <a:cs typeface="Consolas" pitchFamily="49" charset="0"/>
+              </a:rPr>
+              <a:t>set</a:t>
+            </a:r>
+            <a:r>
+              <a:rPr lang="en-US" b="0" dirty="0">
+                <a:latin typeface="Consolas" pitchFamily="49" charset="0"/>
+                <a:ea typeface="Calibri"/>
+                <a:cs typeface="Consolas" pitchFamily="49" charset="0"/>
+              </a:rPr>
+              <a:t>; }</a:t>
+            </a:r>
+          </a:p>
+          <a:p>
+            <a:pPr marL="0" marR="0" algn="l">
+              <a:lnSpc>
+                <a:spcPct val="115000"/>
+              </a:lnSpc>
+              <a:spcBef>
+                <a:spcPts val="0"/>
+              </a:spcBef>
+              <a:spcAft>
+                <a:spcPts val="0"/>
+              </a:spcAft>
+            </a:pPr>
+            <a:r>
+              <a:rPr lang="en-US" b="0" dirty="0">
+                <a:latin typeface="Consolas" pitchFamily="49" charset="0"/>
+                <a:ea typeface="Calibri"/>
+                <a:cs typeface="Consolas" pitchFamily="49" charset="0"/>
+              </a:rPr>
+              <a:t>}</a:t>
+            </a:r>
           </a:p>
           <a:p>
             <a:pPr marL="0" marR="0" algn="l">
@@ -6194,6 +6718,11 @@
         </p:txBody>
       </p:sp>
     </p:spTree>
+    <p:extLst>
+      <p:ext uri="{BB962C8B-B14F-4D97-AF65-F5344CB8AC3E}">
+        <p14:creationId xmlns:p14="http://schemas.microsoft.com/office/powerpoint/2010/main" val="2654214968"/>
+      </p:ext>
+    </p:extLst>
   </p:cSld>
   <p:clrMapOvr>
     <a:masterClrMapping/>
@@ -6245,6 +6774,258 @@
           <a:p>
             <a:r>
               <a:rPr lang="en-US" dirty="0" smtClean="0"/>
+              <a:t>Validation Messages</a:t>
+            </a:r>
+            <a:endParaRPr lang="en-US" dirty="0"/>
+          </a:p>
+        </p:txBody>
+      </p:sp>
+      <p:sp>
+        <p:nvSpPr>
+          <p:cNvPr id="3" name="Text Placeholder 2"/>
+          <p:cNvSpPr>
+            <a:spLocks noGrp="1"/>
+          </p:cNvSpPr>
+          <p:nvPr>
+            <p:ph type="body" idx="1"/>
+          </p:nvPr>
+        </p:nvSpPr>
+        <p:spPr/>
+        <p:txBody>
+          <a:bodyPr/>
+          <a:lstStyle/>
+          <a:p>
+            <a:r>
+              <a:rPr lang="en-US" dirty="0" err="1" smtClean="0"/>
+              <a:t>ValidationMessageFor</a:t>
+            </a:r>
+            <a:endParaRPr lang="en-US" dirty="0" smtClean="0"/>
+          </a:p>
+          <a:p>
+            <a:pPr lvl="1"/>
+            <a:r>
+              <a:rPr lang="en-US" dirty="0" smtClean="0"/>
+              <a:t>Display property level validation errors</a:t>
+            </a:r>
+          </a:p>
+          <a:p>
+            <a:r>
+              <a:rPr lang="en-US" dirty="0" err="1" smtClean="0"/>
+              <a:t>ValidationSummary</a:t>
+            </a:r>
+            <a:endParaRPr lang="en-US" dirty="0" smtClean="0"/>
+          </a:p>
+          <a:p>
+            <a:pPr lvl="1"/>
+            <a:r>
+              <a:rPr lang="en-US" dirty="0" smtClean="0"/>
+              <a:t>Display model level validation errors</a:t>
+            </a:r>
+            <a:endParaRPr lang="en-US" dirty="0"/>
+          </a:p>
+        </p:txBody>
+      </p:sp>
+      <p:sp>
+        <p:nvSpPr>
+          <p:cNvPr id="4" name="Text Placeholder 2"/>
+          <p:cNvSpPr txBox="1">
+            <a:spLocks/>
+          </p:cNvSpPr>
+          <p:nvPr/>
+        </p:nvSpPr>
+        <p:spPr bwMode="auto">
+          <a:xfrm>
+            <a:off x="1828800" y="3733800"/>
+            <a:ext cx="5029200" cy="685800"/>
+          </a:xfrm>
+          <a:prstGeom prst="rect">
+            <a:avLst/>
+          </a:prstGeom>
+          <a:solidFill>
+            <a:schemeClr val="accent2"/>
+          </a:solidFill>
+          <a:ln w="9525">
+            <a:solidFill>
+              <a:schemeClr val="tx1"/>
+            </a:solidFill>
+            <a:miter lim="800000"/>
+            <a:headEnd/>
+            <a:tailEnd/>
+          </a:ln>
+        </p:spPr>
+        <p:txBody>
+          <a:bodyPr vert="horz" wrap="square" lIns="91440" tIns="45720" rIns="91440" bIns="45720" numCol="1" anchor="t" anchorCtr="0" compatLnSpc="1">
+            <a:prstTxWarp prst="textNoShape">
+              <a:avLst/>
+            </a:prstTxWarp>
+          </a:bodyPr>
+          <a:lstStyle/>
+          <a:p>
+            <a:pPr marL="0" marR="0">
+              <a:lnSpc>
+                <a:spcPct val="115000"/>
+              </a:lnSpc>
+              <a:spcBef>
+                <a:spcPts val="0"/>
+              </a:spcBef>
+              <a:spcAft>
+                <a:spcPts val="0"/>
+              </a:spcAft>
+            </a:pPr>
+            <a:r>
+              <a:rPr lang="en-US" dirty="0" smtClean="0">
+                <a:highlight>
+                  <a:srgbClr val="FFFF00"/>
+                </a:highlight>
+                <a:latin typeface="Consolas"/>
+                <a:ea typeface="Calibri"/>
+                <a:cs typeface="Consolas"/>
+              </a:rPr>
+              <a:t>&lt;%</a:t>
+            </a:r>
+            <a:r>
+              <a:rPr lang="en-US" dirty="0" smtClean="0">
+                <a:solidFill>
+                  <a:srgbClr val="0000FF"/>
+                </a:solidFill>
+                <a:latin typeface="Consolas"/>
+                <a:ea typeface="Calibri"/>
+                <a:cs typeface="Consolas"/>
+              </a:rPr>
+              <a:t>:</a:t>
+            </a:r>
+            <a:r>
+              <a:rPr lang="en-US" dirty="0" smtClean="0">
+                <a:latin typeface="Consolas"/>
+                <a:ea typeface="Calibri"/>
+                <a:cs typeface="Consolas"/>
+              </a:rPr>
+              <a:t> </a:t>
+            </a:r>
+            <a:r>
+              <a:rPr lang="en-US" dirty="0" err="1" smtClean="0">
+                <a:latin typeface="Consolas"/>
+                <a:ea typeface="Calibri"/>
+                <a:cs typeface="Consolas"/>
+              </a:rPr>
+              <a:t>Html.ValidationSummary</a:t>
+            </a:r>
+            <a:r>
+              <a:rPr lang="en-US" dirty="0" smtClean="0">
+                <a:latin typeface="Consolas"/>
+                <a:ea typeface="Calibri"/>
+                <a:cs typeface="Consolas"/>
+              </a:rPr>
+              <a:t>(</a:t>
+            </a:r>
+            <a:r>
+              <a:rPr lang="en-US" dirty="0" smtClean="0">
+                <a:solidFill>
+                  <a:srgbClr val="0000FF"/>
+                </a:solidFill>
+                <a:latin typeface="Consolas"/>
+                <a:ea typeface="Calibri"/>
+                <a:cs typeface="Consolas"/>
+              </a:rPr>
+              <a:t>true</a:t>
+            </a:r>
+            <a:r>
+              <a:rPr lang="en-US" dirty="0" smtClean="0">
+                <a:latin typeface="Consolas"/>
+                <a:ea typeface="Calibri"/>
+                <a:cs typeface="Consolas"/>
+              </a:rPr>
+              <a:t>) </a:t>
+            </a:r>
+            <a:r>
+              <a:rPr lang="en-US" dirty="0" smtClean="0">
+                <a:highlight>
+                  <a:srgbClr val="FFFF00"/>
+                </a:highlight>
+                <a:latin typeface="Consolas"/>
+                <a:ea typeface="Calibri"/>
+                <a:cs typeface="Consolas"/>
+              </a:rPr>
+              <a:t>%&gt;</a:t>
+            </a:r>
+            <a:endParaRPr lang="en-US" sz="1400" dirty="0" smtClean="0">
+              <a:latin typeface="Calibri"/>
+              <a:ea typeface="Calibri"/>
+              <a:cs typeface="Times New Roman"/>
+            </a:endParaRPr>
+          </a:p>
+          <a:p>
+            <a:pPr marL="0" marR="0" algn="l">
+              <a:lnSpc>
+                <a:spcPct val="115000"/>
+              </a:lnSpc>
+              <a:spcBef>
+                <a:spcPts val="0"/>
+              </a:spcBef>
+              <a:spcAft>
+                <a:spcPts val="0"/>
+              </a:spcAft>
+            </a:pPr>
+            <a:endParaRPr lang="en-US" b="0" dirty="0">
+              <a:latin typeface="Consolas" pitchFamily="49" charset="0"/>
+              <a:ea typeface="Calibri"/>
+              <a:cs typeface="Consolas" pitchFamily="49" charset="0"/>
+            </a:endParaRPr>
+          </a:p>
+        </p:txBody>
+      </p:sp>
+    </p:spTree>
+  </p:cSld>
+  <p:clrMapOvr>
+    <a:masterClrMapping/>
+  </p:clrMapOvr>
+  <p:transition>
+    <p:fade/>
+  </p:transition>
+  <p:timing>
+    <p:tnLst>
+      <p:par>
+        <p:cTn id="1" dur="indefinite" restart="never" nodeType="tmRoot"/>
+      </p:par>
+    </p:tnLst>
+  </p:timing>
+</p:sld>
+</file>
+
+<file path=ppt/slides/slide16.xml><?xml version="1.0" encoding="utf-8"?>
+<p:sld xmlns:a="http://schemas.openxmlformats.org/drawingml/2006/main" xmlns:r="http://schemas.openxmlformats.org/officeDocument/2006/relationships" xmlns:p="http://schemas.openxmlformats.org/presentationml/2006/main">
+  <p:cSld>
+    <p:spTree>
+      <p:nvGrpSpPr>
+        <p:cNvPr id="1" name=""/>
+        <p:cNvGrpSpPr/>
+        <p:nvPr/>
+      </p:nvGrpSpPr>
+      <p:grpSpPr>
+        <a:xfrm>
+          <a:off x="0" y="0"/>
+          <a:ext cx="0" cy="0"/>
+          <a:chOff x="0" y="0"/>
+          <a:chExt cx="0" cy="0"/>
+        </a:xfrm>
+      </p:grpSpPr>
+      <p:sp>
+        <p:nvSpPr>
+          <p:cNvPr id="2" name="Title 1"/>
+          <p:cNvSpPr>
+            <a:spLocks noGrp="1"/>
+          </p:cNvSpPr>
+          <p:nvPr>
+            <p:ph type="title"/>
+          </p:nvPr>
+        </p:nvSpPr>
+        <p:spPr/>
+        <p:txBody>
+          <a:bodyPr/>
+          <a:lstStyle/>
+          <a:p>
+            <a:r>
+              <a:rPr lang="en-US" dirty="0" smtClean="0"/>
               <a:t>Custom Validation Annotations</a:t>
             </a:r>
             <a:endParaRPr lang="en-US" dirty="0"/>
@@ -7098,7 +7879,7 @@
 </p:sld>
 </file>
 
-<file path=ppt/slides/slide16.xml><?xml version="1.0" encoding="utf-8"?>
+<file path=ppt/slides/slide17.xml><?xml version="1.0" encoding="utf-8"?>
 <p:sld xmlns:a="http://schemas.openxmlformats.org/drawingml/2006/main" xmlns:r="http://schemas.openxmlformats.org/officeDocument/2006/relationships" xmlns:p="http://schemas.openxmlformats.org/presentationml/2006/main">
   <p:cSld>
     <p:spTree>
@@ -7622,7 +8403,7 @@
 </p:sld>
 </file>
 
-<file path=ppt/slides/slide17.xml><?xml version="1.0" encoding="utf-8"?>
+<file path=ppt/slides/slide18.xml><?xml version="1.0" encoding="utf-8"?>
 <p:sld xmlns:a="http://schemas.openxmlformats.org/drawingml/2006/main" xmlns:r="http://schemas.openxmlformats.org/officeDocument/2006/relationships" xmlns:p="http://schemas.openxmlformats.org/presentationml/2006/main">
   <p:cSld>
     <p:spTree>
@@ -10714,6 +11495,126 @@
           <a:p>
             <a:r>
               <a:rPr lang="en-US" dirty="0" smtClean="0"/>
+              <a:t>Model Binding Security</a:t>
+            </a:r>
+            <a:endParaRPr lang="en-US" dirty="0"/>
+          </a:p>
+        </p:txBody>
+      </p:sp>
+      <p:sp>
+        <p:nvSpPr>
+          <p:cNvPr id="3" name="Text Placeholder 2"/>
+          <p:cNvSpPr>
+            <a:spLocks noGrp="1"/>
+          </p:cNvSpPr>
+          <p:nvPr>
+            <p:ph type="body" idx="1"/>
+          </p:nvPr>
+        </p:nvSpPr>
+        <p:spPr/>
+        <p:txBody>
+          <a:bodyPr/>
+          <a:lstStyle/>
+          <a:p>
+            <a:r>
+              <a:rPr lang="en-US" dirty="0" smtClean="0"/>
+              <a:t>Beware of over-posting / mass assignment</a:t>
+            </a:r>
+            <a:endParaRPr lang="en-US" dirty="0"/>
+          </a:p>
+        </p:txBody>
+      </p:sp>
+      <p:pic>
+        <p:nvPicPr>
+          <p:cNvPr id="1026" name="Picture 2" descr="composing the attack"/>
+          <p:cNvPicPr>
+            <a:picLocks noChangeAspect="1" noChangeArrowheads="1"/>
+          </p:cNvPicPr>
+          <p:nvPr/>
+        </p:nvPicPr>
+        <p:blipFill>
+          <a:blip r:embed="rId2">
+            <a:extLst>
+              <a:ext uri="{28A0092B-C50C-407E-A947-70E740481C1C}">
+                <a14:useLocalDpi xmlns:a14="http://schemas.microsoft.com/office/drawing/2010/main" val="0"/>
+              </a:ext>
+            </a:extLst>
+          </a:blip>
+          <a:srcRect/>
+          <a:stretch>
+            <a:fillRect/>
+          </a:stretch>
+        </p:blipFill>
+        <p:spPr bwMode="auto">
+          <a:xfrm>
+            <a:off x="1219200" y="1981199"/>
+            <a:ext cx="5943600" cy="4091701"/>
+          </a:xfrm>
+          <a:prstGeom prst="rect">
+            <a:avLst/>
+          </a:prstGeom>
+          <a:noFill/>
+          <a:extLst>
+            <a:ext uri="{909E8E84-426E-40DD-AFC4-6F175D3DCCD1}">
+              <a14:hiddenFill xmlns:a14="http://schemas.microsoft.com/office/drawing/2010/main">
+                <a:solidFill>
+                  <a:srgbClr val="FFFFFF"/>
+                </a:solidFill>
+              </a14:hiddenFill>
+            </a:ext>
+          </a:extLst>
+        </p:spPr>
+      </p:pic>
+    </p:spTree>
+    <p:extLst>
+      <p:ext uri="{BB962C8B-B14F-4D97-AF65-F5344CB8AC3E}">
+        <p14:creationId xmlns:p14="http://schemas.microsoft.com/office/powerpoint/2010/main" val="374320274"/>
+      </p:ext>
+    </p:extLst>
+  </p:cSld>
+  <p:clrMapOvr>
+    <a:masterClrMapping/>
+  </p:clrMapOvr>
+  <p:transition>
+    <p:fade/>
+  </p:transition>
+</p:sld>
+</file>
+
+<file path=ppt/slides/slide9.xml><?xml version="1.0" encoding="utf-8"?>
+<p:sld xmlns:a="http://schemas.openxmlformats.org/drawingml/2006/main" xmlns:r="http://schemas.openxmlformats.org/officeDocument/2006/relationships" xmlns:p="http://schemas.openxmlformats.org/presentationml/2006/main">
+  <p:cSld>
+    <p:spTree>
+      <p:nvGrpSpPr>
+        <p:cNvPr id="1" name=""/>
+        <p:cNvGrpSpPr/>
+        <p:nvPr/>
+      </p:nvGrpSpPr>
+      <p:grpSpPr>
+        <a:xfrm>
+          <a:off x="0" y="0"/>
+          <a:ext cx="0" cy="0"/>
+          <a:chOff x="0" y="0"/>
+          <a:chExt cx="0" cy="0"/>
+        </a:xfrm>
+      </p:grpSpPr>
+      <p:sp>
+        <p:nvSpPr>
+          <p:cNvPr id="2" name="Title 1"/>
+          <p:cNvSpPr>
+            <a:spLocks noGrp="1"/>
+          </p:cNvSpPr>
+          <p:nvPr>
+            <p:ph type="title"/>
+          </p:nvPr>
+        </p:nvSpPr>
+        <p:spPr/>
+        <p:txBody>
+          <a:bodyPr/>
+          <a:lstStyle/>
+          <a:p>
+            <a:r>
+              <a:rPr lang="en-US" dirty="0" smtClean="0"/>
               <a:t>White Lists and Black Lists</a:t>
             </a:r>
             <a:endParaRPr lang="en-US" dirty="0"/>
@@ -11600,785 +12501,6 @@
               </a:rPr>
               <a:t> </a:t>
             </a:r>
-          </a:p>
-          <a:p>
-            <a:pPr marL="0" marR="0" algn="l">
-              <a:lnSpc>
-                <a:spcPct val="115000"/>
-              </a:lnSpc>
-              <a:spcBef>
-                <a:spcPts val="0"/>
-              </a:spcBef>
-              <a:spcAft>
-                <a:spcPts val="0"/>
-              </a:spcAft>
-            </a:pPr>
-            <a:endParaRPr lang="en-US" sz="1800" b="0" dirty="0">
-              <a:latin typeface="Calibri"/>
-              <a:ea typeface="Calibri"/>
-              <a:cs typeface="Times New Roman"/>
-            </a:endParaRPr>
-          </a:p>
-        </p:txBody>
-      </p:sp>
-    </p:spTree>
-  </p:cSld>
-  <p:clrMapOvr>
-    <a:masterClrMapping/>
-  </p:clrMapOvr>
-  <p:transition>
-    <p:fade/>
-  </p:transition>
-  <p:timing>
-    <p:tnLst>
-      <p:par>
-        <p:cTn id="1" dur="indefinite" restart="never" nodeType="tmRoot"/>
-      </p:par>
-    </p:tnLst>
-  </p:timing>
-</p:sld>
-</file>
-
-<file path=ppt/slides/slide9.xml><?xml version="1.0" encoding="utf-8"?>
-<p:sld xmlns:a="http://schemas.openxmlformats.org/drawingml/2006/main" xmlns:r="http://schemas.openxmlformats.org/officeDocument/2006/relationships" xmlns:p="http://schemas.openxmlformats.org/presentationml/2006/main">
-  <p:cSld>
-    <p:spTree>
-      <p:nvGrpSpPr>
-        <p:cNvPr id="1" name=""/>
-        <p:cNvGrpSpPr/>
-        <p:nvPr/>
-      </p:nvGrpSpPr>
-      <p:grpSpPr>
-        <a:xfrm>
-          <a:off x="0" y="0"/>
-          <a:ext cx="0" cy="0"/>
-          <a:chOff x="0" y="0"/>
-          <a:chExt cx="0" cy="0"/>
-        </a:xfrm>
-      </p:grpSpPr>
-      <p:sp>
-        <p:nvSpPr>
-          <p:cNvPr id="2" name="Title 1"/>
-          <p:cNvSpPr>
-            <a:spLocks noGrp="1"/>
-          </p:cNvSpPr>
-          <p:nvPr>
-            <p:ph type="title"/>
-          </p:nvPr>
-        </p:nvSpPr>
-        <p:spPr/>
-        <p:txBody>
-          <a:bodyPr/>
-          <a:lstStyle/>
-          <a:p>
-            <a:r>
-              <a:rPr lang="en-US" dirty="0" smtClean="0"/>
-              <a:t>Using Parameters</a:t>
-            </a:r>
-            <a:endParaRPr lang="en-US" dirty="0"/>
-          </a:p>
-        </p:txBody>
-      </p:sp>
-      <p:sp>
-        <p:nvSpPr>
-          <p:cNvPr id="3" name="Text Placeholder 2"/>
-          <p:cNvSpPr>
-            <a:spLocks noGrp="1"/>
-          </p:cNvSpPr>
-          <p:nvPr>
-            <p:ph type="body" idx="1"/>
-          </p:nvPr>
-        </p:nvSpPr>
-        <p:spPr/>
-        <p:txBody>
-          <a:bodyPr/>
-          <a:lstStyle/>
-          <a:p>
-            <a:r>
-              <a:rPr lang="en-US" dirty="0" smtClean="0"/>
-              <a:t>Parameters become required values for the action</a:t>
-            </a:r>
-          </a:p>
-          <a:p>
-            <a:pPr lvl="1"/>
-            <a:r>
-              <a:rPr lang="en-US" dirty="0" smtClean="0"/>
-              <a:t>Can fail when value not found</a:t>
-            </a:r>
-          </a:p>
-          <a:p>
-            <a:pPr lvl="1"/>
-            <a:r>
-              <a:rPr lang="en-US" dirty="0" err="1" smtClean="0"/>
-              <a:t>Nullable</a:t>
-            </a:r>
-            <a:r>
-              <a:rPr lang="en-US" dirty="0" smtClean="0"/>
-              <a:t> parameters become optional</a:t>
-            </a:r>
-          </a:p>
-        </p:txBody>
-      </p:sp>
-      <p:sp>
-        <p:nvSpPr>
-          <p:cNvPr id="4" name="Text Placeholder 2"/>
-          <p:cNvSpPr txBox="1">
-            <a:spLocks/>
-          </p:cNvSpPr>
-          <p:nvPr/>
-        </p:nvSpPr>
-        <p:spPr bwMode="auto">
-          <a:xfrm>
-            <a:off x="685800" y="2590800"/>
-            <a:ext cx="7543800" cy="3886200"/>
-          </a:xfrm>
-          <a:prstGeom prst="rect">
-            <a:avLst/>
-          </a:prstGeom>
-          <a:solidFill>
-            <a:schemeClr val="accent2"/>
-          </a:solidFill>
-          <a:ln w="9525">
-            <a:solidFill>
-              <a:schemeClr val="tx1"/>
-            </a:solidFill>
-            <a:miter lim="800000"/>
-            <a:headEnd/>
-            <a:tailEnd/>
-          </a:ln>
-        </p:spPr>
-        <p:txBody>
-          <a:bodyPr vert="horz" wrap="square" lIns="91440" tIns="45720" rIns="91440" bIns="45720" numCol="1" anchor="t" anchorCtr="0" compatLnSpc="1">
-            <a:prstTxWarp prst="textNoShape">
-              <a:avLst/>
-            </a:prstTxWarp>
-          </a:bodyPr>
-          <a:lstStyle/>
-          <a:p>
-            <a:pPr marL="0" marR="0" algn="l">
-              <a:lnSpc>
-                <a:spcPct val="115000"/>
-              </a:lnSpc>
-              <a:spcBef>
-                <a:spcPts val="0"/>
-              </a:spcBef>
-              <a:spcAft>
-                <a:spcPts val="0"/>
-              </a:spcAft>
-            </a:pPr>
-            <a:r>
-              <a:rPr lang="en-US" sz="1800" b="0" dirty="0" smtClean="0">
-                <a:latin typeface="Consolas"/>
-                <a:ea typeface="Calibri"/>
-                <a:cs typeface="Times New Roman"/>
-              </a:rPr>
-              <a:t>[</a:t>
-            </a:r>
-            <a:r>
-              <a:rPr lang="en-US" sz="1800" b="0" dirty="0" err="1" smtClean="0">
-                <a:solidFill>
-                  <a:srgbClr val="2B91AF"/>
-                </a:solidFill>
-                <a:latin typeface="Consolas"/>
-                <a:ea typeface="Calibri"/>
-                <a:cs typeface="Times New Roman"/>
-              </a:rPr>
-              <a:t>AcceptVerbs</a:t>
-            </a:r>
-            <a:r>
-              <a:rPr lang="en-US" sz="1800" b="0" dirty="0" smtClean="0">
-                <a:latin typeface="Consolas"/>
-                <a:ea typeface="Calibri"/>
-                <a:cs typeface="Times New Roman"/>
-              </a:rPr>
-              <a:t>(</a:t>
-            </a:r>
-            <a:r>
-              <a:rPr lang="en-US" sz="1800" b="0" dirty="0" err="1" smtClean="0">
-                <a:solidFill>
-                  <a:srgbClr val="2B91AF"/>
-                </a:solidFill>
-                <a:latin typeface="Consolas"/>
-                <a:ea typeface="Calibri"/>
-                <a:cs typeface="Times New Roman"/>
-              </a:rPr>
-              <a:t>HttpVerbs</a:t>
-            </a:r>
-            <a:r>
-              <a:rPr lang="en-US" sz="1800" b="0" dirty="0" err="1" smtClean="0">
-                <a:latin typeface="Consolas"/>
-                <a:ea typeface="Calibri"/>
-                <a:cs typeface="Times New Roman"/>
-              </a:rPr>
-              <a:t>.Post</a:t>
-            </a:r>
-            <a:r>
-              <a:rPr lang="en-US" sz="1800" b="0" dirty="0" smtClean="0">
-                <a:latin typeface="Consolas"/>
-                <a:ea typeface="Calibri"/>
-                <a:cs typeface="Times New Roman"/>
-              </a:rPr>
-              <a:t>)]</a:t>
-            </a:r>
-            <a:endParaRPr lang="en-US" sz="1800" b="0" dirty="0" smtClean="0">
-              <a:latin typeface="Calibri"/>
-              <a:ea typeface="Calibri"/>
-              <a:cs typeface="Times New Roman"/>
-            </a:endParaRPr>
-          </a:p>
-          <a:p>
-            <a:pPr marL="0" marR="0" algn="l">
-              <a:lnSpc>
-                <a:spcPct val="115000"/>
-              </a:lnSpc>
-              <a:spcBef>
-                <a:spcPts val="0"/>
-              </a:spcBef>
-              <a:spcAft>
-                <a:spcPts val="0"/>
-              </a:spcAft>
-            </a:pPr>
-            <a:r>
-              <a:rPr lang="en-US" sz="1800" b="0" dirty="0" smtClean="0">
-                <a:solidFill>
-                  <a:srgbClr val="0000FF"/>
-                </a:solidFill>
-                <a:latin typeface="Consolas"/>
-                <a:ea typeface="Calibri"/>
-                <a:cs typeface="Times New Roman"/>
-              </a:rPr>
-              <a:t>public</a:t>
-            </a:r>
-            <a:r>
-              <a:rPr lang="en-US" sz="1800" b="0" dirty="0" smtClean="0">
-                <a:latin typeface="Consolas"/>
-                <a:ea typeface="Calibri"/>
-                <a:cs typeface="Times New Roman"/>
-              </a:rPr>
-              <a:t> </a:t>
-            </a:r>
-            <a:r>
-              <a:rPr lang="en-US" sz="1800" b="0" dirty="0" err="1" smtClean="0">
-                <a:solidFill>
-                  <a:srgbClr val="2B91AF"/>
-                </a:solidFill>
-                <a:latin typeface="Consolas"/>
-                <a:ea typeface="Calibri"/>
-                <a:cs typeface="Times New Roman"/>
-              </a:rPr>
-              <a:t>ActionResult</a:t>
-            </a:r>
-            <a:r>
-              <a:rPr lang="en-US" sz="1800" b="0" dirty="0" smtClean="0">
-                <a:latin typeface="Consolas"/>
-                <a:ea typeface="Calibri"/>
-                <a:cs typeface="Times New Roman"/>
-              </a:rPr>
-              <a:t> Create(</a:t>
-            </a:r>
-            <a:r>
-              <a:rPr lang="en-US" sz="1800" b="0" dirty="0" smtClean="0">
-                <a:solidFill>
-                  <a:srgbClr val="0000FF"/>
-                </a:solidFill>
-                <a:latin typeface="Consolas"/>
-                <a:ea typeface="Calibri"/>
-                <a:cs typeface="Times New Roman"/>
-              </a:rPr>
-              <a:t>string</a:t>
-            </a:r>
-            <a:r>
-              <a:rPr lang="en-US" sz="1800" b="0" dirty="0" smtClean="0">
-                <a:latin typeface="Consolas"/>
-                <a:ea typeface="Calibri"/>
-                <a:cs typeface="Times New Roman"/>
-              </a:rPr>
-              <a:t> name, </a:t>
-            </a:r>
-            <a:r>
-              <a:rPr lang="en-US" sz="1800" b="0" dirty="0" err="1" smtClean="0">
-                <a:solidFill>
-                  <a:srgbClr val="2B91AF"/>
-                </a:solidFill>
-                <a:latin typeface="Consolas"/>
-                <a:ea typeface="Calibri"/>
-                <a:cs typeface="Times New Roman"/>
-              </a:rPr>
-              <a:t>DateTime</a:t>
-            </a:r>
-            <a:r>
-              <a:rPr lang="en-US" sz="1800" b="0" dirty="0" smtClean="0">
-                <a:latin typeface="Consolas"/>
-                <a:ea typeface="Calibri"/>
-                <a:cs typeface="Times New Roman"/>
-              </a:rPr>
-              <a:t> </a:t>
-            </a:r>
-            <a:r>
-              <a:rPr lang="en-US" sz="1800" b="0" dirty="0" err="1" smtClean="0">
-                <a:latin typeface="Consolas"/>
-                <a:ea typeface="Calibri"/>
-                <a:cs typeface="Times New Roman"/>
-              </a:rPr>
-              <a:t>hireDate</a:t>
-            </a:r>
-            <a:r>
-              <a:rPr lang="en-US" sz="1800" b="0" dirty="0" smtClean="0">
-                <a:latin typeface="Consolas"/>
-                <a:ea typeface="Calibri"/>
-                <a:cs typeface="Times New Roman"/>
-              </a:rPr>
-              <a:t>)</a:t>
-            </a:r>
-            <a:endParaRPr lang="en-US" sz="1800" b="0" dirty="0" smtClean="0">
-              <a:latin typeface="Calibri"/>
-              <a:ea typeface="Calibri"/>
-              <a:cs typeface="Times New Roman"/>
-            </a:endParaRPr>
-          </a:p>
-          <a:p>
-            <a:pPr marL="0" marR="0" algn="l">
-              <a:lnSpc>
-                <a:spcPct val="115000"/>
-              </a:lnSpc>
-              <a:spcBef>
-                <a:spcPts val="0"/>
-              </a:spcBef>
-              <a:spcAft>
-                <a:spcPts val="0"/>
-              </a:spcAft>
-            </a:pPr>
-            <a:r>
-              <a:rPr lang="en-US" sz="1800" b="0" dirty="0" smtClean="0">
-                <a:latin typeface="Consolas"/>
-                <a:ea typeface="Calibri"/>
-                <a:cs typeface="Times New Roman"/>
-              </a:rPr>
-              <a:t>{</a:t>
-            </a:r>
-            <a:endParaRPr lang="en-US" sz="1800" b="0" dirty="0" smtClean="0">
-              <a:latin typeface="Calibri"/>
-              <a:ea typeface="Calibri"/>
-              <a:cs typeface="Times New Roman"/>
-            </a:endParaRPr>
-          </a:p>
-          <a:p>
-            <a:pPr marL="0" marR="0" algn="l">
-              <a:lnSpc>
-                <a:spcPct val="115000"/>
-              </a:lnSpc>
-              <a:spcBef>
-                <a:spcPts val="0"/>
-              </a:spcBef>
-              <a:spcAft>
-                <a:spcPts val="0"/>
-              </a:spcAft>
-            </a:pPr>
-            <a:r>
-              <a:rPr lang="en-US" sz="1800" b="0" dirty="0" smtClean="0">
-                <a:latin typeface="Consolas"/>
-                <a:ea typeface="Calibri"/>
-                <a:cs typeface="Times New Roman"/>
-              </a:rPr>
-              <a:t>    </a:t>
-            </a:r>
-            <a:r>
-              <a:rPr lang="en-US" sz="1800" b="0" dirty="0" smtClean="0">
-                <a:solidFill>
-                  <a:srgbClr val="0000FF"/>
-                </a:solidFill>
-                <a:latin typeface="Consolas"/>
-                <a:ea typeface="Calibri"/>
-                <a:cs typeface="Times New Roman"/>
-              </a:rPr>
-              <a:t>try</a:t>
-            </a:r>
-            <a:endParaRPr lang="en-US" sz="1800" b="0" dirty="0" smtClean="0">
-              <a:latin typeface="Calibri"/>
-              <a:ea typeface="Calibri"/>
-              <a:cs typeface="Times New Roman"/>
-            </a:endParaRPr>
-          </a:p>
-          <a:p>
-            <a:pPr marL="0" marR="0" algn="l">
-              <a:lnSpc>
-                <a:spcPct val="115000"/>
-              </a:lnSpc>
-              <a:spcBef>
-                <a:spcPts val="0"/>
-              </a:spcBef>
-              <a:spcAft>
-                <a:spcPts val="0"/>
-              </a:spcAft>
-            </a:pPr>
-            <a:r>
-              <a:rPr lang="en-US" sz="1800" b="0" dirty="0" smtClean="0">
-                <a:latin typeface="Consolas"/>
-                <a:ea typeface="Calibri"/>
-                <a:cs typeface="Times New Roman"/>
-              </a:rPr>
-              <a:t>    {</a:t>
-            </a:r>
-            <a:endParaRPr lang="en-US" sz="1800" b="0" dirty="0" smtClean="0">
-              <a:latin typeface="Calibri"/>
-              <a:ea typeface="Calibri"/>
-              <a:cs typeface="Times New Roman"/>
-            </a:endParaRPr>
-          </a:p>
-          <a:p>
-            <a:pPr marL="0" marR="0" algn="l">
-              <a:lnSpc>
-                <a:spcPct val="115000"/>
-              </a:lnSpc>
-              <a:spcBef>
-                <a:spcPts val="0"/>
-              </a:spcBef>
-              <a:spcAft>
-                <a:spcPts val="0"/>
-              </a:spcAft>
-            </a:pPr>
-            <a:r>
-              <a:rPr lang="en-US" sz="1800" b="0" dirty="0" smtClean="0">
-                <a:latin typeface="Consolas"/>
-                <a:ea typeface="Calibri"/>
-                <a:cs typeface="Times New Roman"/>
-              </a:rPr>
-              <a:t>        </a:t>
-            </a:r>
-            <a:r>
-              <a:rPr lang="en-US" sz="1800" b="0" dirty="0" err="1" smtClean="0">
-                <a:solidFill>
-                  <a:srgbClr val="0000FF"/>
-                </a:solidFill>
-                <a:latin typeface="Consolas"/>
-                <a:ea typeface="Calibri"/>
-                <a:cs typeface="Times New Roman"/>
-              </a:rPr>
-              <a:t>var</a:t>
-            </a:r>
-            <a:r>
-              <a:rPr lang="en-US" sz="1800" b="0" dirty="0" smtClean="0">
-                <a:latin typeface="Consolas"/>
-                <a:ea typeface="Calibri"/>
-                <a:cs typeface="Times New Roman"/>
-              </a:rPr>
-              <a:t> employee = </a:t>
-            </a:r>
-            <a:r>
-              <a:rPr lang="en-US" sz="1800" b="0" dirty="0" smtClean="0">
-                <a:solidFill>
-                  <a:srgbClr val="0000FF"/>
-                </a:solidFill>
-                <a:latin typeface="Consolas"/>
-                <a:ea typeface="Calibri"/>
-                <a:cs typeface="Times New Roman"/>
-              </a:rPr>
-              <a:t>new</a:t>
-            </a:r>
-            <a:r>
-              <a:rPr lang="en-US" sz="1800" b="0" dirty="0" smtClean="0">
-                <a:latin typeface="Consolas"/>
-                <a:ea typeface="Calibri"/>
-                <a:cs typeface="Times New Roman"/>
-              </a:rPr>
-              <a:t> </a:t>
-            </a:r>
-            <a:r>
-              <a:rPr lang="en-US" sz="1800" b="0" dirty="0" smtClean="0">
-                <a:solidFill>
-                  <a:srgbClr val="2B91AF"/>
-                </a:solidFill>
-                <a:latin typeface="Consolas"/>
-                <a:ea typeface="Calibri"/>
-                <a:cs typeface="Times New Roman"/>
-              </a:rPr>
-              <a:t>Employee</a:t>
-            </a:r>
-            <a:r>
-              <a:rPr lang="en-US" sz="1800" b="0" dirty="0" smtClean="0">
-                <a:latin typeface="Consolas"/>
-                <a:ea typeface="Calibri"/>
-                <a:cs typeface="Times New Roman"/>
-              </a:rPr>
-              <a:t>();</a:t>
-            </a:r>
-            <a:endParaRPr lang="en-US" sz="1800" b="0" dirty="0" smtClean="0">
-              <a:latin typeface="Calibri"/>
-              <a:ea typeface="Calibri"/>
-              <a:cs typeface="Times New Roman"/>
-            </a:endParaRPr>
-          </a:p>
-          <a:p>
-            <a:pPr marL="0" marR="0" algn="l">
-              <a:lnSpc>
-                <a:spcPct val="115000"/>
-              </a:lnSpc>
-              <a:spcBef>
-                <a:spcPts val="0"/>
-              </a:spcBef>
-              <a:spcAft>
-                <a:spcPts val="0"/>
-              </a:spcAft>
-            </a:pPr>
-            <a:r>
-              <a:rPr lang="en-US" sz="1800" b="0" dirty="0" smtClean="0">
-                <a:latin typeface="Consolas"/>
-                <a:ea typeface="Calibri"/>
-                <a:cs typeface="Times New Roman"/>
-              </a:rPr>
-              <a:t>        </a:t>
-            </a:r>
-            <a:r>
-              <a:rPr lang="en-US" sz="1800" b="0" dirty="0" err="1" smtClean="0">
-                <a:latin typeface="Consolas"/>
-                <a:ea typeface="Calibri"/>
-                <a:cs typeface="Times New Roman"/>
-              </a:rPr>
-              <a:t>employee.Name</a:t>
-            </a:r>
-            <a:r>
-              <a:rPr lang="en-US" sz="1800" b="0" dirty="0" smtClean="0">
-                <a:latin typeface="Consolas"/>
-                <a:ea typeface="Calibri"/>
-                <a:cs typeface="Times New Roman"/>
-              </a:rPr>
-              <a:t> = name;</a:t>
-            </a:r>
-            <a:endParaRPr lang="en-US" sz="1800" b="0" dirty="0" smtClean="0">
-              <a:latin typeface="Calibri"/>
-              <a:ea typeface="Calibri"/>
-              <a:cs typeface="Times New Roman"/>
-            </a:endParaRPr>
-          </a:p>
-          <a:p>
-            <a:pPr marL="0" marR="0" algn="l">
-              <a:lnSpc>
-                <a:spcPct val="115000"/>
-              </a:lnSpc>
-              <a:spcBef>
-                <a:spcPts val="0"/>
-              </a:spcBef>
-              <a:spcAft>
-                <a:spcPts val="0"/>
-              </a:spcAft>
-            </a:pPr>
-            <a:r>
-              <a:rPr lang="en-US" sz="1800" b="0" dirty="0" smtClean="0">
-                <a:latin typeface="Consolas"/>
-                <a:ea typeface="Calibri"/>
-                <a:cs typeface="Times New Roman"/>
-              </a:rPr>
-              <a:t>        </a:t>
-            </a:r>
-            <a:r>
-              <a:rPr lang="en-US" sz="1800" b="0" dirty="0" err="1" smtClean="0">
-                <a:latin typeface="Consolas"/>
-                <a:ea typeface="Calibri"/>
-                <a:cs typeface="Times New Roman"/>
-              </a:rPr>
-              <a:t>employee.HireDate</a:t>
-            </a:r>
-            <a:r>
-              <a:rPr lang="en-US" sz="1800" b="0" dirty="0" smtClean="0">
-                <a:latin typeface="Consolas"/>
-                <a:ea typeface="Calibri"/>
-                <a:cs typeface="Times New Roman"/>
-              </a:rPr>
-              <a:t> = </a:t>
-            </a:r>
-            <a:r>
-              <a:rPr lang="en-US" sz="1800" b="0" dirty="0" err="1" smtClean="0">
-                <a:latin typeface="Consolas"/>
-                <a:ea typeface="Calibri"/>
-                <a:cs typeface="Times New Roman"/>
-              </a:rPr>
-              <a:t>hireDate</a:t>
-            </a:r>
-            <a:r>
-              <a:rPr lang="en-US" sz="1800" b="0" dirty="0" smtClean="0">
-                <a:latin typeface="Consolas"/>
-                <a:ea typeface="Calibri"/>
-                <a:cs typeface="Times New Roman"/>
-              </a:rPr>
-              <a:t>;</a:t>
-            </a:r>
-            <a:endParaRPr lang="en-US" sz="1800" b="0" dirty="0" smtClean="0">
-              <a:latin typeface="Calibri"/>
-              <a:ea typeface="Calibri"/>
-              <a:cs typeface="Times New Roman"/>
-            </a:endParaRPr>
-          </a:p>
-          <a:p>
-            <a:pPr marL="0" marR="0" algn="l">
-              <a:lnSpc>
-                <a:spcPct val="115000"/>
-              </a:lnSpc>
-              <a:spcBef>
-                <a:spcPts val="0"/>
-              </a:spcBef>
-              <a:spcAft>
-                <a:spcPts val="0"/>
-              </a:spcAft>
-            </a:pPr>
-            <a:r>
-              <a:rPr lang="en-US" sz="1800" b="0" dirty="0" smtClean="0">
-                <a:latin typeface="Consolas"/>
-                <a:ea typeface="Calibri"/>
-                <a:cs typeface="Times New Roman"/>
-              </a:rPr>
-              <a:t>        </a:t>
-            </a:r>
-            <a:endParaRPr lang="en-US" sz="1800" b="0" dirty="0" smtClean="0">
-              <a:latin typeface="Calibri"/>
-              <a:ea typeface="Calibri"/>
-              <a:cs typeface="Times New Roman"/>
-            </a:endParaRPr>
-          </a:p>
-          <a:p>
-            <a:pPr marL="0" marR="0" algn="l">
-              <a:lnSpc>
-                <a:spcPct val="115000"/>
-              </a:lnSpc>
-              <a:spcBef>
-                <a:spcPts val="0"/>
-              </a:spcBef>
-              <a:spcAft>
-                <a:spcPts val="0"/>
-              </a:spcAft>
-            </a:pPr>
-            <a:r>
-              <a:rPr lang="en-US" sz="1800" b="0" dirty="0" smtClean="0">
-                <a:latin typeface="Consolas"/>
-                <a:ea typeface="Calibri"/>
-                <a:cs typeface="Times New Roman"/>
-              </a:rPr>
-              <a:t>        </a:t>
-            </a:r>
-            <a:r>
-              <a:rPr lang="en-US" sz="1800" b="0" dirty="0" err="1" smtClean="0">
-                <a:solidFill>
-                  <a:srgbClr val="0000FF"/>
-                </a:solidFill>
-                <a:latin typeface="Consolas"/>
-                <a:ea typeface="Calibri"/>
-                <a:cs typeface="Times New Roman"/>
-              </a:rPr>
-              <a:t>var</a:t>
-            </a:r>
-            <a:r>
-              <a:rPr lang="en-US" sz="1800" b="0" dirty="0" smtClean="0">
-                <a:latin typeface="Consolas"/>
-                <a:ea typeface="Calibri"/>
-                <a:cs typeface="Times New Roman"/>
-              </a:rPr>
-              <a:t> repository = </a:t>
-            </a:r>
-            <a:r>
-              <a:rPr lang="en-US" sz="1800" b="0" dirty="0" smtClean="0">
-                <a:solidFill>
-                  <a:srgbClr val="0000FF"/>
-                </a:solidFill>
-                <a:latin typeface="Consolas"/>
-                <a:ea typeface="Calibri"/>
-                <a:cs typeface="Times New Roman"/>
-              </a:rPr>
-              <a:t>new</a:t>
-            </a:r>
-            <a:r>
-              <a:rPr lang="en-US" sz="1800" b="0" dirty="0" smtClean="0">
-                <a:latin typeface="Consolas"/>
-                <a:ea typeface="Calibri"/>
-                <a:cs typeface="Times New Roman"/>
-              </a:rPr>
-              <a:t> </a:t>
-            </a:r>
-            <a:r>
-              <a:rPr lang="en-US" sz="1800" b="0" dirty="0" err="1" smtClean="0">
-                <a:solidFill>
-                  <a:srgbClr val="2B91AF"/>
-                </a:solidFill>
-                <a:latin typeface="Consolas"/>
-                <a:ea typeface="Calibri"/>
-                <a:cs typeface="Times New Roman"/>
-              </a:rPr>
-              <a:t>EmployeeRepository</a:t>
-            </a:r>
-            <a:r>
-              <a:rPr lang="en-US" sz="1800" b="0" dirty="0" smtClean="0">
-                <a:latin typeface="Consolas"/>
-                <a:ea typeface="Calibri"/>
-                <a:cs typeface="Times New Roman"/>
-              </a:rPr>
-              <a:t>();        </a:t>
-            </a:r>
-            <a:endParaRPr lang="en-US" sz="1800" b="0" dirty="0" smtClean="0">
-              <a:latin typeface="Calibri"/>
-              <a:ea typeface="Calibri"/>
-              <a:cs typeface="Times New Roman"/>
-            </a:endParaRPr>
-          </a:p>
-          <a:p>
-            <a:pPr marL="0" marR="0" algn="l">
-              <a:lnSpc>
-                <a:spcPct val="115000"/>
-              </a:lnSpc>
-              <a:spcBef>
-                <a:spcPts val="0"/>
-              </a:spcBef>
-              <a:spcAft>
-                <a:spcPts val="0"/>
-              </a:spcAft>
-            </a:pPr>
-            <a:r>
-              <a:rPr lang="en-US" sz="1800" b="0" dirty="0" smtClean="0">
-                <a:latin typeface="Consolas"/>
-                <a:ea typeface="Calibri"/>
-                <a:cs typeface="Times New Roman"/>
-              </a:rPr>
-              <a:t>        </a:t>
-            </a:r>
-            <a:r>
-              <a:rPr lang="en-US" sz="1800" b="0" dirty="0" err="1" smtClean="0">
-                <a:latin typeface="Consolas"/>
-                <a:ea typeface="Calibri"/>
-                <a:cs typeface="Times New Roman"/>
-              </a:rPr>
-              <a:t>repository.Add</a:t>
-            </a:r>
-            <a:r>
-              <a:rPr lang="en-US" sz="1800" b="0" dirty="0" smtClean="0">
-                <a:latin typeface="Consolas"/>
-                <a:ea typeface="Calibri"/>
-                <a:cs typeface="Times New Roman"/>
-              </a:rPr>
-              <a:t>(employee);</a:t>
-            </a:r>
-          </a:p>
-          <a:p>
-            <a:pPr marL="0" marR="0" algn="l">
-              <a:lnSpc>
-                <a:spcPct val="115000"/>
-              </a:lnSpc>
-              <a:spcBef>
-                <a:spcPts val="0"/>
-              </a:spcBef>
-              <a:spcAft>
-                <a:spcPts val="0"/>
-              </a:spcAft>
-            </a:pPr>
-            <a:r>
-              <a:rPr lang="en-US" sz="1800" b="0" dirty="0" smtClean="0">
-                <a:latin typeface="Consolas"/>
-                <a:ea typeface="Calibri"/>
-                <a:cs typeface="Times New Roman"/>
-              </a:rPr>
-              <a:t>...</a:t>
-            </a:r>
-            <a:endParaRPr lang="en-US" sz="1800" b="0" dirty="0" smtClean="0">
-              <a:latin typeface="Calibri"/>
-              <a:ea typeface="Calibri"/>
-              <a:cs typeface="Times New Roman"/>
-            </a:endParaRPr>
           </a:p>
           <a:p>
             <a:pPr marL="0" marR="0" algn="l">

--- a/mvc/slides/04_Models.pptx
+++ b/mvc/slides/04_Models.pptx
@@ -5,10 +5,10 @@
     <p:sldMasterId id="2147483772" r:id="rId1"/>
   </p:sldMasterIdLst>
   <p:notesMasterIdLst>
-    <p:notesMasterId r:id="rId20"/>
+    <p:notesMasterId r:id="rId21"/>
   </p:notesMasterIdLst>
   <p:handoutMasterIdLst>
-    <p:handoutMasterId r:id="rId21"/>
+    <p:handoutMasterId r:id="rId22"/>
   </p:handoutMasterIdLst>
   <p:sldIdLst>
     <p:sldId id="327" r:id="rId2"/>
@@ -25,10 +25,11 @@
     <p:sldId id="396" r:id="rId13"/>
     <p:sldId id="395" r:id="rId14"/>
     <p:sldId id="397" r:id="rId15"/>
-    <p:sldId id="398" r:id="rId16"/>
-    <p:sldId id="399" r:id="rId17"/>
-    <p:sldId id="400" r:id="rId18"/>
-    <p:sldId id="363" r:id="rId19"/>
+    <p:sldId id="402" r:id="rId16"/>
+    <p:sldId id="398" r:id="rId17"/>
+    <p:sldId id="399" r:id="rId18"/>
+    <p:sldId id="400" r:id="rId19"/>
+    <p:sldId id="363" r:id="rId20"/>
   </p:sldIdLst>
   <p:sldSz cx="9144000" cy="6858000" type="screen4x3"/>
   <p:notesSz cx="7302500" cy="9588500"/>
@@ -176,6 +177,7 @@
             <p14:sldId id="396"/>
             <p14:sldId id="395"/>
             <p14:sldId id="397"/>
+            <p14:sldId id="402"/>
             <p14:sldId id="398"/>
             <p14:sldId id="399"/>
             <p14:sldId id="400"/>
@@ -279,7 +281,7 @@
               <a:pPr>
                 <a:defRPr/>
               </a:pPr>
-              <a:t>7/7/2012</a:t>
+              <a:t>8/16/2012</a:t>
             </a:fld>
             <a:endParaRPr lang="en-US"/>
           </a:p>
@@ -1052,7 +1054,7 @@
             <a:fld id="{6F8E712A-3391-44E3-B8E1-37AE61B13131}" type="slidenum">
               <a:rPr lang="en-US" smtClean="0"/>
               <a:pPr/>
-              <a:t>18</a:t>
+              <a:t>19</a:t>
             </a:fld>
             <a:endParaRPr lang="en-US" smtClean="0"/>
           </a:p>
@@ -6774,6 +6776,161 @@
           <a:p>
             <a:r>
               <a:rPr lang="en-US" dirty="0" smtClean="0"/>
+              <a:t>Custom Templates</a:t>
+            </a:r>
+            <a:endParaRPr lang="en-US" dirty="0"/>
+          </a:p>
+        </p:txBody>
+      </p:sp>
+      <p:sp>
+        <p:nvSpPr>
+          <p:cNvPr id="3" name="Text Placeholder 2"/>
+          <p:cNvSpPr>
+            <a:spLocks noGrp="1"/>
+          </p:cNvSpPr>
+          <p:nvPr>
+            <p:ph type="body" idx="1"/>
+          </p:nvPr>
+        </p:nvSpPr>
+        <p:spPr/>
+        <p:txBody>
+          <a:bodyPr/>
+          <a:lstStyle/>
+          <a:p>
+            <a:r>
+              <a:rPr lang="en-US" dirty="0" smtClean="0"/>
+              <a:t>Use with </a:t>
+            </a:r>
+            <a:r>
+              <a:rPr lang="en-US" dirty="0" err="1" smtClean="0"/>
+              <a:t>DisplayFor</a:t>
+            </a:r>
+            <a:r>
+              <a:rPr lang="en-US" dirty="0" smtClean="0"/>
+              <a:t> and </a:t>
+            </a:r>
+            <a:r>
+              <a:rPr lang="en-US" dirty="0" err="1" smtClean="0"/>
+              <a:t>EditorFor</a:t>
+            </a:r>
+            <a:endParaRPr lang="en-US" dirty="0"/>
+          </a:p>
+        </p:txBody>
+      </p:sp>
+      <p:pic>
+        <p:nvPicPr>
+          <p:cNvPr id="4" name="Picture 3"/>
+          <p:cNvPicPr>
+            <a:picLocks noChangeAspect="1" noChangeArrowheads="1"/>
+          </p:cNvPicPr>
+          <p:nvPr/>
+        </p:nvPicPr>
+        <p:blipFill>
+          <a:blip r:embed="rId2">
+            <a:extLst>
+              <a:ext uri="{28A0092B-C50C-407E-A947-70E740481C1C}">
+                <a14:useLocalDpi xmlns:a14="http://schemas.microsoft.com/office/drawing/2010/main" val="0"/>
+              </a:ext>
+            </a:extLst>
+          </a:blip>
+          <a:srcRect/>
+          <a:stretch>
+            <a:fillRect/>
+          </a:stretch>
+        </p:blipFill>
+        <p:spPr bwMode="auto">
+          <a:xfrm>
+            <a:off x="1878249" y="2264676"/>
+            <a:ext cx="5055951" cy="3678924"/>
+          </a:xfrm>
+          <a:prstGeom prst="rect">
+            <a:avLst/>
+          </a:prstGeom>
+          <a:noFill/>
+          <a:ln>
+            <a:noFill/>
+          </a:ln>
+          <a:effectLst/>
+          <a:extLst>
+            <a:ext uri="{909E8E84-426E-40DD-AFC4-6F175D3DCCD1}">
+              <a14:hiddenFill xmlns:a14="http://schemas.microsoft.com/office/drawing/2010/main">
+                <a:solidFill>
+                  <a:schemeClr val="accent1"/>
+                </a:solidFill>
+              </a14:hiddenFill>
+            </a:ext>
+            <a:ext uri="{91240B29-F687-4F45-9708-019B960494DF}">
+              <a14:hiddenLine xmlns:a14="http://schemas.microsoft.com/office/drawing/2010/main" w="9525">
+                <a:solidFill>
+                  <a:schemeClr val="tx1"/>
+                </a:solidFill>
+                <a:miter lim="800000"/>
+                <a:headEnd/>
+                <a:tailEnd/>
+              </a14:hiddenLine>
+            </a:ext>
+            <a:ext uri="{AF507438-7753-43E0-B8FC-AC1667EBCBE1}">
+              <a14:hiddenEffects xmlns:a14="http://schemas.microsoft.com/office/drawing/2010/main">
+                <a:effectLst>
+                  <a:outerShdw dist="35921" dir="2700000" algn="ctr" rotWithShape="0">
+                    <a:schemeClr val="bg2"/>
+                  </a:outerShdw>
+                </a:effectLst>
+              </a14:hiddenEffects>
+            </a:ext>
+          </a:extLst>
+        </p:spPr>
+      </p:pic>
+    </p:spTree>
+    <p:extLst>
+      <p:ext uri="{BB962C8B-B14F-4D97-AF65-F5344CB8AC3E}">
+        <p14:creationId xmlns:p14="http://schemas.microsoft.com/office/powerpoint/2010/main" val="3679249282"/>
+      </p:ext>
+    </p:extLst>
+  </p:cSld>
+  <p:clrMapOvr>
+    <a:masterClrMapping/>
+  </p:clrMapOvr>
+  <p:transition>
+    <p:fade/>
+  </p:transition>
+</p:sld>
+</file>
+
+<file path=ppt/slides/slide16.xml><?xml version="1.0" encoding="utf-8"?>
+<p:sld xmlns:a="http://schemas.openxmlformats.org/drawingml/2006/main" xmlns:r="http://schemas.openxmlformats.org/officeDocument/2006/relationships" xmlns:p="http://schemas.openxmlformats.org/presentationml/2006/main">
+  <p:cSld>
+    <p:spTree>
+      <p:nvGrpSpPr>
+        <p:cNvPr id="1" name=""/>
+        <p:cNvGrpSpPr/>
+        <p:nvPr/>
+      </p:nvGrpSpPr>
+      <p:grpSpPr>
+        <a:xfrm>
+          <a:off x="0" y="0"/>
+          <a:ext cx="0" cy="0"/>
+          <a:chOff x="0" y="0"/>
+          <a:chExt cx="0" cy="0"/>
+        </a:xfrm>
+      </p:grpSpPr>
+      <p:sp>
+        <p:nvSpPr>
+          <p:cNvPr id="2" name="Title 1"/>
+          <p:cNvSpPr>
+            <a:spLocks noGrp="1"/>
+          </p:cNvSpPr>
+          <p:nvPr>
+            <p:ph type="title"/>
+          </p:nvPr>
+        </p:nvSpPr>
+        <p:spPr/>
+        <p:txBody>
+          <a:bodyPr/>
+          <a:lstStyle/>
+          <a:p>
+            <a:r>
+              <a:rPr lang="en-US" dirty="0" smtClean="0"/>
               <a:t>Validation Messages</a:t>
             </a:r>
             <a:endParaRPr lang="en-US" dirty="0"/>
@@ -6992,7 +7149,7 @@
 </p:sld>
 </file>
 
-<file path=ppt/slides/slide16.xml><?xml version="1.0" encoding="utf-8"?>
+<file path=ppt/slides/slide17.xml><?xml version="1.0" encoding="utf-8"?>
 <p:sld xmlns:a="http://schemas.openxmlformats.org/drawingml/2006/main" xmlns:r="http://schemas.openxmlformats.org/officeDocument/2006/relationships" xmlns:p="http://schemas.openxmlformats.org/presentationml/2006/main">
   <p:cSld>
     <p:spTree>
@@ -7879,7 +8036,7 @@
 </p:sld>
 </file>
 
-<file path=ppt/slides/slide17.xml><?xml version="1.0" encoding="utf-8"?>
+<file path=ppt/slides/slide18.xml><?xml version="1.0" encoding="utf-8"?>
 <p:sld xmlns:a="http://schemas.openxmlformats.org/drawingml/2006/main" xmlns:r="http://schemas.openxmlformats.org/officeDocument/2006/relationships" xmlns:p="http://schemas.openxmlformats.org/presentationml/2006/main">
   <p:cSld>
     <p:spTree>
@@ -8403,7 +8560,7 @@
 </p:sld>
 </file>
 
-<file path=ppt/slides/slide18.xml><?xml version="1.0" encoding="utf-8"?>
+<file path=ppt/slides/slide19.xml><?xml version="1.0" encoding="utf-8"?>
 <p:sld xmlns:a="http://schemas.openxmlformats.org/drawingml/2006/main" xmlns:r="http://schemas.openxmlformats.org/officeDocument/2006/relationships" xmlns:p="http://schemas.openxmlformats.org/presentationml/2006/main">
   <p:cSld>
     <p:spTree>
@@ -8515,16 +8672,16 @@
           <a:p>
             <a:pPr lvl="1"/>
             <a:r>
-              <a:rPr lang="en-US" smtClean="0"/>
+              <a:rPr lang="en-US" dirty="0" err="1" smtClean="0"/>
+              <a:t>NoSQL</a:t>
+            </a:r>
+            <a:endParaRPr lang="en-US" dirty="0" smtClean="0"/>
+          </a:p>
+          <a:p>
+            <a:pPr lvl="1"/>
+            <a:r>
+              <a:rPr lang="en-US" dirty="0" smtClean="0"/>
               <a:t>Entity Framework</a:t>
-            </a:r>
-            <a:endParaRPr lang="en-US" dirty="0" smtClean="0"/>
-          </a:p>
-          <a:p>
-            <a:pPr lvl="1"/>
-            <a:r>
-              <a:rPr lang="en-US" dirty="0" smtClean="0"/>
-              <a:t>Subsonic</a:t>
             </a:r>
           </a:p>
           <a:p>
@@ -8648,12 +8805,6 @@
             </a:r>
           </a:p>
           <a:p>
-            <a:r>
-              <a:rPr lang="en-US" dirty="0" smtClean="0"/>
-              <a:t>Building a model with the ADO.NET Entity Framework</a:t>
-            </a:r>
-          </a:p>
-          <a:p>
             <a:pPr>
               <a:buNone/>
             </a:pPr>
@@ -9764,7 +9915,7 @@
             <a:pPr lvl="1"/>
             <a:r>
               <a:rPr lang="en-US" dirty="0" smtClean="0"/>
-              <a:t>No complicated logic</a:t>
+              <a:t>No complicated logic in the view</a:t>
             </a:r>
           </a:p>
           <a:p>
@@ -9891,14 +10042,7 @@
             <a:pPr lvl="1"/>
             <a:r>
               <a:rPr lang="en-US" dirty="0" smtClean="0"/>
-              <a:t>Maps request to primitive action parameters …</a:t>
-            </a:r>
-          </a:p>
-          <a:p>
-            <a:pPr lvl="1"/>
-            <a:r>
-              <a:rPr lang="en-US" dirty="0" smtClean="0"/>
-              <a:t>… and complex types</a:t>
+              <a:t>Maps request to primitive action parameters and complex types</a:t>
             </a:r>
           </a:p>
         </p:txBody>
@@ -10846,18 +10990,6 @@
               <a:t> will move values</a:t>
             </a:r>
           </a:p>
-          <a:p>
-            <a:pPr lvl="1"/>
-            <a:r>
-              <a:rPr lang="en-US" dirty="0" smtClean="0"/>
-              <a:t>Automatically populates </a:t>
-            </a:r>
-            <a:r>
-              <a:rPr lang="en-US" dirty="0" err="1" smtClean="0"/>
-              <a:t>ModelState</a:t>
-            </a:r>
-            <a:endParaRPr lang="en-US" dirty="0"/>
-          </a:p>
         </p:txBody>
       </p:sp>
       <p:sp>
@@ -10870,7 +11002,7 @@
         </p:nvSpPr>
         <p:spPr bwMode="auto">
           <a:xfrm>
-            <a:off x="762000" y="2895600"/>
+            <a:off x="762000" y="2743200"/>
             <a:ext cx="7848600" cy="3657600"/>
           </a:xfrm>
           <a:prstGeom prst="rect">
